--- a/model_training/images/gradient_descent.pptx
+++ b/model_training/images/gradient_descent.pptx
@@ -107,6 +107,11 @@
       </a:defRPr>
     </a:lvl9pPr>
   </p:defaultTextStyle>
+  <p:extLst>
+    <p:ext uri="{EFAFB233-063F-42B5-8137-9DF3F51BA10A}">
+      <p15:sldGuideLst xmlns:p15="http://schemas.microsoft.com/office/powerpoint/2012/main"/>
+    </p:ext>
+  </p:extLst>
 </p:presentation>
 </file>
 
@@ -3760,66 +3765,12 @@
           <a:chExt cx="0" cy="0"/>
         </a:xfrm>
       </p:grpSpPr>
-      <p:sp>
-        <p:nvSpPr>
-          <p:cNvPr id="7" name="Arc 6">
-            <a:extLst>
-              <a:ext uri="{FF2B5EF4-FFF2-40B4-BE49-F238E27FC236}">
-                <a16:creationId xmlns:a16="http://schemas.microsoft.com/office/drawing/2014/main" id="{6BB030CD-A82D-1F48-8097-5FE96B5C10F7}"/>
-              </a:ext>
-            </a:extLst>
-          </p:cNvPr>
-          <p:cNvSpPr/>
-          <p:nvPr/>
-        </p:nvSpPr>
-        <p:spPr>
-          <a:xfrm rot="5400000">
-            <a:off x="3253722" y="401419"/>
-            <a:ext cx="3953083" cy="3150245"/>
-          </a:xfrm>
-          <a:prstGeom prst="arc">
-            <a:avLst>
-              <a:gd name="adj1" fmla="val 16200000"/>
-              <a:gd name="adj2" fmla="val 5357386"/>
-            </a:avLst>
-          </a:prstGeom>
-          <a:ln w="50800">
-            <a:solidFill>
-              <a:schemeClr val="accent2">
-                <a:lumMod val="75000"/>
-              </a:schemeClr>
-            </a:solidFill>
-          </a:ln>
-        </p:spPr>
-        <p:style>
-          <a:lnRef idx="1">
-            <a:schemeClr val="accent1"/>
-          </a:lnRef>
-          <a:fillRef idx="0">
-            <a:schemeClr val="accent1"/>
-          </a:fillRef>
-          <a:effectRef idx="0">
-            <a:schemeClr val="accent1"/>
-          </a:effectRef>
-          <a:fontRef idx="minor">
-            <a:schemeClr val="tx1"/>
-          </a:fontRef>
-        </p:style>
-        <p:txBody>
-          <a:bodyPr rtlCol="0" anchor="ctr"/>
-          <a:lstStyle/>
-          <a:p>
-            <a:pPr algn="ctr"/>
-            <a:endParaRPr lang="en-US"/>
-          </a:p>
-        </p:txBody>
-      </p:sp>
       <p:grpSp>
         <p:nvGrpSpPr>
-          <p:cNvPr id="42" name="Group 41">
-            <a:extLst>
-              <a:ext uri="{FF2B5EF4-FFF2-40B4-BE49-F238E27FC236}">
-                <a16:creationId xmlns:a16="http://schemas.microsoft.com/office/drawing/2014/main" id="{7ABB9B7E-98B7-6C4B-A52C-435063BF5F57}"/>
+          <p:cNvPr id="2" name="Group 1">
+            <a:extLst>
+              <a:ext uri="{FF2B5EF4-FFF2-40B4-BE49-F238E27FC236}">
+                <a16:creationId xmlns:a16="http://schemas.microsoft.com/office/drawing/2014/main" id="{C5345ACB-CD0B-6542-9AAB-449678DD3983}"/>
               </a:ext>
             </a:extLst>
           </p:cNvPr>
@@ -3828,34 +3779,41 @@
         </p:nvGrpSpPr>
         <p:grpSpPr>
           <a:xfrm>
-            <a:off x="1715803" y="1012371"/>
-            <a:ext cx="6196596" cy="3929742"/>
-            <a:chOff x="1715803" y="1012371"/>
-            <a:chExt cx="6196596" cy="3929742"/>
+            <a:off x="1715803" y="0"/>
+            <a:ext cx="6196596" cy="4942113"/>
+            <a:chOff x="1715803" y="0"/>
+            <a:chExt cx="6196596" cy="4942113"/>
           </a:xfrm>
         </p:grpSpPr>
-        <p:cxnSp>
-          <p:nvCxnSpPr>
-            <p:cNvPr id="3" name="Straight Connector 2">
+        <p:sp>
+          <p:nvSpPr>
+            <p:cNvPr id="7" name="Arc 6">
               <a:extLst>
                 <a:ext uri="{FF2B5EF4-FFF2-40B4-BE49-F238E27FC236}">
-                  <a16:creationId xmlns:a16="http://schemas.microsoft.com/office/drawing/2014/main" id="{1E0ACA42-8DB3-C54E-AD2C-2881041FFBAA}"/>
+                  <a16:creationId xmlns:a16="http://schemas.microsoft.com/office/drawing/2014/main" id="{6BB030CD-A82D-1F48-8097-5FE96B5C10F7}"/>
                 </a:ext>
               </a:extLst>
             </p:cNvPr>
-            <p:cNvCxnSpPr/>
+            <p:cNvSpPr/>
             <p:nvPr/>
-          </p:nvCxnSpPr>
+          </p:nvSpPr>
           <p:spPr>
-            <a:xfrm>
-              <a:off x="3135086" y="1012371"/>
-              <a:ext cx="0" cy="3505200"/>
+            <a:xfrm rot="5400000">
+              <a:off x="3253722" y="401419"/>
+              <a:ext cx="3953083" cy="3150245"/>
             </a:xfrm>
-            <a:prstGeom prst="line">
-              <a:avLst/>
+            <a:prstGeom prst="arc">
+              <a:avLst>
+                <a:gd name="adj1" fmla="val 16200000"/>
+                <a:gd name="adj2" fmla="val 5357386"/>
+              </a:avLst>
             </a:prstGeom>
-            <a:ln w="19050">
-              <a:headEnd type="triangle" w="lg" len="lg"/>
+            <a:ln w="50800">
+              <a:solidFill>
+                <a:schemeClr val="accent2">
+                  <a:lumMod val="75000"/>
+                </a:schemeClr>
+              </a:solidFill>
             </a:ln>
           </p:spPr>
           <p:style>
@@ -3872,305 +3830,6 @@
               <a:schemeClr val="tx1"/>
             </a:fontRef>
           </p:style>
-        </p:cxnSp>
-        <p:cxnSp>
-          <p:nvCxnSpPr>
-            <p:cNvPr id="4" name="Straight Connector 3">
-              <a:extLst>
-                <a:ext uri="{FF2B5EF4-FFF2-40B4-BE49-F238E27FC236}">
-                  <a16:creationId xmlns:a16="http://schemas.microsoft.com/office/drawing/2014/main" id="{D65B2361-A0EA-7A4D-A678-0AB444394626}"/>
-                </a:ext>
-              </a:extLst>
-            </p:cNvPr>
-            <p:cNvCxnSpPr>
-              <a:cxnSpLocks/>
-            </p:cNvCxnSpPr>
-            <p:nvPr/>
-          </p:nvCxnSpPr>
-          <p:spPr>
-            <a:xfrm flipH="1">
-              <a:off x="3135086" y="4517571"/>
-              <a:ext cx="4052766" cy="0"/>
-            </a:xfrm>
-            <a:prstGeom prst="line">
-              <a:avLst/>
-            </a:prstGeom>
-            <a:ln w="19050">
-              <a:headEnd type="triangle" w="lg" len="lg"/>
-            </a:ln>
-          </p:spPr>
-          <p:style>
-            <a:lnRef idx="1">
-              <a:schemeClr val="accent1"/>
-            </a:lnRef>
-            <a:fillRef idx="0">
-              <a:schemeClr val="accent1"/>
-            </a:fillRef>
-            <a:effectRef idx="0">
-              <a:schemeClr val="accent1"/>
-            </a:effectRef>
-            <a:fontRef idx="minor">
-              <a:schemeClr val="tx1"/>
-            </a:fontRef>
-          </p:style>
-        </p:cxnSp>
-        <mc:AlternateContent xmlns:mc="http://schemas.openxmlformats.org/markup-compatibility/2006">
-          <mc:Choice xmlns:a14="http://schemas.microsoft.com/office/drawing/2010/main" Requires="a14">
-            <p:sp>
-              <p:nvSpPr>
-                <p:cNvPr id="8" name="TextBox 7">
-                  <a:extLst>
-                    <a:ext uri="{FF2B5EF4-FFF2-40B4-BE49-F238E27FC236}">
-                      <a16:creationId xmlns:a16="http://schemas.microsoft.com/office/drawing/2014/main" id="{A725C0E5-2E16-0E41-B685-0DAB80291FC7}"/>
-                    </a:ext>
-                  </a:extLst>
-                </p:cNvPr>
-                <p:cNvSpPr txBox="1"/>
-                <p:nvPr/>
-              </p:nvSpPr>
-              <p:spPr>
-                <a:xfrm>
-                  <a:off x="1715803" y="1232723"/>
-                  <a:ext cx="1432443" cy="646331"/>
-                </a:xfrm>
-                <a:prstGeom prst="rect">
-                  <a:avLst/>
-                </a:prstGeom>
-                <a:noFill/>
-              </p:spPr>
-              <p:txBody>
-                <a:bodyPr wrap="none" rtlCol="0">
-                  <a:spAutoFit/>
-                </a:bodyPr>
-                <a:lstStyle/>
-                <a:p>
-                  <a:r>
-                    <a:rPr lang="en-US" dirty="0"/>
-                    <a:t>Cost function</a:t>
-                  </a:r>
-                </a:p>
-                <a:p>
-                  <a14:m>
-                    <m:oMathPara xmlns:m="http://schemas.openxmlformats.org/officeDocument/2006/math">
-                      <m:oMathParaPr>
-                        <m:jc m:val="centerGroup"/>
-                      </m:oMathParaPr>
-                      <m:oMath xmlns:m="http://schemas.openxmlformats.org/officeDocument/2006/math">
-                        <m:r>
-                          <a:rPr lang="en-US" b="0" i="1" smtClean="0">
-                            <a:latin typeface="Cambria Math" panose="02040503050406030204" pitchFamily="18" charset="0"/>
-                          </a:rPr>
-                          <m:t>𝐽</m:t>
-                        </m:r>
-                        <m:d>
-                          <m:dPr>
-                            <m:ctrlPr>
-                              <a:rPr lang="en-US" b="0" i="1" smtClean="0">
-                                <a:latin typeface="Cambria Math" panose="02040503050406030204" pitchFamily="18" charset="0"/>
-                              </a:rPr>
-                            </m:ctrlPr>
-                          </m:dPr>
-                          <m:e>
-                            <m:r>
-                              <a:rPr lang="en-US" b="0" i="1" smtClean="0">
-                                <a:latin typeface="Cambria Math" panose="02040503050406030204" pitchFamily="18" charset="0"/>
-                                <a:ea typeface="Cambria Math" panose="02040503050406030204" pitchFamily="18" charset="0"/>
-                              </a:rPr>
-                              <m:t>𝜃</m:t>
-                            </m:r>
-                          </m:e>
-                        </m:d>
-                      </m:oMath>
-                    </m:oMathPara>
-                  </a14:m>
-                  <a:endParaRPr lang="en-US" dirty="0"/>
-                </a:p>
-              </p:txBody>
-            </p:sp>
-          </mc:Choice>
-          <mc:Fallback>
-            <p:sp>
-              <p:nvSpPr>
-                <p:cNvPr id="8" name="TextBox 7">
-                  <a:extLst>
-                    <a:ext uri="{FF2B5EF4-FFF2-40B4-BE49-F238E27FC236}">
-                      <a16:creationId xmlns:a16="http://schemas.microsoft.com/office/drawing/2014/main" id="{A725C0E5-2E16-0E41-B685-0DAB80291FC7}"/>
-                    </a:ext>
-                  </a:extLst>
-                </p:cNvPr>
-                <p:cNvSpPr txBox="1">
-                  <a:spLocks noRot="1" noChangeAspect="1" noMove="1" noResize="1" noEditPoints="1" noAdjustHandles="1" noChangeArrowheads="1" noChangeShapeType="1" noTextEdit="1"/>
-                </p:cNvSpPr>
-                <p:nvPr/>
-              </p:nvSpPr>
-              <p:spPr>
-                <a:xfrm>
-                  <a:off x="1715803" y="1232723"/>
-                  <a:ext cx="1432443" cy="646331"/>
-                </a:xfrm>
-                <a:prstGeom prst="rect">
-                  <a:avLst/>
-                </a:prstGeom>
-                <a:blipFill>
-                  <a:blip r:embed="rId3"/>
-                  <a:stretch>
-                    <a:fillRect l="-2655" t="-1961" r="-3540" b="-5882"/>
-                  </a:stretch>
-                </a:blipFill>
-              </p:spPr>
-              <p:txBody>
-                <a:bodyPr/>
-                <a:lstStyle/>
-                <a:p>
-                  <a:r>
-                    <a:rPr lang="en-US">
-                      <a:noFill/>
-                    </a:rPr>
-                    <a:t> </a:t>
-                  </a:r>
-                </a:p>
-              </p:txBody>
-            </p:sp>
-          </mc:Fallback>
-        </mc:AlternateContent>
-        <mc:AlternateContent xmlns:mc="http://schemas.openxmlformats.org/markup-compatibility/2006">
-          <mc:Choice xmlns:a14="http://schemas.microsoft.com/office/drawing/2010/main" Requires="a14">
-            <p:sp>
-              <p:nvSpPr>
-                <p:cNvPr id="9" name="TextBox 8">
-                  <a:extLst>
-                    <a:ext uri="{FF2B5EF4-FFF2-40B4-BE49-F238E27FC236}">
-                      <a16:creationId xmlns:a16="http://schemas.microsoft.com/office/drawing/2014/main" id="{7D944E1E-580F-FE48-AD10-0E1C8C74D15B}"/>
-                    </a:ext>
-                  </a:extLst>
-                </p:cNvPr>
-                <p:cNvSpPr txBox="1"/>
-                <p:nvPr/>
-              </p:nvSpPr>
-              <p:spPr>
-                <a:xfrm>
-                  <a:off x="6679839" y="4572781"/>
-                  <a:ext cx="251094" cy="369332"/>
-                </a:xfrm>
-                <a:prstGeom prst="rect">
-                  <a:avLst/>
-                </a:prstGeom>
-                <a:noFill/>
-              </p:spPr>
-              <p:txBody>
-                <a:bodyPr wrap="none" lIns="0" tIns="0" rIns="0" bIns="0" rtlCol="0">
-                  <a:spAutoFit/>
-                </a:bodyPr>
-                <a:lstStyle/>
-                <a:p>
-                  <a14:m>
-                    <m:oMathPara xmlns:m="http://schemas.openxmlformats.org/officeDocument/2006/math">
-                      <m:oMathParaPr>
-                        <m:jc m:val="centerGroup"/>
-                      </m:oMathParaPr>
-                      <m:oMath xmlns:m="http://schemas.openxmlformats.org/officeDocument/2006/math">
-                        <m:r>
-                          <a:rPr lang="en-US" sz="2400" i="1" smtClean="0">
-                            <a:latin typeface="Cambria Math" panose="02040503050406030204" pitchFamily="18" charset="0"/>
-                            <a:ea typeface="Cambria Math" panose="02040503050406030204" pitchFamily="18" charset="0"/>
-                          </a:rPr>
-                          <m:t>𝜃</m:t>
-                        </m:r>
-                      </m:oMath>
-                    </m:oMathPara>
-                  </a14:m>
-                  <a:endParaRPr lang="en-US" sz="2400" dirty="0"/>
-                </a:p>
-              </p:txBody>
-            </p:sp>
-          </mc:Choice>
-          <mc:Fallback>
-            <p:sp>
-              <p:nvSpPr>
-                <p:cNvPr id="9" name="TextBox 8">
-                  <a:extLst>
-                    <a:ext uri="{FF2B5EF4-FFF2-40B4-BE49-F238E27FC236}">
-                      <a16:creationId xmlns:a16="http://schemas.microsoft.com/office/drawing/2014/main" id="{7D944E1E-580F-FE48-AD10-0E1C8C74D15B}"/>
-                    </a:ext>
-                  </a:extLst>
-                </p:cNvPr>
-                <p:cNvSpPr txBox="1">
-                  <a:spLocks noRot="1" noChangeAspect="1" noMove="1" noResize="1" noEditPoints="1" noAdjustHandles="1" noChangeArrowheads="1" noChangeShapeType="1" noTextEdit="1"/>
-                </p:cNvSpPr>
-                <p:nvPr/>
-              </p:nvSpPr>
-              <p:spPr>
-                <a:xfrm>
-                  <a:off x="6679839" y="4572781"/>
-                  <a:ext cx="251094" cy="369332"/>
-                </a:xfrm>
-                <a:prstGeom prst="rect">
-                  <a:avLst/>
-                </a:prstGeom>
-                <a:blipFill>
-                  <a:blip r:embed="rId4"/>
-                  <a:stretch>
-                    <a:fillRect l="-31579" r="-26316" b="-6897"/>
-                  </a:stretch>
-                </a:blipFill>
-              </p:spPr>
-              <p:txBody>
-                <a:bodyPr/>
-                <a:lstStyle/>
-                <a:p>
-                  <a:r>
-                    <a:rPr lang="en-US">
-                      <a:noFill/>
-                    </a:rPr>
-                    <a:t> </a:t>
-                  </a:r>
-                </a:p>
-              </p:txBody>
-            </p:sp>
-          </mc:Fallback>
-        </mc:AlternateContent>
-        <p:sp>
-          <p:nvSpPr>
-            <p:cNvPr id="10" name="Oval 9">
-              <a:extLst>
-                <a:ext uri="{FF2B5EF4-FFF2-40B4-BE49-F238E27FC236}">
-                  <a16:creationId xmlns:a16="http://schemas.microsoft.com/office/drawing/2014/main" id="{75948750-DD00-7742-8FF7-06650159FEB6}"/>
-                </a:ext>
-              </a:extLst>
-            </p:cNvPr>
-            <p:cNvSpPr/>
-            <p:nvPr/>
-          </p:nvSpPr>
-          <p:spPr>
-            <a:xfrm>
-              <a:off x="3783589" y="2536931"/>
-              <a:ext cx="207358" cy="228040"/>
-            </a:xfrm>
-            <a:prstGeom prst="ellipse">
-              <a:avLst/>
-            </a:prstGeom>
-            <a:ln>
-              <a:solidFill>
-                <a:schemeClr val="tx1"/>
-              </a:solidFill>
-            </a:ln>
-          </p:spPr>
-          <p:style>
-            <a:lnRef idx="2">
-              <a:schemeClr val="accent1">
-                <a:shade val="50000"/>
-              </a:schemeClr>
-            </a:lnRef>
-            <a:fillRef idx="1">
-              <a:schemeClr val="accent1"/>
-            </a:fillRef>
-            <a:effectRef idx="0">
-              <a:schemeClr val="accent1"/>
-            </a:effectRef>
-            <a:fontRef idx="minor">
-              <a:schemeClr val="lt1"/>
-            </a:fontRef>
-          </p:style>
           <p:txBody>
             <a:bodyPr rtlCol="0" anchor="ctr"/>
             <a:lstStyle/>
@@ -4180,381 +3839,1181 @@
             </a:p>
           </p:txBody>
         </p:sp>
-        <p:cxnSp>
-          <p:nvCxnSpPr>
-            <p:cNvPr id="12" name="Straight Connector 11">
+        <p:grpSp>
+          <p:nvGrpSpPr>
+            <p:cNvPr id="42" name="Group 41">
               <a:extLst>
                 <a:ext uri="{FF2B5EF4-FFF2-40B4-BE49-F238E27FC236}">
-                  <a16:creationId xmlns:a16="http://schemas.microsoft.com/office/drawing/2014/main" id="{D664E17C-ABA1-D14C-8378-6C36A22521F6}"/>
+                  <a16:creationId xmlns:a16="http://schemas.microsoft.com/office/drawing/2014/main" id="{7ABB9B7E-98B7-6C4B-A52C-435063BF5F57}"/>
                 </a:ext>
               </a:extLst>
             </p:cNvPr>
-            <p:cNvCxnSpPr>
-              <a:cxnSpLocks/>
-            </p:cNvCxnSpPr>
+            <p:cNvGrpSpPr/>
             <p:nvPr/>
-          </p:nvCxnSpPr>
-          <p:spPr>
+          </p:nvGrpSpPr>
+          <p:grpSpPr>
             <a:xfrm>
-              <a:off x="3482691" y="1925784"/>
-              <a:ext cx="675950" cy="2027299"/>
+              <a:off x="1715803" y="1012371"/>
+              <a:ext cx="6196596" cy="3929742"/>
+              <a:chOff x="1715803" y="1012371"/>
+              <a:chExt cx="6196596" cy="3929742"/>
             </a:xfrm>
-            <a:prstGeom prst="line">
-              <a:avLst/>
-            </a:prstGeom>
-            <a:ln w="28575">
-              <a:prstDash val="dash"/>
-            </a:ln>
-          </p:spPr>
-          <p:style>
-            <a:lnRef idx="1">
-              <a:schemeClr val="accent1"/>
-            </a:lnRef>
-            <a:fillRef idx="0">
-              <a:schemeClr val="accent1"/>
-            </a:fillRef>
-            <a:effectRef idx="0">
-              <a:schemeClr val="accent1"/>
-            </a:effectRef>
-            <a:fontRef idx="minor">
-              <a:schemeClr val="tx1"/>
-            </a:fontRef>
-          </p:style>
-        </p:cxnSp>
-        <p:sp>
-          <p:nvSpPr>
-            <p:cNvPr id="13" name="TextBox 12">
-              <a:extLst>
-                <a:ext uri="{FF2B5EF4-FFF2-40B4-BE49-F238E27FC236}">
-                  <a16:creationId xmlns:a16="http://schemas.microsoft.com/office/drawing/2014/main" id="{4EC215B7-5BFB-924A-A257-21FAC5827F61}"/>
-                </a:ext>
-              </a:extLst>
-            </p:cNvPr>
-            <p:cNvSpPr txBox="1"/>
-            <p:nvPr/>
-          </p:nvSpPr>
-          <p:spPr>
-            <a:xfrm>
-              <a:off x="3251405" y="3908364"/>
-              <a:ext cx="1814471" cy="369332"/>
-            </a:xfrm>
-            <a:prstGeom prst="rect">
-              <a:avLst/>
-            </a:prstGeom>
-            <a:noFill/>
-          </p:spPr>
-          <p:txBody>
-            <a:bodyPr wrap="none" rtlCol="0">
-              <a:spAutoFit/>
-            </a:bodyPr>
-            <a:lstStyle/>
-            <a:p>
-              <a:r>
-                <a:rPr lang="en-US" dirty="0"/>
-                <a:t>Gradient (=slope)</a:t>
-              </a:r>
-            </a:p>
-          </p:txBody>
-        </p:sp>
-        <p:cxnSp>
-          <p:nvCxnSpPr>
-            <p:cNvPr id="15" name="Straight Arrow Connector 14">
-              <a:extLst>
-                <a:ext uri="{FF2B5EF4-FFF2-40B4-BE49-F238E27FC236}">
-                  <a16:creationId xmlns:a16="http://schemas.microsoft.com/office/drawing/2014/main" id="{558E0A93-C9B8-B143-B880-1EDE82CE9CFE}"/>
-                </a:ext>
-              </a:extLst>
-            </p:cNvPr>
-            <p:cNvCxnSpPr/>
-            <p:nvPr/>
-          </p:nvCxnSpPr>
-          <p:spPr>
-            <a:xfrm flipH="1">
-              <a:off x="4002745" y="1914732"/>
-              <a:ext cx="275574" cy="595172"/>
-            </a:xfrm>
-            <a:prstGeom prst="straightConnector1">
-              <a:avLst/>
-            </a:prstGeom>
-            <a:ln>
-              <a:tailEnd type="triangle"/>
-            </a:ln>
-          </p:spPr>
-          <p:style>
-            <a:lnRef idx="1">
-              <a:schemeClr val="accent1"/>
-            </a:lnRef>
-            <a:fillRef idx="0">
-              <a:schemeClr val="accent1"/>
-            </a:fillRef>
-            <a:effectRef idx="0">
-              <a:schemeClr val="accent1"/>
-            </a:effectRef>
-            <a:fontRef idx="minor">
-              <a:schemeClr val="tx1"/>
-            </a:fontRef>
-          </p:style>
-        </p:cxnSp>
-        <mc:AlternateContent xmlns:mc="http://schemas.openxmlformats.org/markup-compatibility/2006">
-          <mc:Choice xmlns:a14="http://schemas.microsoft.com/office/drawing/2010/main" Requires="a14">
-            <p:sp>
-              <p:nvSpPr>
-                <p:cNvPr id="16" name="TextBox 15">
-                  <a:extLst>
-                    <a:ext uri="{FF2B5EF4-FFF2-40B4-BE49-F238E27FC236}">
-                      <a16:creationId xmlns:a16="http://schemas.microsoft.com/office/drawing/2014/main" id="{C96BF877-F118-D64E-88A4-1DC734F3FB74}"/>
-                    </a:ext>
-                  </a:extLst>
-                </p:cNvPr>
-                <p:cNvSpPr txBox="1"/>
-                <p:nvPr/>
-              </p:nvSpPr>
-              <p:spPr>
-                <a:xfrm>
-                  <a:off x="4002745" y="1556452"/>
-                  <a:ext cx="952825" cy="369332"/>
-                </a:xfrm>
-                <a:prstGeom prst="rect">
-                  <a:avLst/>
-                </a:prstGeom>
-                <a:noFill/>
-              </p:spPr>
-              <p:txBody>
-                <a:bodyPr wrap="none" rtlCol="0">
-                  <a:spAutoFit/>
-                </a:bodyPr>
-                <a:lstStyle/>
-                <a:p>
-                  <a:r>
-                    <a:rPr lang="en-US" dirty="0"/>
-                    <a:t>Initial </a:t>
-                  </a:r>
-                  <a14:m>
-                    <m:oMath xmlns:m="http://schemas.openxmlformats.org/officeDocument/2006/math">
-                      <m:r>
-                        <a:rPr lang="en-US" i="1">
-                          <a:latin typeface="Cambria Math" panose="02040503050406030204" pitchFamily="18" charset="0"/>
-                          <a:ea typeface="Cambria Math" panose="02040503050406030204" pitchFamily="18" charset="0"/>
-                        </a:rPr>
-                        <m:t>𝜃</m:t>
-                      </m:r>
-                    </m:oMath>
-                  </a14:m>
-                  <a:r>
-                    <a:rPr lang="en-US" dirty="0"/>
-                    <a:t> </a:t>
-                  </a:r>
-                </a:p>
-              </p:txBody>
-            </p:sp>
-          </mc:Choice>
-          <mc:Fallback>
-            <p:sp>
-              <p:nvSpPr>
-                <p:cNvPr id="16" name="TextBox 15">
-                  <a:extLst>
-                    <a:ext uri="{FF2B5EF4-FFF2-40B4-BE49-F238E27FC236}">
-                      <a16:creationId xmlns:a16="http://schemas.microsoft.com/office/drawing/2014/main" id="{C96BF877-F118-D64E-88A4-1DC734F3FB74}"/>
-                    </a:ext>
-                  </a:extLst>
-                </p:cNvPr>
-                <p:cNvSpPr txBox="1">
-                  <a:spLocks noRot="1" noChangeAspect="1" noMove="1" noResize="1" noEditPoints="1" noAdjustHandles="1" noChangeArrowheads="1" noChangeShapeType="1" noTextEdit="1"/>
-                </p:cNvSpPr>
-                <p:nvPr/>
-              </p:nvSpPr>
-              <p:spPr>
-                <a:xfrm>
-                  <a:off x="4002745" y="1556452"/>
-                  <a:ext cx="952825" cy="369332"/>
-                </a:xfrm>
-                <a:prstGeom prst="rect">
-                  <a:avLst/>
-                </a:prstGeom>
-                <a:blipFill>
-                  <a:blip r:embed="rId5"/>
-                  <a:stretch>
-                    <a:fillRect l="-5333" t="-6897" b="-27586"/>
-                  </a:stretch>
-                </a:blipFill>
-              </p:spPr>
-              <p:txBody>
-                <a:bodyPr/>
-                <a:lstStyle/>
-                <a:p>
-                  <a:r>
-                    <a:rPr lang="en-US">
-                      <a:noFill/>
-                    </a:rPr>
-                    <a:t> </a:t>
-                  </a:r>
-                </a:p>
-              </p:txBody>
-            </p:sp>
-          </mc:Fallback>
-        </mc:AlternateContent>
-        <p:sp>
-          <p:nvSpPr>
-            <p:cNvPr id="17" name="Oval 16">
-              <a:extLst>
-                <a:ext uri="{FF2B5EF4-FFF2-40B4-BE49-F238E27FC236}">
-                  <a16:creationId xmlns:a16="http://schemas.microsoft.com/office/drawing/2014/main" id="{9ED08A3D-9520-F343-A68D-C73FC7DF4473}"/>
-                </a:ext>
-              </a:extLst>
-            </p:cNvPr>
-            <p:cNvSpPr/>
-            <p:nvPr/>
-          </p:nvSpPr>
-          <p:spPr>
-            <a:xfrm>
-              <a:off x="5148201" y="3725043"/>
-              <a:ext cx="207358" cy="228040"/>
-            </a:xfrm>
-            <a:prstGeom prst="ellipse">
-              <a:avLst/>
-            </a:prstGeom>
-            <a:ln>
-              <a:solidFill>
+          </p:grpSpPr>
+          <p:cxnSp>
+            <p:nvCxnSpPr>
+              <p:cNvPr id="3" name="Straight Connector 2">
+                <a:extLst>
+                  <a:ext uri="{FF2B5EF4-FFF2-40B4-BE49-F238E27FC236}">
+                    <a16:creationId xmlns:a16="http://schemas.microsoft.com/office/drawing/2014/main" id="{1E0ACA42-8DB3-C54E-AD2C-2881041FFBAA}"/>
+                  </a:ext>
+                </a:extLst>
+              </p:cNvPr>
+              <p:cNvCxnSpPr/>
+              <p:nvPr/>
+            </p:nvCxnSpPr>
+            <p:spPr>
+              <a:xfrm>
+                <a:off x="3135086" y="1012371"/>
+                <a:ext cx="0" cy="3505200"/>
+              </a:xfrm>
+              <a:prstGeom prst="line">
+                <a:avLst/>
+              </a:prstGeom>
+              <a:ln w="19050">
+                <a:headEnd type="triangle" w="lg" len="lg"/>
+              </a:ln>
+            </p:spPr>
+            <p:style>
+              <a:lnRef idx="1">
+                <a:schemeClr val="accent1"/>
+              </a:lnRef>
+              <a:fillRef idx="0">
+                <a:schemeClr val="accent1"/>
+              </a:fillRef>
+              <a:effectRef idx="0">
+                <a:schemeClr val="accent1"/>
+              </a:effectRef>
+              <a:fontRef idx="minor">
                 <a:schemeClr val="tx1"/>
-              </a:solidFill>
-            </a:ln>
-          </p:spPr>
-          <p:style>
-            <a:lnRef idx="2">
-              <a:schemeClr val="accent1">
-                <a:shade val="50000"/>
-              </a:schemeClr>
-            </a:lnRef>
-            <a:fillRef idx="1">
-              <a:schemeClr val="accent1"/>
-            </a:fillRef>
-            <a:effectRef idx="0">
-              <a:schemeClr val="accent1"/>
-            </a:effectRef>
-            <a:fontRef idx="minor">
-              <a:schemeClr val="lt1"/>
-            </a:fontRef>
-          </p:style>
-          <p:txBody>
-            <a:bodyPr rtlCol="0" anchor="ctr"/>
-            <a:lstStyle/>
-            <a:p>
-              <a:pPr algn="ctr"/>
-              <a:endParaRPr lang="en-US"/>
-            </a:p>
-          </p:txBody>
-        </p:sp>
-        <p:sp>
-          <p:nvSpPr>
-            <p:cNvPr id="18" name="TextBox 17">
-              <a:extLst>
-                <a:ext uri="{FF2B5EF4-FFF2-40B4-BE49-F238E27FC236}">
-                  <a16:creationId xmlns:a16="http://schemas.microsoft.com/office/drawing/2014/main" id="{05081337-7907-5649-B792-21B20D3D4FB7}"/>
-                </a:ext>
-              </a:extLst>
-            </p:cNvPr>
-            <p:cNvSpPr txBox="1"/>
-            <p:nvPr/>
-          </p:nvSpPr>
-          <p:spPr>
-            <a:xfrm>
-              <a:off x="5731674" y="4013198"/>
-              <a:ext cx="2180725" cy="369332"/>
-            </a:xfrm>
-            <a:prstGeom prst="rect">
-              <a:avLst/>
-            </a:prstGeom>
-            <a:noFill/>
-          </p:spPr>
-          <p:txBody>
-            <a:bodyPr wrap="none" rtlCol="0">
-              <a:spAutoFit/>
-            </a:bodyPr>
-            <a:lstStyle/>
-            <a:p>
-              <a:r>
-                <a:rPr lang="en-US" dirty="0"/>
-                <a:t>Global cost minimum</a:t>
-              </a:r>
-            </a:p>
-          </p:txBody>
-        </p:sp>
-        <p:cxnSp>
-          <p:nvCxnSpPr>
-            <p:cNvPr id="19" name="Straight Arrow Connector 18">
-              <a:extLst>
-                <a:ext uri="{FF2B5EF4-FFF2-40B4-BE49-F238E27FC236}">
-                  <a16:creationId xmlns:a16="http://schemas.microsoft.com/office/drawing/2014/main" id="{C7D1D890-0208-B44C-94DA-9C50525CB6B3}"/>
-                </a:ext>
-              </a:extLst>
-            </p:cNvPr>
-            <p:cNvCxnSpPr>
-              <a:cxnSpLocks/>
-            </p:cNvCxnSpPr>
-            <p:nvPr/>
-          </p:nvCxnSpPr>
-          <p:spPr>
-            <a:xfrm flipH="1" flipV="1">
-              <a:off x="5355559" y="3984411"/>
-              <a:ext cx="445770" cy="173072"/>
-            </a:xfrm>
-            <a:prstGeom prst="straightConnector1">
-              <a:avLst/>
-            </a:prstGeom>
-            <a:ln>
-              <a:tailEnd type="triangle"/>
-            </a:ln>
-          </p:spPr>
-          <p:style>
-            <a:lnRef idx="1">
-              <a:schemeClr val="accent1"/>
-            </a:lnRef>
-            <a:fillRef idx="0">
-              <a:schemeClr val="accent1"/>
-            </a:fillRef>
-            <a:effectRef idx="0">
-              <a:schemeClr val="accent1"/>
-            </a:effectRef>
-            <a:fontRef idx="minor">
-              <a:schemeClr val="tx1"/>
-            </a:fontRef>
-          </p:style>
-        </p:cxnSp>
-        <mc:AlternateContent xmlns:mc="http://schemas.openxmlformats.org/markup-compatibility/2006">
-          <mc:Choice xmlns:a14="http://schemas.microsoft.com/office/drawing/2010/main" Requires="a14">
-            <p:sp>
-              <p:nvSpPr>
-                <p:cNvPr id="23" name="TextBox 22">
-                  <a:extLst>
-                    <a:ext uri="{FF2B5EF4-FFF2-40B4-BE49-F238E27FC236}">
-                      <a16:creationId xmlns:a16="http://schemas.microsoft.com/office/drawing/2014/main" id="{273C0CBE-1FC8-D543-905B-9140C9F30A7A}"/>
-                    </a:ext>
-                  </a:extLst>
-                </p:cNvPr>
-                <p:cNvSpPr txBox="1"/>
-                <p:nvPr/>
-              </p:nvSpPr>
-              <p:spPr>
-                <a:xfrm>
-                  <a:off x="3205952" y="3357361"/>
-                  <a:ext cx="601960" cy="537519"/>
-                </a:xfrm>
-                <a:prstGeom prst="rect">
-                  <a:avLst/>
-                </a:prstGeom>
-                <a:noFill/>
-              </p:spPr>
-              <p:txBody>
-                <a:bodyPr wrap="none" lIns="0" tIns="0" rIns="0" bIns="0" rtlCol="0">
-                  <a:spAutoFit/>
-                </a:bodyPr>
-                <a:lstStyle/>
-                <a:p>
-                  <a14:m>
-                    <m:oMathPara xmlns:m="http://schemas.openxmlformats.org/officeDocument/2006/math">
-                      <m:oMathParaPr>
-                        <m:jc m:val="centerGroup"/>
-                      </m:oMathParaPr>
+              </a:fontRef>
+            </p:style>
+          </p:cxnSp>
+          <p:cxnSp>
+            <p:nvCxnSpPr>
+              <p:cNvPr id="4" name="Straight Connector 3">
+                <a:extLst>
+                  <a:ext uri="{FF2B5EF4-FFF2-40B4-BE49-F238E27FC236}">
+                    <a16:creationId xmlns:a16="http://schemas.microsoft.com/office/drawing/2014/main" id="{D65B2361-A0EA-7A4D-A678-0AB444394626}"/>
+                  </a:ext>
+                </a:extLst>
+              </p:cNvPr>
+              <p:cNvCxnSpPr>
+                <a:cxnSpLocks/>
+              </p:cNvCxnSpPr>
+              <p:nvPr/>
+            </p:nvCxnSpPr>
+            <p:spPr>
+              <a:xfrm flipH="1">
+                <a:off x="3135086" y="4517571"/>
+                <a:ext cx="4052766" cy="0"/>
+              </a:xfrm>
+              <a:prstGeom prst="line">
+                <a:avLst/>
+              </a:prstGeom>
+              <a:ln w="19050">
+                <a:headEnd type="triangle" w="lg" len="lg"/>
+              </a:ln>
+            </p:spPr>
+            <p:style>
+              <a:lnRef idx="1">
+                <a:schemeClr val="accent1"/>
+              </a:lnRef>
+              <a:fillRef idx="0">
+                <a:schemeClr val="accent1"/>
+              </a:fillRef>
+              <a:effectRef idx="0">
+                <a:schemeClr val="accent1"/>
+              </a:effectRef>
+              <a:fontRef idx="minor">
+                <a:schemeClr val="tx1"/>
+              </a:fontRef>
+            </p:style>
+          </p:cxnSp>
+          <mc:AlternateContent xmlns:mc="http://schemas.openxmlformats.org/markup-compatibility/2006" xmlns:a14="http://schemas.microsoft.com/office/drawing/2010/main">
+            <mc:Choice Requires="a14">
+              <p:sp>
+                <p:nvSpPr>
+                  <p:cNvPr id="8" name="TextBox 7">
+                    <a:extLst>
+                      <a:ext uri="{FF2B5EF4-FFF2-40B4-BE49-F238E27FC236}">
+                        <a16:creationId xmlns:a16="http://schemas.microsoft.com/office/drawing/2014/main" id="{A725C0E5-2E16-0E41-B685-0DAB80291FC7}"/>
+                      </a:ext>
+                    </a:extLst>
+                  </p:cNvPr>
+                  <p:cNvSpPr txBox="1"/>
+                  <p:nvPr/>
+                </p:nvSpPr>
+                <p:spPr>
+                  <a:xfrm>
+                    <a:off x="1715803" y="1232723"/>
+                    <a:ext cx="1432443" cy="646331"/>
+                  </a:xfrm>
+                  <a:prstGeom prst="rect">
+                    <a:avLst/>
+                  </a:prstGeom>
+                  <a:noFill/>
+                </p:spPr>
+                <p:txBody>
+                  <a:bodyPr wrap="none" rtlCol="0">
+                    <a:spAutoFit/>
+                  </a:bodyPr>
+                  <a:lstStyle/>
+                  <a:p>
+                    <a:r>
+                      <a:rPr lang="en-US" dirty="0"/>
+                      <a:t>Cost function</a:t>
+                    </a:r>
+                  </a:p>
+                  <a:p>
+                    <a:pPr/>
+                    <a14:m>
+                      <m:oMathPara xmlns:m="http://schemas.openxmlformats.org/officeDocument/2006/math">
+                        <m:oMathParaPr>
+                          <m:jc m:val="centerGroup"/>
+                        </m:oMathParaPr>
+                        <m:oMath xmlns:m="http://schemas.openxmlformats.org/officeDocument/2006/math">
+                          <m:r>
+                            <a:rPr lang="en-US" b="0" i="1" smtClean="0">
+                              <a:latin typeface="Cambria Math" panose="02040503050406030204" pitchFamily="18" charset="0"/>
+                            </a:rPr>
+                            <m:t>𝐽</m:t>
+                          </m:r>
+                          <m:d>
+                            <m:dPr>
+                              <m:ctrlPr>
+                                <a:rPr lang="en-US" b="0" i="1" smtClean="0">
+                                  <a:latin typeface="Cambria Math" panose="02040503050406030204" pitchFamily="18" charset="0"/>
+                                </a:rPr>
+                              </m:ctrlPr>
+                            </m:dPr>
+                            <m:e>
+                              <m:r>
+                                <a:rPr lang="en-US" b="0" i="1" smtClean="0">
+                                  <a:latin typeface="Cambria Math" panose="02040503050406030204" pitchFamily="18" charset="0"/>
+                                  <a:ea typeface="Cambria Math" panose="02040503050406030204" pitchFamily="18" charset="0"/>
+                                </a:rPr>
+                                <m:t>𝜃</m:t>
+                              </m:r>
+                            </m:e>
+                          </m:d>
+                        </m:oMath>
+                      </m:oMathPara>
+                    </a14:m>
+                    <a:endParaRPr lang="en-US" dirty="0"/>
+                  </a:p>
+                </p:txBody>
+              </p:sp>
+            </mc:Choice>
+            <mc:Fallback xmlns="">
+              <p:sp>
+                <p:nvSpPr>
+                  <p:cNvPr id="8" name="TextBox 7">
+                    <a:extLst>
+                      <a:ext uri="{FF2B5EF4-FFF2-40B4-BE49-F238E27FC236}">
+                        <a16:creationId xmlns:a16="http://schemas.microsoft.com/office/drawing/2014/main" id="{A725C0E5-2E16-0E41-B685-0DAB80291FC7}"/>
+                      </a:ext>
+                    </a:extLst>
+                  </p:cNvPr>
+                  <p:cNvSpPr txBox="1">
+                    <a:spLocks noRot="1" noChangeAspect="1" noMove="1" noResize="1" noEditPoints="1" noAdjustHandles="1" noChangeArrowheads="1" noChangeShapeType="1" noTextEdit="1"/>
+                  </p:cNvSpPr>
+                  <p:nvPr/>
+                </p:nvSpPr>
+                <p:spPr>
+                  <a:xfrm>
+                    <a:off x="1715803" y="1232723"/>
+                    <a:ext cx="1432443" cy="646331"/>
+                  </a:xfrm>
+                  <a:prstGeom prst="rect">
+                    <a:avLst/>
+                  </a:prstGeom>
+                  <a:blipFill>
+                    <a:blip r:embed="rId3"/>
+                    <a:stretch>
+                      <a:fillRect l="-2655" t="-1961" r="-3540" b="-5882"/>
+                    </a:stretch>
+                  </a:blipFill>
+                </p:spPr>
+                <p:txBody>
+                  <a:bodyPr/>
+                  <a:lstStyle/>
+                  <a:p>
+                    <a:r>
+                      <a:rPr lang="en-US">
+                        <a:noFill/>
+                      </a:rPr>
+                      <a:t> </a:t>
+                    </a:r>
+                  </a:p>
+                </p:txBody>
+              </p:sp>
+            </mc:Fallback>
+          </mc:AlternateContent>
+          <mc:AlternateContent xmlns:mc="http://schemas.openxmlformats.org/markup-compatibility/2006" xmlns:a14="http://schemas.microsoft.com/office/drawing/2010/main">
+            <mc:Choice Requires="a14">
+              <p:sp>
+                <p:nvSpPr>
+                  <p:cNvPr id="9" name="TextBox 8">
+                    <a:extLst>
+                      <a:ext uri="{FF2B5EF4-FFF2-40B4-BE49-F238E27FC236}">
+                        <a16:creationId xmlns:a16="http://schemas.microsoft.com/office/drawing/2014/main" id="{7D944E1E-580F-FE48-AD10-0E1C8C74D15B}"/>
+                      </a:ext>
+                    </a:extLst>
+                  </p:cNvPr>
+                  <p:cNvSpPr txBox="1"/>
+                  <p:nvPr/>
+                </p:nvSpPr>
+                <p:spPr>
+                  <a:xfrm>
+                    <a:off x="6679839" y="4572781"/>
+                    <a:ext cx="251094" cy="369332"/>
+                  </a:xfrm>
+                  <a:prstGeom prst="rect">
+                    <a:avLst/>
+                  </a:prstGeom>
+                  <a:noFill/>
+                </p:spPr>
+                <p:txBody>
+                  <a:bodyPr wrap="none" lIns="0" tIns="0" rIns="0" bIns="0" rtlCol="0">
+                    <a:spAutoFit/>
+                  </a:bodyPr>
+                  <a:lstStyle/>
+                  <a:p>
+                    <a:pPr/>
+                    <a14:m>
+                      <m:oMathPara xmlns:m="http://schemas.openxmlformats.org/officeDocument/2006/math">
+                        <m:oMathParaPr>
+                          <m:jc m:val="centerGroup"/>
+                        </m:oMathParaPr>
+                        <m:oMath xmlns:m="http://schemas.openxmlformats.org/officeDocument/2006/math">
+                          <m:r>
+                            <a:rPr lang="en-US" sz="2400" i="1" smtClean="0">
+                              <a:latin typeface="Cambria Math" panose="02040503050406030204" pitchFamily="18" charset="0"/>
+                              <a:ea typeface="Cambria Math" panose="02040503050406030204" pitchFamily="18" charset="0"/>
+                            </a:rPr>
+                            <m:t>𝜃</m:t>
+                          </m:r>
+                        </m:oMath>
+                      </m:oMathPara>
+                    </a14:m>
+                    <a:endParaRPr lang="en-US" sz="2400" dirty="0"/>
+                  </a:p>
+                </p:txBody>
+              </p:sp>
+            </mc:Choice>
+            <mc:Fallback xmlns="">
+              <p:sp>
+                <p:nvSpPr>
+                  <p:cNvPr id="9" name="TextBox 8">
+                    <a:extLst>
+                      <a:ext uri="{FF2B5EF4-FFF2-40B4-BE49-F238E27FC236}">
+                        <a16:creationId xmlns:a16="http://schemas.microsoft.com/office/drawing/2014/main" id="{7D944E1E-580F-FE48-AD10-0E1C8C74D15B}"/>
+                      </a:ext>
+                    </a:extLst>
+                  </p:cNvPr>
+                  <p:cNvSpPr txBox="1">
+                    <a:spLocks noRot="1" noChangeAspect="1" noMove="1" noResize="1" noEditPoints="1" noAdjustHandles="1" noChangeArrowheads="1" noChangeShapeType="1" noTextEdit="1"/>
+                  </p:cNvSpPr>
+                  <p:nvPr/>
+                </p:nvSpPr>
+                <p:spPr>
+                  <a:xfrm>
+                    <a:off x="6679839" y="4572781"/>
+                    <a:ext cx="251094" cy="369332"/>
+                  </a:xfrm>
+                  <a:prstGeom prst="rect">
+                    <a:avLst/>
+                  </a:prstGeom>
+                  <a:blipFill>
+                    <a:blip r:embed="rId4"/>
+                    <a:stretch>
+                      <a:fillRect l="-31579" r="-26316" b="-6897"/>
+                    </a:stretch>
+                  </a:blipFill>
+                </p:spPr>
+                <p:txBody>
+                  <a:bodyPr/>
+                  <a:lstStyle/>
+                  <a:p>
+                    <a:r>
+                      <a:rPr lang="en-US">
+                        <a:noFill/>
+                      </a:rPr>
+                      <a:t> </a:t>
+                    </a:r>
+                  </a:p>
+                </p:txBody>
+              </p:sp>
+            </mc:Fallback>
+          </mc:AlternateContent>
+          <p:sp>
+            <p:nvSpPr>
+              <p:cNvPr id="10" name="Oval 9">
+                <a:extLst>
+                  <a:ext uri="{FF2B5EF4-FFF2-40B4-BE49-F238E27FC236}">
+                    <a16:creationId xmlns:a16="http://schemas.microsoft.com/office/drawing/2014/main" id="{75948750-DD00-7742-8FF7-06650159FEB6}"/>
+                  </a:ext>
+                </a:extLst>
+              </p:cNvPr>
+              <p:cNvSpPr/>
+              <p:nvPr/>
+            </p:nvSpPr>
+            <p:spPr>
+              <a:xfrm>
+                <a:off x="3783589" y="2536931"/>
+                <a:ext cx="207358" cy="228040"/>
+              </a:xfrm>
+              <a:prstGeom prst="ellipse">
+                <a:avLst/>
+              </a:prstGeom>
+              <a:ln>
+                <a:solidFill>
+                  <a:schemeClr val="tx1"/>
+                </a:solidFill>
+              </a:ln>
+            </p:spPr>
+            <p:style>
+              <a:lnRef idx="2">
+                <a:schemeClr val="accent1">
+                  <a:shade val="50000"/>
+                </a:schemeClr>
+              </a:lnRef>
+              <a:fillRef idx="1">
+                <a:schemeClr val="accent1"/>
+              </a:fillRef>
+              <a:effectRef idx="0">
+                <a:schemeClr val="accent1"/>
+              </a:effectRef>
+              <a:fontRef idx="minor">
+                <a:schemeClr val="lt1"/>
+              </a:fontRef>
+            </p:style>
+            <p:txBody>
+              <a:bodyPr rtlCol="0" anchor="ctr"/>
+              <a:lstStyle/>
+              <a:p>
+                <a:pPr algn="ctr"/>
+                <a:endParaRPr lang="en-US"/>
+              </a:p>
+            </p:txBody>
+          </p:sp>
+          <p:cxnSp>
+            <p:nvCxnSpPr>
+              <p:cNvPr id="12" name="Straight Connector 11">
+                <a:extLst>
+                  <a:ext uri="{FF2B5EF4-FFF2-40B4-BE49-F238E27FC236}">
+                    <a16:creationId xmlns:a16="http://schemas.microsoft.com/office/drawing/2014/main" id="{D664E17C-ABA1-D14C-8378-6C36A22521F6}"/>
+                  </a:ext>
+                </a:extLst>
+              </p:cNvPr>
+              <p:cNvCxnSpPr>
+                <a:cxnSpLocks/>
+              </p:cNvCxnSpPr>
+              <p:nvPr/>
+            </p:nvCxnSpPr>
+            <p:spPr>
+              <a:xfrm>
+                <a:off x="3482691" y="1925784"/>
+                <a:ext cx="675950" cy="2027299"/>
+              </a:xfrm>
+              <a:prstGeom prst="line">
+                <a:avLst/>
+              </a:prstGeom>
+              <a:ln w="28575">
+                <a:prstDash val="dash"/>
+              </a:ln>
+            </p:spPr>
+            <p:style>
+              <a:lnRef idx="1">
+                <a:schemeClr val="accent1"/>
+              </a:lnRef>
+              <a:fillRef idx="0">
+                <a:schemeClr val="accent1"/>
+              </a:fillRef>
+              <a:effectRef idx="0">
+                <a:schemeClr val="accent1"/>
+              </a:effectRef>
+              <a:fontRef idx="minor">
+                <a:schemeClr val="tx1"/>
+              </a:fontRef>
+            </p:style>
+          </p:cxnSp>
+          <p:sp>
+            <p:nvSpPr>
+              <p:cNvPr id="13" name="TextBox 12">
+                <a:extLst>
+                  <a:ext uri="{FF2B5EF4-FFF2-40B4-BE49-F238E27FC236}">
+                    <a16:creationId xmlns:a16="http://schemas.microsoft.com/office/drawing/2014/main" id="{4EC215B7-5BFB-924A-A257-21FAC5827F61}"/>
+                  </a:ext>
+                </a:extLst>
+              </p:cNvPr>
+              <p:cNvSpPr txBox="1"/>
+              <p:nvPr/>
+            </p:nvSpPr>
+            <p:spPr>
+              <a:xfrm>
+                <a:off x="3251405" y="3908364"/>
+                <a:ext cx="1814471" cy="369332"/>
+              </a:xfrm>
+              <a:prstGeom prst="rect">
+                <a:avLst/>
+              </a:prstGeom>
+              <a:noFill/>
+            </p:spPr>
+            <p:txBody>
+              <a:bodyPr wrap="none" rtlCol="0">
+                <a:spAutoFit/>
+              </a:bodyPr>
+              <a:lstStyle/>
+              <a:p>
+                <a:r>
+                  <a:rPr lang="en-US" dirty="0"/>
+                  <a:t>Gradient (=slope)</a:t>
+                </a:r>
+              </a:p>
+            </p:txBody>
+          </p:sp>
+          <p:cxnSp>
+            <p:nvCxnSpPr>
+              <p:cNvPr id="15" name="Straight Arrow Connector 14">
+                <a:extLst>
+                  <a:ext uri="{FF2B5EF4-FFF2-40B4-BE49-F238E27FC236}">
+                    <a16:creationId xmlns:a16="http://schemas.microsoft.com/office/drawing/2014/main" id="{558E0A93-C9B8-B143-B880-1EDE82CE9CFE}"/>
+                  </a:ext>
+                </a:extLst>
+              </p:cNvPr>
+              <p:cNvCxnSpPr/>
+              <p:nvPr/>
+            </p:nvCxnSpPr>
+            <p:spPr>
+              <a:xfrm flipH="1">
+                <a:off x="4002745" y="1914732"/>
+                <a:ext cx="275574" cy="595172"/>
+              </a:xfrm>
+              <a:prstGeom prst="straightConnector1">
+                <a:avLst/>
+              </a:prstGeom>
+              <a:ln>
+                <a:tailEnd type="triangle"/>
+              </a:ln>
+            </p:spPr>
+            <p:style>
+              <a:lnRef idx="1">
+                <a:schemeClr val="accent1"/>
+              </a:lnRef>
+              <a:fillRef idx="0">
+                <a:schemeClr val="accent1"/>
+              </a:fillRef>
+              <a:effectRef idx="0">
+                <a:schemeClr val="accent1"/>
+              </a:effectRef>
+              <a:fontRef idx="minor">
+                <a:schemeClr val="tx1"/>
+              </a:fontRef>
+            </p:style>
+          </p:cxnSp>
+          <mc:AlternateContent xmlns:mc="http://schemas.openxmlformats.org/markup-compatibility/2006" xmlns:a14="http://schemas.microsoft.com/office/drawing/2010/main">
+            <mc:Choice Requires="a14">
+              <p:sp>
+                <p:nvSpPr>
+                  <p:cNvPr id="16" name="TextBox 15">
+                    <a:extLst>
+                      <a:ext uri="{FF2B5EF4-FFF2-40B4-BE49-F238E27FC236}">
+                        <a16:creationId xmlns:a16="http://schemas.microsoft.com/office/drawing/2014/main" id="{C96BF877-F118-D64E-88A4-1DC734F3FB74}"/>
+                      </a:ext>
+                    </a:extLst>
+                  </p:cNvPr>
+                  <p:cNvSpPr txBox="1"/>
+                  <p:nvPr/>
+                </p:nvSpPr>
+                <p:spPr>
+                  <a:xfrm>
+                    <a:off x="4002745" y="1556452"/>
+                    <a:ext cx="952825" cy="369332"/>
+                  </a:xfrm>
+                  <a:prstGeom prst="rect">
+                    <a:avLst/>
+                  </a:prstGeom>
+                  <a:noFill/>
+                </p:spPr>
+                <p:txBody>
+                  <a:bodyPr wrap="none" rtlCol="0">
+                    <a:spAutoFit/>
+                  </a:bodyPr>
+                  <a:lstStyle/>
+                  <a:p>
+                    <a:r>
+                      <a:rPr lang="en-US" dirty="0"/>
+                      <a:t>Initial </a:t>
+                    </a:r>
+                    <a14:m>
+                      <m:oMath xmlns:m="http://schemas.openxmlformats.org/officeDocument/2006/math">
+                        <m:r>
+                          <a:rPr lang="en-US" i="1">
+                            <a:latin typeface="Cambria Math" panose="02040503050406030204" pitchFamily="18" charset="0"/>
+                            <a:ea typeface="Cambria Math" panose="02040503050406030204" pitchFamily="18" charset="0"/>
+                          </a:rPr>
+                          <m:t>𝜃</m:t>
+                        </m:r>
+                      </m:oMath>
+                    </a14:m>
+                    <a:r>
+                      <a:rPr lang="en-US" dirty="0"/>
+                      <a:t> </a:t>
+                    </a:r>
+                  </a:p>
+                </p:txBody>
+              </p:sp>
+            </mc:Choice>
+            <mc:Fallback xmlns="">
+              <p:sp>
+                <p:nvSpPr>
+                  <p:cNvPr id="16" name="TextBox 15">
+                    <a:extLst>
+                      <a:ext uri="{FF2B5EF4-FFF2-40B4-BE49-F238E27FC236}">
+                        <a16:creationId xmlns:a16="http://schemas.microsoft.com/office/drawing/2014/main" id="{C96BF877-F118-D64E-88A4-1DC734F3FB74}"/>
+                      </a:ext>
+                    </a:extLst>
+                  </p:cNvPr>
+                  <p:cNvSpPr txBox="1">
+                    <a:spLocks noRot="1" noChangeAspect="1" noMove="1" noResize="1" noEditPoints="1" noAdjustHandles="1" noChangeArrowheads="1" noChangeShapeType="1" noTextEdit="1"/>
+                  </p:cNvSpPr>
+                  <p:nvPr/>
+                </p:nvSpPr>
+                <p:spPr>
+                  <a:xfrm>
+                    <a:off x="4002745" y="1556452"/>
+                    <a:ext cx="952825" cy="369332"/>
+                  </a:xfrm>
+                  <a:prstGeom prst="rect">
+                    <a:avLst/>
+                  </a:prstGeom>
+                  <a:blipFill>
+                    <a:blip r:embed="rId5"/>
+                    <a:stretch>
+                      <a:fillRect l="-5333" t="-6897" b="-27586"/>
+                    </a:stretch>
+                  </a:blipFill>
+                </p:spPr>
+                <p:txBody>
+                  <a:bodyPr/>
+                  <a:lstStyle/>
+                  <a:p>
+                    <a:r>
+                      <a:rPr lang="en-US">
+                        <a:noFill/>
+                      </a:rPr>
+                      <a:t> </a:t>
+                    </a:r>
+                  </a:p>
+                </p:txBody>
+              </p:sp>
+            </mc:Fallback>
+          </mc:AlternateContent>
+          <p:sp>
+            <p:nvSpPr>
+              <p:cNvPr id="17" name="Oval 16">
+                <a:extLst>
+                  <a:ext uri="{FF2B5EF4-FFF2-40B4-BE49-F238E27FC236}">
+                    <a16:creationId xmlns:a16="http://schemas.microsoft.com/office/drawing/2014/main" id="{9ED08A3D-9520-F343-A68D-C73FC7DF4473}"/>
+                  </a:ext>
+                </a:extLst>
+              </p:cNvPr>
+              <p:cNvSpPr/>
+              <p:nvPr/>
+            </p:nvSpPr>
+            <p:spPr>
+              <a:xfrm>
+                <a:off x="5148201" y="3725043"/>
+                <a:ext cx="207358" cy="228040"/>
+              </a:xfrm>
+              <a:prstGeom prst="ellipse">
+                <a:avLst/>
+              </a:prstGeom>
+              <a:ln>
+                <a:solidFill>
+                  <a:schemeClr val="tx1"/>
+                </a:solidFill>
+              </a:ln>
+            </p:spPr>
+            <p:style>
+              <a:lnRef idx="2">
+                <a:schemeClr val="accent1">
+                  <a:shade val="50000"/>
+                </a:schemeClr>
+              </a:lnRef>
+              <a:fillRef idx="1">
+                <a:schemeClr val="accent1"/>
+              </a:fillRef>
+              <a:effectRef idx="0">
+                <a:schemeClr val="accent1"/>
+              </a:effectRef>
+              <a:fontRef idx="minor">
+                <a:schemeClr val="lt1"/>
+              </a:fontRef>
+            </p:style>
+            <p:txBody>
+              <a:bodyPr rtlCol="0" anchor="ctr"/>
+              <a:lstStyle/>
+              <a:p>
+                <a:pPr algn="ctr"/>
+                <a:endParaRPr lang="en-US"/>
+              </a:p>
+            </p:txBody>
+          </p:sp>
+          <p:sp>
+            <p:nvSpPr>
+              <p:cNvPr id="18" name="TextBox 17">
+                <a:extLst>
+                  <a:ext uri="{FF2B5EF4-FFF2-40B4-BE49-F238E27FC236}">
+                    <a16:creationId xmlns:a16="http://schemas.microsoft.com/office/drawing/2014/main" id="{05081337-7907-5649-B792-21B20D3D4FB7}"/>
+                  </a:ext>
+                </a:extLst>
+              </p:cNvPr>
+              <p:cNvSpPr txBox="1"/>
+              <p:nvPr/>
+            </p:nvSpPr>
+            <p:spPr>
+              <a:xfrm>
+                <a:off x="5731674" y="4013198"/>
+                <a:ext cx="2180725" cy="369332"/>
+              </a:xfrm>
+              <a:prstGeom prst="rect">
+                <a:avLst/>
+              </a:prstGeom>
+              <a:noFill/>
+            </p:spPr>
+            <p:txBody>
+              <a:bodyPr wrap="none" rtlCol="0">
+                <a:spAutoFit/>
+              </a:bodyPr>
+              <a:lstStyle/>
+              <a:p>
+                <a:r>
+                  <a:rPr lang="en-US" dirty="0"/>
+                  <a:t>Global cost minimum</a:t>
+                </a:r>
+              </a:p>
+            </p:txBody>
+          </p:sp>
+          <p:cxnSp>
+            <p:nvCxnSpPr>
+              <p:cNvPr id="19" name="Straight Arrow Connector 18">
+                <a:extLst>
+                  <a:ext uri="{FF2B5EF4-FFF2-40B4-BE49-F238E27FC236}">
+                    <a16:creationId xmlns:a16="http://schemas.microsoft.com/office/drawing/2014/main" id="{C7D1D890-0208-B44C-94DA-9C50525CB6B3}"/>
+                  </a:ext>
+                </a:extLst>
+              </p:cNvPr>
+              <p:cNvCxnSpPr>
+                <a:cxnSpLocks/>
+              </p:cNvCxnSpPr>
+              <p:nvPr/>
+            </p:nvCxnSpPr>
+            <p:spPr>
+              <a:xfrm flipH="1" flipV="1">
+                <a:off x="5355559" y="3984411"/>
+                <a:ext cx="445770" cy="173072"/>
+              </a:xfrm>
+              <a:prstGeom prst="straightConnector1">
+                <a:avLst/>
+              </a:prstGeom>
+              <a:ln>
+                <a:tailEnd type="triangle"/>
+              </a:ln>
+            </p:spPr>
+            <p:style>
+              <a:lnRef idx="1">
+                <a:schemeClr val="accent1"/>
+              </a:lnRef>
+              <a:fillRef idx="0">
+                <a:schemeClr val="accent1"/>
+              </a:fillRef>
+              <a:effectRef idx="0">
+                <a:schemeClr val="accent1"/>
+              </a:effectRef>
+              <a:fontRef idx="minor">
+                <a:schemeClr val="tx1"/>
+              </a:fontRef>
+            </p:style>
+          </p:cxnSp>
+          <mc:AlternateContent xmlns:mc="http://schemas.openxmlformats.org/markup-compatibility/2006" xmlns:a14="http://schemas.microsoft.com/office/drawing/2010/main">
+            <mc:Choice Requires="a14">
+              <p:sp>
+                <p:nvSpPr>
+                  <p:cNvPr id="23" name="TextBox 22">
+                    <a:extLst>
+                      <a:ext uri="{FF2B5EF4-FFF2-40B4-BE49-F238E27FC236}">
+                        <a16:creationId xmlns:a16="http://schemas.microsoft.com/office/drawing/2014/main" id="{273C0CBE-1FC8-D543-905B-9140C9F30A7A}"/>
+                      </a:ext>
+                    </a:extLst>
+                  </p:cNvPr>
+                  <p:cNvSpPr txBox="1"/>
+                  <p:nvPr/>
+                </p:nvSpPr>
+                <p:spPr>
+                  <a:xfrm>
+                    <a:off x="3205952" y="3357361"/>
+                    <a:ext cx="601960" cy="537519"/>
+                  </a:xfrm>
+                  <a:prstGeom prst="rect">
+                    <a:avLst/>
+                  </a:prstGeom>
+                  <a:noFill/>
+                </p:spPr>
+                <p:txBody>
+                  <a:bodyPr wrap="none" lIns="0" tIns="0" rIns="0" bIns="0" rtlCol="0">
+                    <a:spAutoFit/>
+                  </a:bodyPr>
+                  <a:lstStyle/>
+                  <a:p>
+                    <a:pPr/>
+                    <a14:m>
+                      <m:oMathPara xmlns:m="http://schemas.openxmlformats.org/officeDocument/2006/math">
+                        <m:oMathParaPr>
+                          <m:jc m:val="centerGroup"/>
+                        </m:oMathParaPr>
+                        <m:oMath xmlns:m="http://schemas.openxmlformats.org/officeDocument/2006/math">
+                          <m:f>
+                            <m:fPr>
+                              <m:ctrlPr>
+                                <a:rPr lang="en-US" i="1" smtClean="0">
+                                  <a:latin typeface="Cambria Math" panose="02040503050406030204" pitchFamily="18" charset="0"/>
+                                </a:rPr>
+                              </m:ctrlPr>
+                            </m:fPr>
+                            <m:num>
+                              <m:r>
+                                <a:rPr lang="en-US" i="1" smtClean="0">
+                                  <a:latin typeface="Cambria Math" panose="02040503050406030204" pitchFamily="18" charset="0"/>
+                                </a:rPr>
+                                <m:t>𝜕</m:t>
+                              </m:r>
+                              <m:r>
+                                <a:rPr lang="en-US" b="0" i="1" smtClean="0">
+                                  <a:latin typeface="Cambria Math" panose="02040503050406030204" pitchFamily="18" charset="0"/>
+                                </a:rPr>
+                                <m:t>𝐽</m:t>
+                              </m:r>
+                              <m:d>
+                                <m:dPr>
+                                  <m:ctrlPr>
+                                    <a:rPr lang="en-US" b="0" i="1" smtClean="0">
+                                      <a:latin typeface="Cambria Math" panose="02040503050406030204" pitchFamily="18" charset="0"/>
+                                    </a:rPr>
+                                  </m:ctrlPr>
+                                </m:dPr>
+                                <m:e>
+                                  <m:r>
+                                    <a:rPr lang="en-US" b="0" i="1" smtClean="0">
+                                      <a:latin typeface="Cambria Math" panose="02040503050406030204" pitchFamily="18" charset="0"/>
+                                      <a:ea typeface="Cambria Math" panose="02040503050406030204" pitchFamily="18" charset="0"/>
+                                    </a:rPr>
+                                    <m:t>𝜃</m:t>
+                                  </m:r>
+                                </m:e>
+                              </m:d>
+                            </m:num>
+                            <m:den>
+                              <m:r>
+                                <a:rPr lang="en-US" i="1" smtClean="0">
+                                  <a:latin typeface="Cambria Math" panose="02040503050406030204" pitchFamily="18" charset="0"/>
+                                </a:rPr>
+                                <m:t>𝜕</m:t>
+                              </m:r>
+                              <m:r>
+                                <a:rPr lang="en-US" i="1" smtClean="0">
+                                  <a:latin typeface="Cambria Math" panose="02040503050406030204" pitchFamily="18" charset="0"/>
+                                  <a:ea typeface="Cambria Math" panose="02040503050406030204" pitchFamily="18" charset="0"/>
+                                </a:rPr>
+                                <m:t>𝜃</m:t>
+                              </m:r>
+                            </m:den>
+                          </m:f>
+                        </m:oMath>
+                      </m:oMathPara>
+                    </a14:m>
+                    <a:endParaRPr lang="en-US" dirty="0"/>
+                  </a:p>
+                </p:txBody>
+              </p:sp>
+            </mc:Choice>
+            <mc:Fallback xmlns="">
+              <p:sp>
+                <p:nvSpPr>
+                  <p:cNvPr id="23" name="TextBox 22">
+                    <a:extLst>
+                      <a:ext uri="{FF2B5EF4-FFF2-40B4-BE49-F238E27FC236}">
+                        <a16:creationId xmlns:a16="http://schemas.microsoft.com/office/drawing/2014/main" id="{273C0CBE-1FC8-D543-905B-9140C9F30A7A}"/>
+                      </a:ext>
+                    </a:extLst>
+                  </p:cNvPr>
+                  <p:cNvSpPr txBox="1">
+                    <a:spLocks noRot="1" noChangeAspect="1" noMove="1" noResize="1" noEditPoints="1" noAdjustHandles="1" noChangeArrowheads="1" noChangeShapeType="1" noTextEdit="1"/>
+                  </p:cNvSpPr>
+                  <p:nvPr/>
+                </p:nvSpPr>
+                <p:spPr>
+                  <a:xfrm>
+                    <a:off x="3205952" y="3357361"/>
+                    <a:ext cx="601960" cy="537519"/>
+                  </a:xfrm>
+                  <a:prstGeom prst="rect">
+                    <a:avLst/>
+                  </a:prstGeom>
+                  <a:blipFill>
+                    <a:blip r:embed="rId6"/>
+                    <a:stretch>
+                      <a:fillRect l="-8333" b="-14286"/>
+                    </a:stretch>
+                  </a:blipFill>
+                </p:spPr>
+                <p:txBody>
+                  <a:bodyPr/>
+                  <a:lstStyle/>
+                  <a:p>
+                    <a:r>
+                      <a:rPr lang="en-US">
+                        <a:noFill/>
+                      </a:rPr>
+                      <a:t> </a:t>
+                    </a:r>
+                  </a:p>
+                </p:txBody>
+              </p:sp>
+            </mc:Fallback>
+          </mc:AlternateContent>
+          <p:cxnSp>
+            <p:nvCxnSpPr>
+              <p:cNvPr id="25" name="Straight Arrow Connector 24">
+                <a:extLst>
+                  <a:ext uri="{FF2B5EF4-FFF2-40B4-BE49-F238E27FC236}">
+                    <a16:creationId xmlns:a16="http://schemas.microsoft.com/office/drawing/2014/main" id="{3353F71B-DC0E-514A-9A4D-B6119E62F4C6}"/>
+                  </a:ext>
+                </a:extLst>
+              </p:cNvPr>
+              <p:cNvCxnSpPr>
+                <a:cxnSpLocks/>
+              </p:cNvCxnSpPr>
+              <p:nvPr/>
+            </p:nvCxnSpPr>
+            <p:spPr>
+              <a:xfrm>
+                <a:off x="3923501" y="2794778"/>
+                <a:ext cx="141154" cy="274399"/>
+              </a:xfrm>
+              <a:prstGeom prst="straightConnector1">
+                <a:avLst/>
+              </a:prstGeom>
+              <a:ln w="22225">
+                <a:tailEnd type="triangle"/>
+              </a:ln>
+            </p:spPr>
+            <p:style>
+              <a:lnRef idx="1">
+                <a:schemeClr val="accent1"/>
+              </a:lnRef>
+              <a:fillRef idx="0">
+                <a:schemeClr val="accent1"/>
+              </a:fillRef>
+              <a:effectRef idx="0">
+                <a:schemeClr val="accent1"/>
+              </a:effectRef>
+              <a:fontRef idx="minor">
+                <a:schemeClr val="tx1"/>
+              </a:fontRef>
+            </p:style>
+          </p:cxnSp>
+          <p:cxnSp>
+            <p:nvCxnSpPr>
+              <p:cNvPr id="27" name="Straight Arrow Connector 26">
+                <a:extLst>
+                  <a:ext uri="{FF2B5EF4-FFF2-40B4-BE49-F238E27FC236}">
+                    <a16:creationId xmlns:a16="http://schemas.microsoft.com/office/drawing/2014/main" id="{0AC546B9-E094-AF41-A939-BC2BBC2599CB}"/>
+                  </a:ext>
+                </a:extLst>
+              </p:cNvPr>
+              <p:cNvCxnSpPr>
+                <a:cxnSpLocks/>
+              </p:cNvCxnSpPr>
+              <p:nvPr/>
+            </p:nvCxnSpPr>
+            <p:spPr>
+              <a:xfrm>
+                <a:off x="4077326" y="3077172"/>
+                <a:ext cx="200993" cy="247072"/>
+              </a:xfrm>
+              <a:prstGeom prst="straightConnector1">
+                <a:avLst/>
+              </a:prstGeom>
+              <a:ln w="22225">
+                <a:tailEnd type="triangle"/>
+              </a:ln>
+            </p:spPr>
+            <p:style>
+              <a:lnRef idx="1">
+                <a:schemeClr val="accent1"/>
+              </a:lnRef>
+              <a:fillRef idx="0">
+                <a:schemeClr val="accent1"/>
+              </a:fillRef>
+              <a:effectRef idx="0">
+                <a:schemeClr val="accent1"/>
+              </a:effectRef>
+              <a:fontRef idx="minor">
+                <a:schemeClr val="tx1"/>
+              </a:fontRef>
+            </p:style>
+          </p:cxnSp>
+          <p:cxnSp>
+            <p:nvCxnSpPr>
+              <p:cNvPr id="29" name="Straight Arrow Connector 28">
+                <a:extLst>
+                  <a:ext uri="{FF2B5EF4-FFF2-40B4-BE49-F238E27FC236}">
+                    <a16:creationId xmlns:a16="http://schemas.microsoft.com/office/drawing/2014/main" id="{F0384EA5-CE99-7140-8C98-9C4F4797BCC3}"/>
+                  </a:ext>
+                </a:extLst>
+              </p:cNvPr>
+              <p:cNvCxnSpPr>
+                <a:cxnSpLocks/>
+              </p:cNvCxnSpPr>
+              <p:nvPr/>
+            </p:nvCxnSpPr>
+            <p:spPr>
+              <a:xfrm>
+                <a:off x="4302413" y="3346139"/>
+                <a:ext cx="208600" cy="196029"/>
+              </a:xfrm>
+              <a:prstGeom prst="straightConnector1">
+                <a:avLst/>
+              </a:prstGeom>
+              <a:ln w="22225">
+                <a:tailEnd type="triangle"/>
+              </a:ln>
+            </p:spPr>
+            <p:style>
+              <a:lnRef idx="1">
+                <a:schemeClr val="accent1"/>
+              </a:lnRef>
+              <a:fillRef idx="0">
+                <a:schemeClr val="accent1"/>
+              </a:fillRef>
+              <a:effectRef idx="0">
+                <a:schemeClr val="accent1"/>
+              </a:effectRef>
+              <a:fontRef idx="minor">
+                <a:schemeClr val="tx1"/>
+              </a:fontRef>
+            </p:style>
+          </p:cxnSp>
+          <p:cxnSp>
+            <p:nvCxnSpPr>
+              <p:cNvPr id="31" name="Straight Arrow Connector 30">
+                <a:extLst>
+                  <a:ext uri="{FF2B5EF4-FFF2-40B4-BE49-F238E27FC236}">
+                    <a16:creationId xmlns:a16="http://schemas.microsoft.com/office/drawing/2014/main" id="{85045217-6325-1C49-AC14-0FAFBA6D9E4C}"/>
+                  </a:ext>
+                </a:extLst>
+              </p:cNvPr>
+              <p:cNvCxnSpPr>
+                <a:cxnSpLocks/>
+              </p:cNvCxnSpPr>
+              <p:nvPr/>
+            </p:nvCxnSpPr>
+            <p:spPr>
+              <a:xfrm>
+                <a:off x="4529891" y="3553027"/>
+                <a:ext cx="201392" cy="150617"/>
+              </a:xfrm>
+              <a:prstGeom prst="straightConnector1">
+                <a:avLst/>
+              </a:prstGeom>
+              <a:ln w="22225">
+                <a:tailEnd type="triangle"/>
+              </a:ln>
+            </p:spPr>
+            <p:style>
+              <a:lnRef idx="1">
+                <a:schemeClr val="accent1"/>
+              </a:lnRef>
+              <a:fillRef idx="0">
+                <a:schemeClr val="accent1"/>
+              </a:fillRef>
+              <a:effectRef idx="0">
+                <a:schemeClr val="accent1"/>
+              </a:effectRef>
+              <a:fontRef idx="minor">
+                <a:schemeClr val="tx1"/>
+              </a:fontRef>
+            </p:style>
+          </p:cxnSp>
+          <p:cxnSp>
+            <p:nvCxnSpPr>
+              <p:cNvPr id="33" name="Straight Arrow Connector 32">
+                <a:extLst>
+                  <a:ext uri="{FF2B5EF4-FFF2-40B4-BE49-F238E27FC236}">
+                    <a16:creationId xmlns:a16="http://schemas.microsoft.com/office/drawing/2014/main" id="{FC91C609-5D7E-A444-B56D-D74E82E786AD}"/>
+                  </a:ext>
+                </a:extLst>
+              </p:cNvPr>
+              <p:cNvCxnSpPr>
+                <a:cxnSpLocks/>
+              </p:cNvCxnSpPr>
+              <p:nvPr/>
+            </p:nvCxnSpPr>
+            <p:spPr>
+              <a:xfrm>
+                <a:off x="4753600" y="3701863"/>
+                <a:ext cx="201970" cy="87715"/>
+              </a:xfrm>
+              <a:prstGeom prst="straightConnector1">
+                <a:avLst/>
+              </a:prstGeom>
+              <a:ln w="22225">
+                <a:tailEnd type="triangle"/>
+              </a:ln>
+            </p:spPr>
+            <p:style>
+              <a:lnRef idx="1">
+                <a:schemeClr val="accent1"/>
+              </a:lnRef>
+              <a:fillRef idx="0">
+                <a:schemeClr val="accent1"/>
+              </a:fillRef>
+              <a:effectRef idx="0">
+                <a:schemeClr val="accent1"/>
+              </a:effectRef>
+              <a:fontRef idx="minor">
+                <a:schemeClr val="tx1"/>
+              </a:fontRef>
+            </p:style>
+          </p:cxnSp>
+          <p:cxnSp>
+            <p:nvCxnSpPr>
+              <p:cNvPr id="37" name="Straight Arrow Connector 36">
+                <a:extLst>
+                  <a:ext uri="{FF2B5EF4-FFF2-40B4-BE49-F238E27FC236}">
+                    <a16:creationId xmlns:a16="http://schemas.microsoft.com/office/drawing/2014/main" id="{C6BF22B0-40AD-2445-8B9D-83D239A324FC}"/>
+                  </a:ext>
+                </a:extLst>
+              </p:cNvPr>
+              <p:cNvCxnSpPr>
+                <a:cxnSpLocks/>
+                <a:endCxn id="17" idx="2"/>
+              </p:cNvCxnSpPr>
+              <p:nvPr/>
+            </p:nvCxnSpPr>
+            <p:spPr>
+              <a:xfrm>
+                <a:off x="4977887" y="3789321"/>
+                <a:ext cx="170314" cy="49742"/>
+              </a:xfrm>
+              <a:prstGeom prst="straightConnector1">
+                <a:avLst/>
+              </a:prstGeom>
+              <a:ln w="22225">
+                <a:tailEnd type="triangle"/>
+              </a:ln>
+            </p:spPr>
+            <p:style>
+              <a:lnRef idx="1">
+                <a:schemeClr val="accent1"/>
+              </a:lnRef>
+              <a:fillRef idx="0">
+                <a:schemeClr val="accent1"/>
+              </a:fillRef>
+              <a:effectRef idx="0">
+                <a:schemeClr val="accent1"/>
+              </a:effectRef>
+              <a:fontRef idx="minor">
+                <a:schemeClr val="tx1"/>
+              </a:fontRef>
+            </p:style>
+          </p:cxnSp>
+          <mc:AlternateContent xmlns:mc="http://schemas.openxmlformats.org/markup-compatibility/2006" xmlns:a14="http://schemas.microsoft.com/office/drawing/2010/main">
+            <mc:Choice Requires="a14">
+              <p:sp>
+                <p:nvSpPr>
+                  <p:cNvPr id="40" name="TextBox 39">
+                    <a:extLst>
+                      <a:ext uri="{FF2B5EF4-FFF2-40B4-BE49-F238E27FC236}">
+                        <a16:creationId xmlns:a16="http://schemas.microsoft.com/office/drawing/2014/main" id="{62786FE4-3E0C-0240-A64A-AFC117176C8E}"/>
+                      </a:ext>
+                    </a:extLst>
+                  </p:cNvPr>
+                  <p:cNvSpPr txBox="1"/>
+                  <p:nvPr/>
+                </p:nvSpPr>
+                <p:spPr>
+                  <a:xfrm>
+                    <a:off x="4531709" y="2426967"/>
+                    <a:ext cx="1674561" cy="505010"/>
+                  </a:xfrm>
+                  <a:prstGeom prst="rect">
+                    <a:avLst/>
+                  </a:prstGeom>
+                  <a:noFill/>
+                </p:spPr>
+                <p:txBody>
+                  <a:bodyPr wrap="none" rtlCol="0">
+                    <a:spAutoFit/>
+                  </a:bodyPr>
+                  <a:lstStyle/>
+                  <a:p>
+                    <a14:m>
+                      <m:oMath xmlns:m="http://schemas.openxmlformats.org/officeDocument/2006/math">
+                        <m:r>
+                          <a:rPr lang="en-US" i="1" smtClean="0">
+                            <a:latin typeface="Cambria Math" panose="02040503050406030204" pitchFamily="18" charset="0"/>
+                            <a:ea typeface="Cambria Math" panose="02040503050406030204" pitchFamily="18" charset="0"/>
+                          </a:rPr>
+                          <m:t>𝜃</m:t>
+                        </m:r>
+                        <m:r>
+                          <a:rPr lang="en-US" b="0" i="1" smtClean="0">
+                            <a:latin typeface="Cambria Math" panose="02040503050406030204" pitchFamily="18" charset="0"/>
+                            <a:ea typeface="Cambria Math" panose="02040503050406030204" pitchFamily="18" charset="0"/>
+                          </a:rPr>
+                          <m:t>=</m:t>
+                        </m:r>
+                        <m:r>
+                          <a:rPr lang="en-US" b="0" i="1" smtClean="0">
+                            <a:latin typeface="Cambria Math" panose="02040503050406030204" pitchFamily="18" charset="0"/>
+                            <a:ea typeface="Cambria Math" panose="02040503050406030204" pitchFamily="18" charset="0"/>
+                          </a:rPr>
+                          <m:t>𝜃</m:t>
+                        </m:r>
+                        <m:r>
+                          <a:rPr lang="en-US" b="0" i="1" smtClean="0">
+                            <a:latin typeface="Cambria Math" panose="02040503050406030204" pitchFamily="18" charset="0"/>
+                            <a:ea typeface="Cambria Math" panose="02040503050406030204" pitchFamily="18" charset="0"/>
+                          </a:rPr>
+                          <m:t>−</m:t>
+                        </m:r>
+                        <m:r>
+                          <a:rPr lang="en-US" b="0" i="1" smtClean="0">
+                            <a:latin typeface="Cambria Math" panose="02040503050406030204" pitchFamily="18" charset="0"/>
+                            <a:ea typeface="Cambria Math" panose="02040503050406030204" pitchFamily="18" charset="0"/>
+                          </a:rPr>
+                          <m:t>𝛼</m:t>
+                        </m:r>
+                      </m:oMath>
+                    </a14:m>
+                    <a:r>
+                      <a:rPr lang="en-US" dirty="0"/>
+                      <a:t> </a:t>
+                    </a:r>
+                    <a14:m>
                       <m:oMath xmlns:m="http://schemas.openxmlformats.org/officeDocument/2006/math">
                         <m:f>
                           <m:fPr>
@@ -4613,527 +5072,97 @@
                           </m:den>
                         </m:f>
                       </m:oMath>
-                    </m:oMathPara>
-                  </a14:m>
-                  <a:endParaRPr lang="en-US" dirty="0"/>
-                </a:p>
-              </p:txBody>
-            </p:sp>
-          </mc:Choice>
-          <mc:Fallback>
-            <p:sp>
-              <p:nvSpPr>
-                <p:cNvPr id="23" name="TextBox 22">
-                  <a:extLst>
-                    <a:ext uri="{FF2B5EF4-FFF2-40B4-BE49-F238E27FC236}">
-                      <a16:creationId xmlns:a16="http://schemas.microsoft.com/office/drawing/2014/main" id="{273C0CBE-1FC8-D543-905B-9140C9F30A7A}"/>
-                    </a:ext>
-                  </a:extLst>
-                </p:cNvPr>
-                <p:cNvSpPr txBox="1">
-                  <a:spLocks noRot="1" noChangeAspect="1" noMove="1" noResize="1" noEditPoints="1" noAdjustHandles="1" noChangeArrowheads="1" noChangeShapeType="1" noTextEdit="1"/>
-                </p:cNvSpPr>
-                <p:nvPr/>
-              </p:nvSpPr>
-              <p:spPr>
-                <a:xfrm>
-                  <a:off x="3205952" y="3357361"/>
-                  <a:ext cx="601960" cy="537519"/>
-                </a:xfrm>
-                <a:prstGeom prst="rect">
-                  <a:avLst/>
-                </a:prstGeom>
-                <a:blipFill>
-                  <a:blip r:embed="rId6"/>
-                  <a:stretch>
-                    <a:fillRect l="-8333" b="-14286"/>
-                  </a:stretch>
-                </a:blipFill>
-              </p:spPr>
-              <p:txBody>
-                <a:bodyPr/>
-                <a:lstStyle/>
-                <a:p>
-                  <a:r>
-                    <a:rPr lang="en-US">
-                      <a:noFill/>
-                    </a:rPr>
-                    <a:t> </a:t>
-                  </a:r>
-                </a:p>
-              </p:txBody>
-            </p:sp>
-          </mc:Fallback>
-        </mc:AlternateContent>
-        <p:cxnSp>
-          <p:nvCxnSpPr>
-            <p:cNvPr id="25" name="Straight Arrow Connector 24">
-              <a:extLst>
-                <a:ext uri="{FF2B5EF4-FFF2-40B4-BE49-F238E27FC236}">
-                  <a16:creationId xmlns:a16="http://schemas.microsoft.com/office/drawing/2014/main" id="{3353F71B-DC0E-514A-9A4D-B6119E62F4C6}"/>
-                </a:ext>
-              </a:extLst>
-            </p:cNvPr>
-            <p:cNvCxnSpPr>
-              <a:cxnSpLocks/>
-            </p:cNvCxnSpPr>
-            <p:nvPr/>
-          </p:nvCxnSpPr>
-          <p:spPr>
-            <a:xfrm>
-              <a:off x="3923501" y="2794778"/>
-              <a:ext cx="141154" cy="274399"/>
-            </a:xfrm>
-            <a:prstGeom prst="straightConnector1">
-              <a:avLst/>
-            </a:prstGeom>
-            <a:ln w="22225">
-              <a:tailEnd type="triangle"/>
-            </a:ln>
-          </p:spPr>
-          <p:style>
-            <a:lnRef idx="1">
-              <a:schemeClr val="accent1"/>
-            </a:lnRef>
-            <a:fillRef idx="0">
-              <a:schemeClr val="accent1"/>
-            </a:fillRef>
-            <a:effectRef idx="0">
-              <a:schemeClr val="accent1"/>
-            </a:effectRef>
-            <a:fontRef idx="minor">
-              <a:schemeClr val="tx1"/>
-            </a:fontRef>
-          </p:style>
-        </p:cxnSp>
-        <p:cxnSp>
-          <p:nvCxnSpPr>
-            <p:cNvPr id="27" name="Straight Arrow Connector 26">
-              <a:extLst>
-                <a:ext uri="{FF2B5EF4-FFF2-40B4-BE49-F238E27FC236}">
-                  <a16:creationId xmlns:a16="http://schemas.microsoft.com/office/drawing/2014/main" id="{0AC546B9-E094-AF41-A939-BC2BBC2599CB}"/>
-                </a:ext>
-              </a:extLst>
-            </p:cNvPr>
-            <p:cNvCxnSpPr>
-              <a:cxnSpLocks/>
-            </p:cNvCxnSpPr>
-            <p:nvPr/>
-          </p:nvCxnSpPr>
-          <p:spPr>
-            <a:xfrm>
-              <a:off x="4077326" y="3077172"/>
-              <a:ext cx="200993" cy="247072"/>
-            </a:xfrm>
-            <a:prstGeom prst="straightConnector1">
-              <a:avLst/>
-            </a:prstGeom>
-            <a:ln w="22225">
-              <a:tailEnd type="triangle"/>
-            </a:ln>
-          </p:spPr>
-          <p:style>
-            <a:lnRef idx="1">
-              <a:schemeClr val="accent1"/>
-            </a:lnRef>
-            <a:fillRef idx="0">
-              <a:schemeClr val="accent1"/>
-            </a:fillRef>
-            <a:effectRef idx="0">
-              <a:schemeClr val="accent1"/>
-            </a:effectRef>
-            <a:fontRef idx="minor">
-              <a:schemeClr val="tx1"/>
-            </a:fontRef>
-          </p:style>
-        </p:cxnSp>
-        <p:cxnSp>
-          <p:nvCxnSpPr>
-            <p:cNvPr id="29" name="Straight Arrow Connector 28">
-              <a:extLst>
-                <a:ext uri="{FF2B5EF4-FFF2-40B4-BE49-F238E27FC236}">
-                  <a16:creationId xmlns:a16="http://schemas.microsoft.com/office/drawing/2014/main" id="{F0384EA5-CE99-7140-8C98-9C4F4797BCC3}"/>
-                </a:ext>
-              </a:extLst>
-            </p:cNvPr>
-            <p:cNvCxnSpPr>
-              <a:cxnSpLocks/>
-            </p:cNvCxnSpPr>
-            <p:nvPr/>
-          </p:nvCxnSpPr>
-          <p:spPr>
-            <a:xfrm>
-              <a:off x="4302413" y="3346139"/>
-              <a:ext cx="208600" cy="196029"/>
-            </a:xfrm>
-            <a:prstGeom prst="straightConnector1">
-              <a:avLst/>
-            </a:prstGeom>
-            <a:ln w="22225">
-              <a:tailEnd type="triangle"/>
-            </a:ln>
-          </p:spPr>
-          <p:style>
-            <a:lnRef idx="1">
-              <a:schemeClr val="accent1"/>
-            </a:lnRef>
-            <a:fillRef idx="0">
-              <a:schemeClr val="accent1"/>
-            </a:fillRef>
-            <a:effectRef idx="0">
-              <a:schemeClr val="accent1"/>
-            </a:effectRef>
-            <a:fontRef idx="minor">
-              <a:schemeClr val="tx1"/>
-            </a:fontRef>
-          </p:style>
-        </p:cxnSp>
-        <p:cxnSp>
-          <p:nvCxnSpPr>
-            <p:cNvPr id="31" name="Straight Arrow Connector 30">
-              <a:extLst>
-                <a:ext uri="{FF2B5EF4-FFF2-40B4-BE49-F238E27FC236}">
-                  <a16:creationId xmlns:a16="http://schemas.microsoft.com/office/drawing/2014/main" id="{85045217-6325-1C49-AC14-0FAFBA6D9E4C}"/>
-                </a:ext>
-              </a:extLst>
-            </p:cNvPr>
-            <p:cNvCxnSpPr>
-              <a:cxnSpLocks/>
-            </p:cNvCxnSpPr>
-            <p:nvPr/>
-          </p:nvCxnSpPr>
-          <p:spPr>
-            <a:xfrm>
-              <a:off x="4529891" y="3553027"/>
-              <a:ext cx="201392" cy="150617"/>
-            </a:xfrm>
-            <a:prstGeom prst="straightConnector1">
-              <a:avLst/>
-            </a:prstGeom>
-            <a:ln w="22225">
-              <a:tailEnd type="triangle"/>
-            </a:ln>
-          </p:spPr>
-          <p:style>
-            <a:lnRef idx="1">
-              <a:schemeClr val="accent1"/>
-            </a:lnRef>
-            <a:fillRef idx="0">
-              <a:schemeClr val="accent1"/>
-            </a:fillRef>
-            <a:effectRef idx="0">
-              <a:schemeClr val="accent1"/>
-            </a:effectRef>
-            <a:fontRef idx="minor">
-              <a:schemeClr val="tx1"/>
-            </a:fontRef>
-          </p:style>
-        </p:cxnSp>
-        <p:cxnSp>
-          <p:nvCxnSpPr>
-            <p:cNvPr id="33" name="Straight Arrow Connector 32">
-              <a:extLst>
-                <a:ext uri="{FF2B5EF4-FFF2-40B4-BE49-F238E27FC236}">
-                  <a16:creationId xmlns:a16="http://schemas.microsoft.com/office/drawing/2014/main" id="{FC91C609-5D7E-A444-B56D-D74E82E786AD}"/>
-                </a:ext>
-              </a:extLst>
-            </p:cNvPr>
-            <p:cNvCxnSpPr>
-              <a:cxnSpLocks/>
-            </p:cNvCxnSpPr>
-            <p:nvPr/>
-          </p:nvCxnSpPr>
-          <p:spPr>
-            <a:xfrm>
-              <a:off x="4753600" y="3701863"/>
-              <a:ext cx="201970" cy="87715"/>
-            </a:xfrm>
-            <a:prstGeom prst="straightConnector1">
-              <a:avLst/>
-            </a:prstGeom>
-            <a:ln w="22225">
-              <a:tailEnd type="triangle"/>
-            </a:ln>
-          </p:spPr>
-          <p:style>
-            <a:lnRef idx="1">
-              <a:schemeClr val="accent1"/>
-            </a:lnRef>
-            <a:fillRef idx="0">
-              <a:schemeClr val="accent1"/>
-            </a:fillRef>
-            <a:effectRef idx="0">
-              <a:schemeClr val="accent1"/>
-            </a:effectRef>
-            <a:fontRef idx="minor">
-              <a:schemeClr val="tx1"/>
-            </a:fontRef>
-          </p:style>
-        </p:cxnSp>
-        <p:cxnSp>
-          <p:nvCxnSpPr>
-            <p:cNvPr id="37" name="Straight Arrow Connector 36">
-              <a:extLst>
-                <a:ext uri="{FF2B5EF4-FFF2-40B4-BE49-F238E27FC236}">
-                  <a16:creationId xmlns:a16="http://schemas.microsoft.com/office/drawing/2014/main" id="{C6BF22B0-40AD-2445-8B9D-83D239A324FC}"/>
-                </a:ext>
-              </a:extLst>
-            </p:cNvPr>
-            <p:cNvCxnSpPr>
-              <a:cxnSpLocks/>
-              <a:endCxn id="17" idx="2"/>
-            </p:cNvCxnSpPr>
-            <p:nvPr/>
-          </p:nvCxnSpPr>
-          <p:spPr>
-            <a:xfrm>
-              <a:off x="4977887" y="3789321"/>
-              <a:ext cx="170314" cy="49742"/>
-            </a:xfrm>
-            <a:prstGeom prst="straightConnector1">
-              <a:avLst/>
-            </a:prstGeom>
-            <a:ln w="22225">
-              <a:tailEnd type="triangle"/>
-            </a:ln>
-          </p:spPr>
-          <p:style>
-            <a:lnRef idx="1">
-              <a:schemeClr val="accent1"/>
-            </a:lnRef>
-            <a:fillRef idx="0">
-              <a:schemeClr val="accent1"/>
-            </a:fillRef>
-            <a:effectRef idx="0">
-              <a:schemeClr val="accent1"/>
-            </a:effectRef>
-            <a:fontRef idx="minor">
-              <a:schemeClr val="tx1"/>
-            </a:fontRef>
-          </p:style>
-        </p:cxnSp>
-        <mc:AlternateContent xmlns:mc="http://schemas.openxmlformats.org/markup-compatibility/2006">
-          <mc:Choice xmlns:a14="http://schemas.microsoft.com/office/drawing/2010/main" Requires="a14">
-            <p:sp>
-              <p:nvSpPr>
-                <p:cNvPr id="40" name="TextBox 39">
-                  <a:extLst>
-                    <a:ext uri="{FF2B5EF4-FFF2-40B4-BE49-F238E27FC236}">
-                      <a16:creationId xmlns:a16="http://schemas.microsoft.com/office/drawing/2014/main" id="{62786FE4-3E0C-0240-A64A-AFC117176C8E}"/>
-                    </a:ext>
-                  </a:extLst>
-                </p:cNvPr>
-                <p:cNvSpPr txBox="1"/>
-                <p:nvPr/>
-              </p:nvSpPr>
-              <p:spPr>
-                <a:xfrm>
-                  <a:off x="4531709" y="2426967"/>
-                  <a:ext cx="1674561" cy="505010"/>
-                </a:xfrm>
-                <a:prstGeom prst="rect">
-                  <a:avLst/>
-                </a:prstGeom>
-                <a:noFill/>
-              </p:spPr>
-              <p:txBody>
-                <a:bodyPr wrap="none" rtlCol="0">
-                  <a:spAutoFit/>
-                </a:bodyPr>
-                <a:lstStyle/>
-                <a:p>
-                  <a14:m>
-                    <m:oMath xmlns:m="http://schemas.openxmlformats.org/officeDocument/2006/math">
-                      <m:r>
-                        <a:rPr lang="en-US" i="1" smtClean="0">
-                          <a:latin typeface="Cambria Math" panose="02040503050406030204" pitchFamily="18" charset="0"/>
-                          <a:ea typeface="Cambria Math" panose="02040503050406030204" pitchFamily="18" charset="0"/>
-                        </a:rPr>
-                        <m:t>𝜃</m:t>
-                      </m:r>
-                      <m:r>
-                        <a:rPr lang="en-US" b="0" i="1" smtClean="0">
-                          <a:latin typeface="Cambria Math" panose="02040503050406030204" pitchFamily="18" charset="0"/>
-                          <a:ea typeface="Cambria Math" panose="02040503050406030204" pitchFamily="18" charset="0"/>
-                        </a:rPr>
-                        <m:t>=</m:t>
-                      </m:r>
-                      <m:r>
-                        <a:rPr lang="en-US" b="0" i="1" smtClean="0">
-                          <a:latin typeface="Cambria Math" panose="02040503050406030204" pitchFamily="18" charset="0"/>
-                          <a:ea typeface="Cambria Math" panose="02040503050406030204" pitchFamily="18" charset="0"/>
-                        </a:rPr>
-                        <m:t>𝜃</m:t>
-                      </m:r>
-                      <m:r>
-                        <a:rPr lang="en-US" b="0" i="1" smtClean="0">
-                          <a:latin typeface="Cambria Math" panose="02040503050406030204" pitchFamily="18" charset="0"/>
-                          <a:ea typeface="Cambria Math" panose="02040503050406030204" pitchFamily="18" charset="0"/>
-                        </a:rPr>
-                        <m:t>−</m:t>
-                      </m:r>
-                      <m:r>
-                        <a:rPr lang="en-US" b="0" i="1" smtClean="0">
-                          <a:latin typeface="Cambria Math" panose="02040503050406030204" pitchFamily="18" charset="0"/>
-                          <a:ea typeface="Cambria Math" panose="02040503050406030204" pitchFamily="18" charset="0"/>
-                        </a:rPr>
-                        <m:t>𝛼</m:t>
-                      </m:r>
-                    </m:oMath>
-                  </a14:m>
-                  <a:r>
-                    <a:rPr lang="en-US" dirty="0"/>
-                    <a:t> </a:t>
-                  </a:r>
-                  <a14:m>
-                    <m:oMath xmlns:m="http://schemas.openxmlformats.org/officeDocument/2006/math">
-                      <m:f>
-                        <m:fPr>
-                          <m:ctrlPr>
-                            <a:rPr lang="en-US" i="1" smtClean="0">
-                              <a:latin typeface="Cambria Math" panose="02040503050406030204" pitchFamily="18" charset="0"/>
-                            </a:rPr>
-                          </m:ctrlPr>
-                        </m:fPr>
-                        <m:num>
-                          <m:r>
-                            <a:rPr lang="en-US" i="1" smtClean="0">
-                              <a:latin typeface="Cambria Math" panose="02040503050406030204" pitchFamily="18" charset="0"/>
-                            </a:rPr>
-                            <m:t>𝜕</m:t>
-                          </m:r>
-                          <m:r>
-                            <a:rPr lang="en-US" b="0" i="1" smtClean="0">
-                              <a:latin typeface="Cambria Math" panose="02040503050406030204" pitchFamily="18" charset="0"/>
-                            </a:rPr>
-                            <m:t>𝐽</m:t>
-                          </m:r>
-                          <m:d>
-                            <m:dPr>
-                              <m:ctrlPr>
-                                <a:rPr lang="en-US" b="0" i="1" smtClean="0">
-                                  <a:latin typeface="Cambria Math" panose="02040503050406030204" pitchFamily="18" charset="0"/>
-                                </a:rPr>
-                              </m:ctrlPr>
-                            </m:dPr>
-                            <m:e>
-                              <m:r>
-                                <a:rPr lang="en-US" b="0" i="1" smtClean="0">
-                                  <a:latin typeface="Cambria Math" panose="02040503050406030204" pitchFamily="18" charset="0"/>
-                                  <a:ea typeface="Cambria Math" panose="02040503050406030204" pitchFamily="18" charset="0"/>
-                                </a:rPr>
-                                <m:t>𝜃</m:t>
-                              </m:r>
-                            </m:e>
-                          </m:d>
-                        </m:num>
-                        <m:den>
-                          <m:r>
-                            <a:rPr lang="en-US" i="1" smtClean="0">
-                              <a:latin typeface="Cambria Math" panose="02040503050406030204" pitchFamily="18" charset="0"/>
-                            </a:rPr>
-                            <m:t>𝜕</m:t>
-                          </m:r>
-                          <m:r>
-                            <a:rPr lang="en-US" i="1" smtClean="0">
-                              <a:latin typeface="Cambria Math" panose="02040503050406030204" pitchFamily="18" charset="0"/>
-                              <a:ea typeface="Cambria Math" panose="02040503050406030204" pitchFamily="18" charset="0"/>
-                            </a:rPr>
-                            <m:t>𝜃</m:t>
-                          </m:r>
-                        </m:den>
-                      </m:f>
-                    </m:oMath>
-                  </a14:m>
-                  <a:endParaRPr lang="en-US" dirty="0"/>
-                </a:p>
-              </p:txBody>
-            </p:sp>
-          </mc:Choice>
-          <mc:Fallback>
-            <p:sp>
-              <p:nvSpPr>
-                <p:cNvPr id="40" name="TextBox 39">
-                  <a:extLst>
-                    <a:ext uri="{FF2B5EF4-FFF2-40B4-BE49-F238E27FC236}">
-                      <a16:creationId xmlns:a16="http://schemas.microsoft.com/office/drawing/2014/main" id="{62786FE4-3E0C-0240-A64A-AFC117176C8E}"/>
-                    </a:ext>
-                  </a:extLst>
-                </p:cNvPr>
-                <p:cNvSpPr txBox="1">
-                  <a:spLocks noRot="1" noChangeAspect="1" noMove="1" noResize="1" noEditPoints="1" noAdjustHandles="1" noChangeArrowheads="1" noChangeShapeType="1" noTextEdit="1"/>
-                </p:cNvSpPr>
-                <p:nvPr/>
-              </p:nvSpPr>
-              <p:spPr>
-                <a:xfrm>
-                  <a:off x="4531709" y="2426967"/>
-                  <a:ext cx="1674561" cy="505010"/>
-                </a:xfrm>
-                <a:prstGeom prst="rect">
-                  <a:avLst/>
-                </a:prstGeom>
-                <a:blipFill>
-                  <a:blip r:embed="rId7"/>
-                  <a:stretch>
-                    <a:fillRect b="-2564"/>
-                  </a:stretch>
-                </a:blipFill>
-              </p:spPr>
-              <p:txBody>
-                <a:bodyPr/>
-                <a:lstStyle/>
-                <a:p>
-                  <a:r>
-                    <a:rPr lang="en-US">
-                      <a:noFill/>
-                    </a:rPr>
-                    <a:t> </a:t>
-                  </a:r>
-                </a:p>
-              </p:txBody>
-            </p:sp>
-          </mc:Fallback>
-        </mc:AlternateContent>
-        <p:cxnSp>
-          <p:nvCxnSpPr>
-            <p:cNvPr id="41" name="Straight Arrow Connector 40">
-              <a:extLst>
-                <a:ext uri="{FF2B5EF4-FFF2-40B4-BE49-F238E27FC236}">
-                  <a16:creationId xmlns:a16="http://schemas.microsoft.com/office/drawing/2014/main" id="{23CED2CB-13DF-884F-944B-7E483EBCEB88}"/>
-                </a:ext>
-              </a:extLst>
-            </p:cNvPr>
-            <p:cNvCxnSpPr/>
-            <p:nvPr/>
-          </p:nvCxnSpPr>
-          <p:spPr>
-            <a:xfrm flipH="1">
-              <a:off x="4669693" y="2887064"/>
-              <a:ext cx="275574" cy="595172"/>
-            </a:xfrm>
-            <a:prstGeom prst="straightConnector1">
-              <a:avLst/>
-            </a:prstGeom>
-            <a:ln>
-              <a:tailEnd type="triangle"/>
-            </a:ln>
-          </p:spPr>
-          <p:style>
-            <a:lnRef idx="1">
-              <a:schemeClr val="accent1"/>
-            </a:lnRef>
-            <a:fillRef idx="0">
-              <a:schemeClr val="accent1"/>
-            </a:fillRef>
-            <a:effectRef idx="0">
-              <a:schemeClr val="accent1"/>
-            </a:effectRef>
-            <a:fontRef idx="minor">
-              <a:schemeClr val="tx1"/>
-            </a:fontRef>
-          </p:style>
-        </p:cxnSp>
+                    </a14:m>
+                    <a:endParaRPr lang="en-US" dirty="0"/>
+                  </a:p>
+                </p:txBody>
+              </p:sp>
+            </mc:Choice>
+            <mc:Fallback xmlns="">
+              <p:sp>
+                <p:nvSpPr>
+                  <p:cNvPr id="40" name="TextBox 39">
+                    <a:extLst>
+                      <a:ext uri="{FF2B5EF4-FFF2-40B4-BE49-F238E27FC236}">
+                        <a16:creationId xmlns:a16="http://schemas.microsoft.com/office/drawing/2014/main" id="{62786FE4-3E0C-0240-A64A-AFC117176C8E}"/>
+                      </a:ext>
+                    </a:extLst>
+                  </p:cNvPr>
+                  <p:cNvSpPr txBox="1">
+                    <a:spLocks noRot="1" noChangeAspect="1" noMove="1" noResize="1" noEditPoints="1" noAdjustHandles="1" noChangeArrowheads="1" noChangeShapeType="1" noTextEdit="1"/>
+                  </p:cNvSpPr>
+                  <p:nvPr/>
+                </p:nvSpPr>
+                <p:spPr>
+                  <a:xfrm>
+                    <a:off x="4531709" y="2426967"/>
+                    <a:ext cx="1674561" cy="505010"/>
+                  </a:xfrm>
+                  <a:prstGeom prst="rect">
+                    <a:avLst/>
+                  </a:prstGeom>
+                  <a:blipFill>
+                    <a:blip r:embed="rId7"/>
+                    <a:stretch>
+                      <a:fillRect b="-2564"/>
+                    </a:stretch>
+                  </a:blipFill>
+                </p:spPr>
+                <p:txBody>
+                  <a:bodyPr/>
+                  <a:lstStyle/>
+                  <a:p>
+                    <a:r>
+                      <a:rPr lang="en-US">
+                        <a:noFill/>
+                      </a:rPr>
+                      <a:t> </a:t>
+                    </a:r>
+                  </a:p>
+                </p:txBody>
+              </p:sp>
+            </mc:Fallback>
+          </mc:AlternateContent>
+          <p:cxnSp>
+            <p:nvCxnSpPr>
+              <p:cNvPr id="41" name="Straight Arrow Connector 40">
+                <a:extLst>
+                  <a:ext uri="{FF2B5EF4-FFF2-40B4-BE49-F238E27FC236}">
+                    <a16:creationId xmlns:a16="http://schemas.microsoft.com/office/drawing/2014/main" id="{23CED2CB-13DF-884F-944B-7E483EBCEB88}"/>
+                  </a:ext>
+                </a:extLst>
+              </p:cNvPr>
+              <p:cNvCxnSpPr/>
+              <p:nvPr/>
+            </p:nvCxnSpPr>
+            <p:spPr>
+              <a:xfrm flipH="1">
+                <a:off x="4669693" y="2887064"/>
+                <a:ext cx="275574" cy="595172"/>
+              </a:xfrm>
+              <a:prstGeom prst="straightConnector1">
+                <a:avLst/>
+              </a:prstGeom>
+              <a:ln>
+                <a:tailEnd type="triangle"/>
+              </a:ln>
+            </p:spPr>
+            <p:style>
+              <a:lnRef idx="1">
+                <a:schemeClr val="accent1"/>
+              </a:lnRef>
+              <a:fillRef idx="0">
+                <a:schemeClr val="accent1"/>
+              </a:fillRef>
+              <a:effectRef idx="0">
+                <a:schemeClr val="accent1"/>
+              </a:effectRef>
+              <a:fontRef idx="minor">
+                <a:schemeClr val="tx1"/>
+              </a:fontRef>
+            </p:style>
+          </p:cxnSp>
+        </p:grpSp>
       </p:grpSp>
     </p:spTree>
     <p:extLst>

--- a/model_training/images/gradient_descent.pptx
+++ b/model_training/images/gradient_descent.pptx
@@ -3767,10 +3767,10 @@
       </p:grpSpPr>
       <p:grpSp>
         <p:nvGrpSpPr>
-          <p:cNvPr id="2" name="Group 1">
-            <a:extLst>
-              <a:ext uri="{FF2B5EF4-FFF2-40B4-BE49-F238E27FC236}">
-                <a16:creationId xmlns:a16="http://schemas.microsoft.com/office/drawing/2014/main" id="{C5345ACB-CD0B-6542-9AAB-449678DD3983}"/>
+          <p:cNvPr id="5" name="Group 4">
+            <a:extLst>
+              <a:ext uri="{FF2B5EF4-FFF2-40B4-BE49-F238E27FC236}">
+                <a16:creationId xmlns:a16="http://schemas.microsoft.com/office/drawing/2014/main" id="{327ABDB7-8D9A-6F40-94D1-34C517E36E4D}"/>
               </a:ext>
             </a:extLst>
           </p:cNvPr>
@@ -3779,72 +3779,18 @@
         </p:nvGrpSpPr>
         <p:grpSpPr>
           <a:xfrm>
-            <a:off x="1715803" y="0"/>
-            <a:ext cx="6196596" cy="4942113"/>
-            <a:chOff x="1715803" y="0"/>
-            <a:chExt cx="6196596" cy="4942113"/>
+            <a:off x="2116221" y="0"/>
+            <a:ext cx="5796178" cy="4880558"/>
+            <a:chOff x="2116221" y="0"/>
+            <a:chExt cx="5796178" cy="4880558"/>
           </a:xfrm>
         </p:grpSpPr>
-        <p:sp>
-          <p:nvSpPr>
-            <p:cNvPr id="7" name="Arc 6">
+        <p:grpSp>
+          <p:nvGrpSpPr>
+            <p:cNvPr id="2" name="Group 1">
               <a:extLst>
                 <a:ext uri="{FF2B5EF4-FFF2-40B4-BE49-F238E27FC236}">
-                  <a16:creationId xmlns:a16="http://schemas.microsoft.com/office/drawing/2014/main" id="{6BB030CD-A82D-1F48-8097-5FE96B5C10F7}"/>
-                </a:ext>
-              </a:extLst>
-            </p:cNvPr>
-            <p:cNvSpPr/>
-            <p:nvPr/>
-          </p:nvSpPr>
-          <p:spPr>
-            <a:xfrm rot="5400000">
-              <a:off x="3253722" y="401419"/>
-              <a:ext cx="3953083" cy="3150245"/>
-            </a:xfrm>
-            <a:prstGeom prst="arc">
-              <a:avLst>
-                <a:gd name="adj1" fmla="val 16200000"/>
-                <a:gd name="adj2" fmla="val 5357386"/>
-              </a:avLst>
-            </a:prstGeom>
-            <a:ln w="50800">
-              <a:solidFill>
-                <a:schemeClr val="accent2">
-                  <a:lumMod val="75000"/>
-                </a:schemeClr>
-              </a:solidFill>
-            </a:ln>
-          </p:spPr>
-          <p:style>
-            <a:lnRef idx="1">
-              <a:schemeClr val="accent1"/>
-            </a:lnRef>
-            <a:fillRef idx="0">
-              <a:schemeClr val="accent1"/>
-            </a:fillRef>
-            <a:effectRef idx="0">
-              <a:schemeClr val="accent1"/>
-            </a:effectRef>
-            <a:fontRef idx="minor">
-              <a:schemeClr val="tx1"/>
-            </a:fontRef>
-          </p:style>
-          <p:txBody>
-            <a:bodyPr rtlCol="0" anchor="ctr"/>
-            <a:lstStyle/>
-            <a:p>
-              <a:pPr algn="ctr"/>
-              <a:endParaRPr lang="en-US"/>
-            </a:p>
-          </p:txBody>
-        </p:sp>
-        <p:grpSp>
-          <p:nvGrpSpPr>
-            <p:cNvPr id="42" name="Group 41">
-              <a:extLst>
-                <a:ext uri="{FF2B5EF4-FFF2-40B4-BE49-F238E27FC236}">
-                  <a16:creationId xmlns:a16="http://schemas.microsoft.com/office/drawing/2014/main" id="{7ABB9B7E-98B7-6C4B-A52C-435063BF5F57}"/>
+                  <a16:creationId xmlns:a16="http://schemas.microsoft.com/office/drawing/2014/main" id="{C5345ACB-CD0B-6542-9AAB-449678DD3983}"/>
                 </a:ext>
               </a:extLst>
             </p:cNvPr>
@@ -3853,34 +3799,41 @@
           </p:nvGrpSpPr>
           <p:grpSpPr>
             <a:xfrm>
-              <a:off x="1715803" y="1012371"/>
-              <a:ext cx="6196596" cy="3929742"/>
-              <a:chOff x="1715803" y="1012371"/>
-              <a:chExt cx="6196596" cy="3929742"/>
+              <a:off x="2116221" y="0"/>
+              <a:ext cx="5796178" cy="4880558"/>
+              <a:chOff x="2116221" y="0"/>
+              <a:chExt cx="5796178" cy="4880558"/>
             </a:xfrm>
           </p:grpSpPr>
-          <p:cxnSp>
-            <p:nvCxnSpPr>
-              <p:cNvPr id="3" name="Straight Connector 2">
+          <p:sp>
+            <p:nvSpPr>
+              <p:cNvPr id="7" name="Arc 6">
                 <a:extLst>
                   <a:ext uri="{FF2B5EF4-FFF2-40B4-BE49-F238E27FC236}">
-                    <a16:creationId xmlns:a16="http://schemas.microsoft.com/office/drawing/2014/main" id="{1E0ACA42-8DB3-C54E-AD2C-2881041FFBAA}"/>
+                    <a16:creationId xmlns:a16="http://schemas.microsoft.com/office/drawing/2014/main" id="{6BB030CD-A82D-1F48-8097-5FE96B5C10F7}"/>
                   </a:ext>
                 </a:extLst>
               </p:cNvPr>
-              <p:cNvCxnSpPr/>
+              <p:cNvSpPr/>
               <p:nvPr/>
-            </p:nvCxnSpPr>
+            </p:nvSpPr>
             <p:spPr>
-              <a:xfrm>
-                <a:off x="3135086" y="1012371"/>
-                <a:ext cx="0" cy="3505200"/>
+              <a:xfrm rot="5400000">
+                <a:off x="3253722" y="401419"/>
+                <a:ext cx="3953083" cy="3150245"/>
               </a:xfrm>
-              <a:prstGeom prst="line">
-                <a:avLst/>
+              <a:prstGeom prst="arc">
+                <a:avLst>
+                  <a:gd name="adj1" fmla="val 16200000"/>
+                  <a:gd name="adj2" fmla="val 5357386"/>
+                </a:avLst>
               </a:prstGeom>
-              <a:ln w="19050">
-                <a:headEnd type="triangle" w="lg" len="lg"/>
+              <a:ln w="50800">
+                <a:solidFill>
+                  <a:schemeClr val="accent2">
+                    <a:lumMod val="75000"/>
+                  </a:schemeClr>
+                </a:solidFill>
               </a:ln>
             </p:spPr>
             <p:style>
@@ -3897,307 +3850,6 @@
                 <a:schemeClr val="tx1"/>
               </a:fontRef>
             </p:style>
-          </p:cxnSp>
-          <p:cxnSp>
-            <p:nvCxnSpPr>
-              <p:cNvPr id="4" name="Straight Connector 3">
-                <a:extLst>
-                  <a:ext uri="{FF2B5EF4-FFF2-40B4-BE49-F238E27FC236}">
-                    <a16:creationId xmlns:a16="http://schemas.microsoft.com/office/drawing/2014/main" id="{D65B2361-A0EA-7A4D-A678-0AB444394626}"/>
-                  </a:ext>
-                </a:extLst>
-              </p:cNvPr>
-              <p:cNvCxnSpPr>
-                <a:cxnSpLocks/>
-              </p:cNvCxnSpPr>
-              <p:nvPr/>
-            </p:nvCxnSpPr>
-            <p:spPr>
-              <a:xfrm flipH="1">
-                <a:off x="3135086" y="4517571"/>
-                <a:ext cx="4052766" cy="0"/>
-              </a:xfrm>
-              <a:prstGeom prst="line">
-                <a:avLst/>
-              </a:prstGeom>
-              <a:ln w="19050">
-                <a:headEnd type="triangle" w="lg" len="lg"/>
-              </a:ln>
-            </p:spPr>
-            <p:style>
-              <a:lnRef idx="1">
-                <a:schemeClr val="accent1"/>
-              </a:lnRef>
-              <a:fillRef idx="0">
-                <a:schemeClr val="accent1"/>
-              </a:fillRef>
-              <a:effectRef idx="0">
-                <a:schemeClr val="accent1"/>
-              </a:effectRef>
-              <a:fontRef idx="minor">
-                <a:schemeClr val="tx1"/>
-              </a:fontRef>
-            </p:style>
-          </p:cxnSp>
-          <mc:AlternateContent xmlns:mc="http://schemas.openxmlformats.org/markup-compatibility/2006" xmlns:a14="http://schemas.microsoft.com/office/drawing/2010/main">
-            <mc:Choice Requires="a14">
-              <p:sp>
-                <p:nvSpPr>
-                  <p:cNvPr id="8" name="TextBox 7">
-                    <a:extLst>
-                      <a:ext uri="{FF2B5EF4-FFF2-40B4-BE49-F238E27FC236}">
-                        <a16:creationId xmlns:a16="http://schemas.microsoft.com/office/drawing/2014/main" id="{A725C0E5-2E16-0E41-B685-0DAB80291FC7}"/>
-                      </a:ext>
-                    </a:extLst>
-                  </p:cNvPr>
-                  <p:cNvSpPr txBox="1"/>
-                  <p:nvPr/>
-                </p:nvSpPr>
-                <p:spPr>
-                  <a:xfrm>
-                    <a:off x="1715803" y="1232723"/>
-                    <a:ext cx="1432443" cy="646331"/>
-                  </a:xfrm>
-                  <a:prstGeom prst="rect">
-                    <a:avLst/>
-                  </a:prstGeom>
-                  <a:noFill/>
-                </p:spPr>
-                <p:txBody>
-                  <a:bodyPr wrap="none" rtlCol="0">
-                    <a:spAutoFit/>
-                  </a:bodyPr>
-                  <a:lstStyle/>
-                  <a:p>
-                    <a:r>
-                      <a:rPr lang="en-US" dirty="0"/>
-                      <a:t>Cost function</a:t>
-                    </a:r>
-                  </a:p>
-                  <a:p>
-                    <a:pPr/>
-                    <a14:m>
-                      <m:oMathPara xmlns:m="http://schemas.openxmlformats.org/officeDocument/2006/math">
-                        <m:oMathParaPr>
-                          <m:jc m:val="centerGroup"/>
-                        </m:oMathParaPr>
-                        <m:oMath xmlns:m="http://schemas.openxmlformats.org/officeDocument/2006/math">
-                          <m:r>
-                            <a:rPr lang="en-US" b="0" i="1" smtClean="0">
-                              <a:latin typeface="Cambria Math" panose="02040503050406030204" pitchFamily="18" charset="0"/>
-                            </a:rPr>
-                            <m:t>𝐽</m:t>
-                          </m:r>
-                          <m:d>
-                            <m:dPr>
-                              <m:ctrlPr>
-                                <a:rPr lang="en-US" b="0" i="1" smtClean="0">
-                                  <a:latin typeface="Cambria Math" panose="02040503050406030204" pitchFamily="18" charset="0"/>
-                                </a:rPr>
-                              </m:ctrlPr>
-                            </m:dPr>
-                            <m:e>
-                              <m:r>
-                                <a:rPr lang="en-US" b="0" i="1" smtClean="0">
-                                  <a:latin typeface="Cambria Math" panose="02040503050406030204" pitchFamily="18" charset="0"/>
-                                  <a:ea typeface="Cambria Math" panose="02040503050406030204" pitchFamily="18" charset="0"/>
-                                </a:rPr>
-                                <m:t>𝜃</m:t>
-                              </m:r>
-                            </m:e>
-                          </m:d>
-                        </m:oMath>
-                      </m:oMathPara>
-                    </a14:m>
-                    <a:endParaRPr lang="en-US" dirty="0"/>
-                  </a:p>
-                </p:txBody>
-              </p:sp>
-            </mc:Choice>
-            <mc:Fallback xmlns="">
-              <p:sp>
-                <p:nvSpPr>
-                  <p:cNvPr id="8" name="TextBox 7">
-                    <a:extLst>
-                      <a:ext uri="{FF2B5EF4-FFF2-40B4-BE49-F238E27FC236}">
-                        <a16:creationId xmlns:a16="http://schemas.microsoft.com/office/drawing/2014/main" id="{A725C0E5-2E16-0E41-B685-0DAB80291FC7}"/>
-                      </a:ext>
-                    </a:extLst>
-                  </p:cNvPr>
-                  <p:cNvSpPr txBox="1">
-                    <a:spLocks noRot="1" noChangeAspect="1" noMove="1" noResize="1" noEditPoints="1" noAdjustHandles="1" noChangeArrowheads="1" noChangeShapeType="1" noTextEdit="1"/>
-                  </p:cNvSpPr>
-                  <p:nvPr/>
-                </p:nvSpPr>
-                <p:spPr>
-                  <a:xfrm>
-                    <a:off x="1715803" y="1232723"/>
-                    <a:ext cx="1432443" cy="646331"/>
-                  </a:xfrm>
-                  <a:prstGeom prst="rect">
-                    <a:avLst/>
-                  </a:prstGeom>
-                  <a:blipFill>
-                    <a:blip r:embed="rId3"/>
-                    <a:stretch>
-                      <a:fillRect l="-2655" t="-1961" r="-3540" b="-5882"/>
-                    </a:stretch>
-                  </a:blipFill>
-                </p:spPr>
-                <p:txBody>
-                  <a:bodyPr/>
-                  <a:lstStyle/>
-                  <a:p>
-                    <a:r>
-                      <a:rPr lang="en-US">
-                        <a:noFill/>
-                      </a:rPr>
-                      <a:t> </a:t>
-                    </a:r>
-                  </a:p>
-                </p:txBody>
-              </p:sp>
-            </mc:Fallback>
-          </mc:AlternateContent>
-          <mc:AlternateContent xmlns:mc="http://schemas.openxmlformats.org/markup-compatibility/2006" xmlns:a14="http://schemas.microsoft.com/office/drawing/2010/main">
-            <mc:Choice Requires="a14">
-              <p:sp>
-                <p:nvSpPr>
-                  <p:cNvPr id="9" name="TextBox 8">
-                    <a:extLst>
-                      <a:ext uri="{FF2B5EF4-FFF2-40B4-BE49-F238E27FC236}">
-                        <a16:creationId xmlns:a16="http://schemas.microsoft.com/office/drawing/2014/main" id="{7D944E1E-580F-FE48-AD10-0E1C8C74D15B}"/>
-                      </a:ext>
-                    </a:extLst>
-                  </p:cNvPr>
-                  <p:cNvSpPr txBox="1"/>
-                  <p:nvPr/>
-                </p:nvSpPr>
-                <p:spPr>
-                  <a:xfrm>
-                    <a:off x="6679839" y="4572781"/>
-                    <a:ext cx="251094" cy="369332"/>
-                  </a:xfrm>
-                  <a:prstGeom prst="rect">
-                    <a:avLst/>
-                  </a:prstGeom>
-                  <a:noFill/>
-                </p:spPr>
-                <p:txBody>
-                  <a:bodyPr wrap="none" lIns="0" tIns="0" rIns="0" bIns="0" rtlCol="0">
-                    <a:spAutoFit/>
-                  </a:bodyPr>
-                  <a:lstStyle/>
-                  <a:p>
-                    <a:pPr/>
-                    <a14:m>
-                      <m:oMathPara xmlns:m="http://schemas.openxmlformats.org/officeDocument/2006/math">
-                        <m:oMathParaPr>
-                          <m:jc m:val="centerGroup"/>
-                        </m:oMathParaPr>
-                        <m:oMath xmlns:m="http://schemas.openxmlformats.org/officeDocument/2006/math">
-                          <m:r>
-                            <a:rPr lang="en-US" sz="2400" i="1" smtClean="0">
-                              <a:latin typeface="Cambria Math" panose="02040503050406030204" pitchFamily="18" charset="0"/>
-                              <a:ea typeface="Cambria Math" panose="02040503050406030204" pitchFamily="18" charset="0"/>
-                            </a:rPr>
-                            <m:t>𝜃</m:t>
-                          </m:r>
-                        </m:oMath>
-                      </m:oMathPara>
-                    </a14:m>
-                    <a:endParaRPr lang="en-US" sz="2400" dirty="0"/>
-                  </a:p>
-                </p:txBody>
-              </p:sp>
-            </mc:Choice>
-            <mc:Fallback xmlns="">
-              <p:sp>
-                <p:nvSpPr>
-                  <p:cNvPr id="9" name="TextBox 8">
-                    <a:extLst>
-                      <a:ext uri="{FF2B5EF4-FFF2-40B4-BE49-F238E27FC236}">
-                        <a16:creationId xmlns:a16="http://schemas.microsoft.com/office/drawing/2014/main" id="{7D944E1E-580F-FE48-AD10-0E1C8C74D15B}"/>
-                      </a:ext>
-                    </a:extLst>
-                  </p:cNvPr>
-                  <p:cNvSpPr txBox="1">
-                    <a:spLocks noRot="1" noChangeAspect="1" noMove="1" noResize="1" noEditPoints="1" noAdjustHandles="1" noChangeArrowheads="1" noChangeShapeType="1" noTextEdit="1"/>
-                  </p:cNvSpPr>
-                  <p:nvPr/>
-                </p:nvSpPr>
-                <p:spPr>
-                  <a:xfrm>
-                    <a:off x="6679839" y="4572781"/>
-                    <a:ext cx="251094" cy="369332"/>
-                  </a:xfrm>
-                  <a:prstGeom prst="rect">
-                    <a:avLst/>
-                  </a:prstGeom>
-                  <a:blipFill>
-                    <a:blip r:embed="rId4"/>
-                    <a:stretch>
-                      <a:fillRect l="-31579" r="-26316" b="-6897"/>
-                    </a:stretch>
-                  </a:blipFill>
-                </p:spPr>
-                <p:txBody>
-                  <a:bodyPr/>
-                  <a:lstStyle/>
-                  <a:p>
-                    <a:r>
-                      <a:rPr lang="en-US">
-                        <a:noFill/>
-                      </a:rPr>
-                      <a:t> </a:t>
-                    </a:r>
-                  </a:p>
-                </p:txBody>
-              </p:sp>
-            </mc:Fallback>
-          </mc:AlternateContent>
-          <p:sp>
-            <p:nvSpPr>
-              <p:cNvPr id="10" name="Oval 9">
-                <a:extLst>
-                  <a:ext uri="{FF2B5EF4-FFF2-40B4-BE49-F238E27FC236}">
-                    <a16:creationId xmlns:a16="http://schemas.microsoft.com/office/drawing/2014/main" id="{75948750-DD00-7742-8FF7-06650159FEB6}"/>
-                  </a:ext>
-                </a:extLst>
-              </p:cNvPr>
-              <p:cNvSpPr/>
-              <p:nvPr/>
-            </p:nvSpPr>
-            <p:spPr>
-              <a:xfrm>
-                <a:off x="3783589" y="2536931"/>
-                <a:ext cx="207358" cy="228040"/>
-              </a:xfrm>
-              <a:prstGeom prst="ellipse">
-                <a:avLst/>
-              </a:prstGeom>
-              <a:ln>
-                <a:solidFill>
-                  <a:schemeClr val="tx1"/>
-                </a:solidFill>
-              </a:ln>
-            </p:spPr>
-            <p:style>
-              <a:lnRef idx="2">
-                <a:schemeClr val="accent1">
-                  <a:shade val="50000"/>
-                </a:schemeClr>
-              </a:lnRef>
-              <a:fillRef idx="1">
-                <a:schemeClr val="accent1"/>
-              </a:fillRef>
-              <a:effectRef idx="0">
-                <a:schemeClr val="accent1"/>
-              </a:effectRef>
-              <a:fontRef idx="minor">
-                <a:schemeClr val="lt1"/>
-              </a:fontRef>
-            </p:style>
             <p:txBody>
               <a:bodyPr rtlCol="0" anchor="ctr"/>
               <a:lstStyle/>
@@ -4207,382 +3859,1096 @@
               </a:p>
             </p:txBody>
           </p:sp>
-          <p:cxnSp>
-            <p:nvCxnSpPr>
-              <p:cNvPr id="12" name="Straight Connector 11">
+          <p:grpSp>
+            <p:nvGrpSpPr>
+              <p:cNvPr id="42" name="Group 41">
                 <a:extLst>
                   <a:ext uri="{FF2B5EF4-FFF2-40B4-BE49-F238E27FC236}">
-                    <a16:creationId xmlns:a16="http://schemas.microsoft.com/office/drawing/2014/main" id="{D664E17C-ABA1-D14C-8378-6C36A22521F6}"/>
+                    <a16:creationId xmlns:a16="http://schemas.microsoft.com/office/drawing/2014/main" id="{7ABB9B7E-98B7-6C4B-A52C-435063BF5F57}"/>
                   </a:ext>
                 </a:extLst>
               </p:cNvPr>
-              <p:cNvCxnSpPr>
-                <a:cxnSpLocks/>
-              </p:cNvCxnSpPr>
+              <p:cNvGrpSpPr/>
               <p:nvPr/>
-            </p:nvCxnSpPr>
-            <p:spPr>
+            </p:nvGrpSpPr>
+            <p:grpSpPr>
               <a:xfrm>
-                <a:off x="3482691" y="1925784"/>
-                <a:ext cx="675950" cy="2027299"/>
+                <a:off x="2116221" y="1012371"/>
+                <a:ext cx="5796178" cy="3868187"/>
+                <a:chOff x="2116221" y="1012371"/>
+                <a:chExt cx="5796178" cy="3868187"/>
               </a:xfrm>
-              <a:prstGeom prst="line">
-                <a:avLst/>
-              </a:prstGeom>
-              <a:ln w="28575">
-                <a:prstDash val="dash"/>
-              </a:ln>
-            </p:spPr>
-            <p:style>
-              <a:lnRef idx="1">
-                <a:schemeClr val="accent1"/>
-              </a:lnRef>
-              <a:fillRef idx="0">
-                <a:schemeClr val="accent1"/>
-              </a:fillRef>
-              <a:effectRef idx="0">
-                <a:schemeClr val="accent1"/>
-              </a:effectRef>
-              <a:fontRef idx="minor">
-                <a:schemeClr val="tx1"/>
-              </a:fontRef>
-            </p:style>
-          </p:cxnSp>
-          <p:sp>
-            <p:nvSpPr>
-              <p:cNvPr id="13" name="TextBox 12">
-                <a:extLst>
-                  <a:ext uri="{FF2B5EF4-FFF2-40B4-BE49-F238E27FC236}">
-                    <a16:creationId xmlns:a16="http://schemas.microsoft.com/office/drawing/2014/main" id="{4EC215B7-5BFB-924A-A257-21FAC5827F61}"/>
-                  </a:ext>
-                </a:extLst>
-              </p:cNvPr>
-              <p:cNvSpPr txBox="1"/>
-              <p:nvPr/>
-            </p:nvSpPr>
-            <p:spPr>
-              <a:xfrm>
-                <a:off x="3251405" y="3908364"/>
-                <a:ext cx="1814471" cy="369332"/>
-              </a:xfrm>
-              <a:prstGeom prst="rect">
-                <a:avLst/>
-              </a:prstGeom>
-              <a:noFill/>
-            </p:spPr>
-            <p:txBody>
-              <a:bodyPr wrap="none" rtlCol="0">
-                <a:spAutoFit/>
-              </a:bodyPr>
-              <a:lstStyle/>
-              <a:p>
-                <a:r>
-                  <a:rPr lang="en-US" dirty="0"/>
-                  <a:t>Gradient (=slope)</a:t>
-                </a:r>
-              </a:p>
-            </p:txBody>
-          </p:sp>
-          <p:cxnSp>
-            <p:nvCxnSpPr>
-              <p:cNvPr id="15" name="Straight Arrow Connector 14">
-                <a:extLst>
-                  <a:ext uri="{FF2B5EF4-FFF2-40B4-BE49-F238E27FC236}">
-                    <a16:creationId xmlns:a16="http://schemas.microsoft.com/office/drawing/2014/main" id="{558E0A93-C9B8-B143-B880-1EDE82CE9CFE}"/>
-                  </a:ext>
-                </a:extLst>
-              </p:cNvPr>
-              <p:cNvCxnSpPr/>
-              <p:nvPr/>
-            </p:nvCxnSpPr>
-            <p:spPr>
-              <a:xfrm flipH="1">
-                <a:off x="4002745" y="1914732"/>
-                <a:ext cx="275574" cy="595172"/>
-              </a:xfrm>
-              <a:prstGeom prst="straightConnector1">
-                <a:avLst/>
-              </a:prstGeom>
-              <a:ln>
-                <a:tailEnd type="triangle"/>
-              </a:ln>
-            </p:spPr>
-            <p:style>
-              <a:lnRef idx="1">
-                <a:schemeClr val="accent1"/>
-              </a:lnRef>
-              <a:fillRef idx="0">
-                <a:schemeClr val="accent1"/>
-              </a:fillRef>
-              <a:effectRef idx="0">
-                <a:schemeClr val="accent1"/>
-              </a:effectRef>
-              <a:fontRef idx="minor">
-                <a:schemeClr val="tx1"/>
-              </a:fontRef>
-            </p:style>
-          </p:cxnSp>
-          <mc:AlternateContent xmlns:mc="http://schemas.openxmlformats.org/markup-compatibility/2006" xmlns:a14="http://schemas.microsoft.com/office/drawing/2010/main">
-            <mc:Choice Requires="a14">
-              <p:sp>
-                <p:nvSpPr>
-                  <p:cNvPr id="16" name="TextBox 15">
-                    <a:extLst>
-                      <a:ext uri="{FF2B5EF4-FFF2-40B4-BE49-F238E27FC236}">
-                        <a16:creationId xmlns:a16="http://schemas.microsoft.com/office/drawing/2014/main" id="{C96BF877-F118-D64E-88A4-1DC734F3FB74}"/>
-                      </a:ext>
-                    </a:extLst>
-                  </p:cNvPr>
-                  <p:cNvSpPr txBox="1"/>
-                  <p:nvPr/>
-                </p:nvSpPr>
-                <p:spPr>
-                  <a:xfrm>
-                    <a:off x="4002745" y="1556452"/>
-                    <a:ext cx="952825" cy="369332"/>
-                  </a:xfrm>
-                  <a:prstGeom prst="rect">
-                    <a:avLst/>
-                  </a:prstGeom>
-                  <a:noFill/>
-                </p:spPr>
-                <p:txBody>
-                  <a:bodyPr wrap="none" rtlCol="0">
-                    <a:spAutoFit/>
-                  </a:bodyPr>
-                  <a:lstStyle/>
-                  <a:p>
-                    <a:r>
-                      <a:rPr lang="en-US" dirty="0"/>
-                      <a:t>Initial </a:t>
-                    </a:r>
-                    <a14:m>
-                      <m:oMath xmlns:m="http://schemas.openxmlformats.org/officeDocument/2006/math">
-                        <m:r>
-                          <a:rPr lang="en-US" i="1">
-                            <a:latin typeface="Cambria Math" panose="02040503050406030204" pitchFamily="18" charset="0"/>
-                            <a:ea typeface="Cambria Math" panose="02040503050406030204" pitchFamily="18" charset="0"/>
-                          </a:rPr>
-                          <m:t>𝜃</m:t>
-                        </m:r>
-                      </m:oMath>
-                    </a14:m>
-                    <a:r>
-                      <a:rPr lang="en-US" dirty="0"/>
-                      <a:t> </a:t>
-                    </a:r>
-                  </a:p>
-                </p:txBody>
-              </p:sp>
-            </mc:Choice>
-            <mc:Fallback xmlns="">
-              <p:sp>
-                <p:nvSpPr>
-                  <p:cNvPr id="16" name="TextBox 15">
-                    <a:extLst>
-                      <a:ext uri="{FF2B5EF4-FFF2-40B4-BE49-F238E27FC236}">
-                        <a16:creationId xmlns:a16="http://schemas.microsoft.com/office/drawing/2014/main" id="{C96BF877-F118-D64E-88A4-1DC734F3FB74}"/>
-                      </a:ext>
-                    </a:extLst>
-                  </p:cNvPr>
-                  <p:cNvSpPr txBox="1">
-                    <a:spLocks noRot="1" noChangeAspect="1" noMove="1" noResize="1" noEditPoints="1" noAdjustHandles="1" noChangeArrowheads="1" noChangeShapeType="1" noTextEdit="1"/>
-                  </p:cNvSpPr>
-                  <p:nvPr/>
-                </p:nvSpPr>
-                <p:spPr>
-                  <a:xfrm>
-                    <a:off x="4002745" y="1556452"/>
-                    <a:ext cx="952825" cy="369332"/>
-                  </a:xfrm>
-                  <a:prstGeom prst="rect">
-                    <a:avLst/>
-                  </a:prstGeom>
-                  <a:blipFill>
-                    <a:blip r:embed="rId5"/>
-                    <a:stretch>
-                      <a:fillRect l="-5333" t="-6897" b="-27586"/>
-                    </a:stretch>
-                  </a:blipFill>
-                </p:spPr>
-                <p:txBody>
-                  <a:bodyPr/>
-                  <a:lstStyle/>
-                  <a:p>
-                    <a:r>
-                      <a:rPr lang="en-US">
-                        <a:noFill/>
-                      </a:rPr>
-                      <a:t> </a:t>
-                    </a:r>
-                  </a:p>
-                </p:txBody>
-              </p:sp>
-            </mc:Fallback>
-          </mc:AlternateContent>
-          <p:sp>
-            <p:nvSpPr>
-              <p:cNvPr id="17" name="Oval 16">
-                <a:extLst>
-                  <a:ext uri="{FF2B5EF4-FFF2-40B4-BE49-F238E27FC236}">
-                    <a16:creationId xmlns:a16="http://schemas.microsoft.com/office/drawing/2014/main" id="{9ED08A3D-9520-F343-A68D-C73FC7DF4473}"/>
-                  </a:ext>
-                </a:extLst>
-              </p:cNvPr>
-              <p:cNvSpPr/>
-              <p:nvPr/>
-            </p:nvSpPr>
-            <p:spPr>
-              <a:xfrm>
-                <a:off x="5148201" y="3725043"/>
-                <a:ext cx="207358" cy="228040"/>
-              </a:xfrm>
-              <a:prstGeom prst="ellipse">
-                <a:avLst/>
-              </a:prstGeom>
-              <a:ln>
-                <a:solidFill>
+            </p:grpSpPr>
+            <p:cxnSp>
+              <p:nvCxnSpPr>
+                <p:cNvPr id="3" name="Straight Connector 2">
+                  <a:extLst>
+                    <a:ext uri="{FF2B5EF4-FFF2-40B4-BE49-F238E27FC236}">
+                      <a16:creationId xmlns:a16="http://schemas.microsoft.com/office/drawing/2014/main" id="{1E0ACA42-8DB3-C54E-AD2C-2881041FFBAA}"/>
+                    </a:ext>
+                  </a:extLst>
+                </p:cNvPr>
+                <p:cNvCxnSpPr/>
+                <p:nvPr/>
+              </p:nvCxnSpPr>
+              <p:spPr>
+                <a:xfrm>
+                  <a:off x="3135086" y="1012371"/>
+                  <a:ext cx="0" cy="3505200"/>
+                </a:xfrm>
+                <a:prstGeom prst="line">
+                  <a:avLst/>
+                </a:prstGeom>
+                <a:ln w="19050">
+                  <a:headEnd type="triangle" w="lg" len="lg"/>
+                </a:ln>
+              </p:spPr>
+              <p:style>
+                <a:lnRef idx="1">
+                  <a:schemeClr val="accent1"/>
+                </a:lnRef>
+                <a:fillRef idx="0">
+                  <a:schemeClr val="accent1"/>
+                </a:fillRef>
+                <a:effectRef idx="0">
+                  <a:schemeClr val="accent1"/>
+                </a:effectRef>
+                <a:fontRef idx="minor">
                   <a:schemeClr val="tx1"/>
-                </a:solidFill>
-              </a:ln>
-            </p:spPr>
-            <p:style>
-              <a:lnRef idx="2">
-                <a:schemeClr val="accent1">
-                  <a:shade val="50000"/>
-                </a:schemeClr>
-              </a:lnRef>
-              <a:fillRef idx="1">
-                <a:schemeClr val="accent1"/>
-              </a:fillRef>
-              <a:effectRef idx="0">
-                <a:schemeClr val="accent1"/>
-              </a:effectRef>
-              <a:fontRef idx="minor">
-                <a:schemeClr val="lt1"/>
-              </a:fontRef>
-            </p:style>
-            <p:txBody>
-              <a:bodyPr rtlCol="0" anchor="ctr"/>
-              <a:lstStyle/>
-              <a:p>
-                <a:pPr algn="ctr"/>
-                <a:endParaRPr lang="en-US"/>
-              </a:p>
-            </p:txBody>
-          </p:sp>
-          <p:sp>
-            <p:nvSpPr>
-              <p:cNvPr id="18" name="TextBox 17">
-                <a:extLst>
-                  <a:ext uri="{FF2B5EF4-FFF2-40B4-BE49-F238E27FC236}">
-                    <a16:creationId xmlns:a16="http://schemas.microsoft.com/office/drawing/2014/main" id="{05081337-7907-5649-B792-21B20D3D4FB7}"/>
-                  </a:ext>
-                </a:extLst>
-              </p:cNvPr>
-              <p:cNvSpPr txBox="1"/>
-              <p:nvPr/>
-            </p:nvSpPr>
-            <p:spPr>
-              <a:xfrm>
-                <a:off x="5731674" y="4013198"/>
-                <a:ext cx="2180725" cy="369332"/>
-              </a:xfrm>
-              <a:prstGeom prst="rect">
-                <a:avLst/>
-              </a:prstGeom>
-              <a:noFill/>
-            </p:spPr>
-            <p:txBody>
-              <a:bodyPr wrap="none" rtlCol="0">
-                <a:spAutoFit/>
-              </a:bodyPr>
-              <a:lstStyle/>
-              <a:p>
-                <a:r>
-                  <a:rPr lang="en-US" dirty="0"/>
-                  <a:t>Global cost minimum</a:t>
-                </a:r>
-              </a:p>
-            </p:txBody>
-          </p:sp>
-          <p:cxnSp>
-            <p:nvCxnSpPr>
-              <p:cNvPr id="19" name="Straight Arrow Connector 18">
-                <a:extLst>
-                  <a:ext uri="{FF2B5EF4-FFF2-40B4-BE49-F238E27FC236}">
-                    <a16:creationId xmlns:a16="http://schemas.microsoft.com/office/drawing/2014/main" id="{C7D1D890-0208-B44C-94DA-9C50525CB6B3}"/>
-                  </a:ext>
-                </a:extLst>
-              </p:cNvPr>
-              <p:cNvCxnSpPr>
-                <a:cxnSpLocks/>
-              </p:cNvCxnSpPr>
-              <p:nvPr/>
-            </p:nvCxnSpPr>
-            <p:spPr>
-              <a:xfrm flipH="1" flipV="1">
-                <a:off x="5355559" y="3984411"/>
-                <a:ext cx="445770" cy="173072"/>
-              </a:xfrm>
-              <a:prstGeom prst="straightConnector1">
-                <a:avLst/>
-              </a:prstGeom>
-              <a:ln>
-                <a:tailEnd type="triangle"/>
-              </a:ln>
-            </p:spPr>
-            <p:style>
-              <a:lnRef idx="1">
-                <a:schemeClr val="accent1"/>
-              </a:lnRef>
-              <a:fillRef idx="0">
-                <a:schemeClr val="accent1"/>
-              </a:fillRef>
-              <a:effectRef idx="0">
-                <a:schemeClr val="accent1"/>
-              </a:effectRef>
-              <a:fontRef idx="minor">
-                <a:schemeClr val="tx1"/>
-              </a:fontRef>
-            </p:style>
-          </p:cxnSp>
-          <mc:AlternateContent xmlns:mc="http://schemas.openxmlformats.org/markup-compatibility/2006" xmlns:a14="http://schemas.microsoft.com/office/drawing/2010/main">
-            <mc:Choice Requires="a14">
-              <p:sp>
-                <p:nvSpPr>
-                  <p:cNvPr id="23" name="TextBox 22">
-                    <a:extLst>
-                      <a:ext uri="{FF2B5EF4-FFF2-40B4-BE49-F238E27FC236}">
-                        <a16:creationId xmlns:a16="http://schemas.microsoft.com/office/drawing/2014/main" id="{273C0CBE-1FC8-D543-905B-9140C9F30A7A}"/>
-                      </a:ext>
-                    </a:extLst>
-                  </p:cNvPr>
-                  <p:cNvSpPr txBox="1"/>
-                  <p:nvPr/>
-                </p:nvSpPr>
-                <p:spPr>
-                  <a:xfrm>
-                    <a:off x="3205952" y="3357361"/>
-                    <a:ext cx="601960" cy="537519"/>
-                  </a:xfrm>
-                  <a:prstGeom prst="rect">
-                    <a:avLst/>
-                  </a:prstGeom>
-                  <a:noFill/>
-                </p:spPr>
-                <p:txBody>
-                  <a:bodyPr wrap="none" lIns="0" tIns="0" rIns="0" bIns="0" rtlCol="0">
-                    <a:spAutoFit/>
-                  </a:bodyPr>
-                  <a:lstStyle/>
-                  <a:p>
-                    <a:pPr/>
-                    <a14:m>
-                      <m:oMathPara xmlns:m="http://schemas.openxmlformats.org/officeDocument/2006/math">
-                        <m:oMathParaPr>
-                          <m:jc m:val="centerGroup"/>
-                        </m:oMathParaPr>
+                </a:fontRef>
+              </p:style>
+            </p:cxnSp>
+            <p:cxnSp>
+              <p:nvCxnSpPr>
+                <p:cNvPr id="4" name="Straight Connector 3">
+                  <a:extLst>
+                    <a:ext uri="{FF2B5EF4-FFF2-40B4-BE49-F238E27FC236}">
+                      <a16:creationId xmlns:a16="http://schemas.microsoft.com/office/drawing/2014/main" id="{D65B2361-A0EA-7A4D-A678-0AB444394626}"/>
+                    </a:ext>
+                  </a:extLst>
+                </p:cNvPr>
+                <p:cNvCxnSpPr>
+                  <a:cxnSpLocks/>
+                </p:cNvCxnSpPr>
+                <p:nvPr/>
+              </p:nvCxnSpPr>
+              <p:spPr>
+                <a:xfrm flipH="1">
+                  <a:off x="3135086" y="4517571"/>
+                  <a:ext cx="4052766" cy="0"/>
+                </a:xfrm>
+                <a:prstGeom prst="line">
+                  <a:avLst/>
+                </a:prstGeom>
+                <a:ln w="19050">
+                  <a:headEnd type="triangle" w="lg" len="lg"/>
+                </a:ln>
+              </p:spPr>
+              <p:style>
+                <a:lnRef idx="1">
+                  <a:schemeClr val="accent1"/>
+                </a:lnRef>
+                <a:fillRef idx="0">
+                  <a:schemeClr val="accent1"/>
+                </a:fillRef>
+                <a:effectRef idx="0">
+                  <a:schemeClr val="accent1"/>
+                </a:effectRef>
+                <a:fontRef idx="minor">
+                  <a:schemeClr val="tx1"/>
+                </a:fontRef>
+              </p:style>
+            </p:cxnSp>
+            <p:sp>
+              <p:nvSpPr>
+                <p:cNvPr id="8" name="TextBox 7">
+                  <a:extLst>
+                    <a:ext uri="{FF2B5EF4-FFF2-40B4-BE49-F238E27FC236}">
+                      <a16:creationId xmlns:a16="http://schemas.microsoft.com/office/drawing/2014/main" id="{A725C0E5-2E16-0E41-B685-0DAB80291FC7}"/>
+                    </a:ext>
+                  </a:extLst>
+                </p:cNvPr>
+                <p:cNvSpPr txBox="1"/>
+                <p:nvPr/>
+              </p:nvSpPr>
+              <p:spPr>
+                <a:xfrm>
+                  <a:off x="2116221" y="1187120"/>
+                  <a:ext cx="1038105" cy="369332"/>
+                </a:xfrm>
+                <a:prstGeom prst="rect">
+                  <a:avLst/>
+                </a:prstGeom>
+                <a:noFill/>
+              </p:spPr>
+              <p:txBody>
+                <a:bodyPr wrap="none" rtlCol="0">
+                  <a:spAutoFit/>
+                </a:bodyPr>
+                <a:lstStyle/>
+                <a:p>
+                  <a:r>
+                    <a:rPr lang="en-US" dirty="0"/>
+                    <a:t>Cost/loss</a:t>
+                  </a:r>
+                </a:p>
+              </p:txBody>
+            </p:sp>
+            <mc:AlternateContent xmlns:mc="http://schemas.openxmlformats.org/markup-compatibility/2006">
+              <mc:Choice xmlns:a14="http://schemas.microsoft.com/office/drawing/2010/main" Requires="a14">
+                <p:sp>
+                  <p:nvSpPr>
+                    <p:cNvPr id="9" name="TextBox 8">
+                      <a:extLst>
+                        <a:ext uri="{FF2B5EF4-FFF2-40B4-BE49-F238E27FC236}">
+                          <a16:creationId xmlns:a16="http://schemas.microsoft.com/office/drawing/2014/main" id="{7D944E1E-580F-FE48-AD10-0E1C8C74D15B}"/>
+                        </a:ext>
+                      </a:extLst>
+                    </p:cNvPr>
+                    <p:cNvSpPr txBox="1"/>
+                    <p:nvPr/>
+                  </p:nvSpPr>
+                  <p:spPr>
+                    <a:xfrm>
+                      <a:off x="6679839" y="4572781"/>
+                      <a:ext cx="209480" cy="307777"/>
+                    </a:xfrm>
+                    <a:prstGeom prst="rect">
+                      <a:avLst/>
+                    </a:prstGeom>
+                    <a:noFill/>
+                  </p:spPr>
+                  <p:txBody>
+                    <a:bodyPr wrap="none" lIns="0" tIns="0" rIns="0" bIns="0" rtlCol="0">
+                      <a:spAutoFit/>
+                    </a:bodyPr>
+                    <a:lstStyle/>
+                    <a:p>
+                      <a:pPr/>
+                      <a14:m>
+                        <m:oMathPara xmlns:m="http://schemas.openxmlformats.org/officeDocument/2006/math">
+                          <m:oMathParaPr>
+                            <m:jc m:val="centerGroup"/>
+                          </m:oMathParaPr>
+                          <m:oMath xmlns:m="http://schemas.openxmlformats.org/officeDocument/2006/math">
+                            <m:r>
+                              <a:rPr lang="en-US" sz="2000" i="1" smtClean="0">
+                                <a:latin typeface="Cambria Math" panose="02040503050406030204" pitchFamily="18" charset="0"/>
+                                <a:ea typeface="Cambria Math" panose="02040503050406030204" pitchFamily="18" charset="0"/>
+                              </a:rPr>
+                              <m:t>𝜃</m:t>
+                            </m:r>
+                          </m:oMath>
+                        </m:oMathPara>
+                      </a14:m>
+                      <a:endParaRPr lang="en-US" sz="2000" dirty="0"/>
+                    </a:p>
+                  </p:txBody>
+                </p:sp>
+              </mc:Choice>
+              <mc:Fallback>
+                <p:sp>
+                  <p:nvSpPr>
+                    <p:cNvPr id="9" name="TextBox 8">
+                      <a:extLst>
+                        <a:ext uri="{FF2B5EF4-FFF2-40B4-BE49-F238E27FC236}">
+                          <a16:creationId xmlns:a16="http://schemas.microsoft.com/office/drawing/2014/main" id="{7D944E1E-580F-FE48-AD10-0E1C8C74D15B}"/>
+                        </a:ext>
+                      </a:extLst>
+                    </p:cNvPr>
+                    <p:cNvSpPr txBox="1">
+                      <a:spLocks noRot="1" noChangeAspect="1" noMove="1" noResize="1" noEditPoints="1" noAdjustHandles="1" noChangeArrowheads="1" noChangeShapeType="1" noTextEdit="1"/>
+                    </p:cNvSpPr>
+                    <p:nvPr/>
+                  </p:nvSpPr>
+                  <p:spPr>
+                    <a:xfrm>
+                      <a:off x="6679839" y="4572781"/>
+                      <a:ext cx="209480" cy="307777"/>
+                    </a:xfrm>
+                    <a:prstGeom prst="rect">
+                      <a:avLst/>
+                    </a:prstGeom>
+                    <a:blipFill>
+                      <a:blip r:embed="rId3"/>
+                      <a:stretch>
+                        <a:fillRect l="-37500" r="-25000" b="-8333"/>
+                      </a:stretch>
+                    </a:blipFill>
+                  </p:spPr>
+                  <p:txBody>
+                    <a:bodyPr/>
+                    <a:lstStyle/>
+                    <a:p>
+                      <a:r>
+                        <a:rPr lang="en-US">
+                          <a:noFill/>
+                        </a:rPr>
+                        <a:t> </a:t>
+                      </a:r>
+                    </a:p>
+                  </p:txBody>
+                </p:sp>
+              </mc:Fallback>
+            </mc:AlternateContent>
+            <p:sp>
+              <p:nvSpPr>
+                <p:cNvPr id="10" name="Oval 9">
+                  <a:extLst>
+                    <a:ext uri="{FF2B5EF4-FFF2-40B4-BE49-F238E27FC236}">
+                      <a16:creationId xmlns:a16="http://schemas.microsoft.com/office/drawing/2014/main" id="{75948750-DD00-7742-8FF7-06650159FEB6}"/>
+                    </a:ext>
+                  </a:extLst>
+                </p:cNvPr>
+                <p:cNvSpPr/>
+                <p:nvPr/>
+              </p:nvSpPr>
+              <p:spPr>
+                <a:xfrm>
+                  <a:off x="3783589" y="2536931"/>
+                  <a:ext cx="207358" cy="228040"/>
+                </a:xfrm>
+                <a:prstGeom prst="ellipse">
+                  <a:avLst/>
+                </a:prstGeom>
+                <a:ln>
+                  <a:solidFill>
+                    <a:schemeClr val="tx1"/>
+                  </a:solidFill>
+                </a:ln>
+              </p:spPr>
+              <p:style>
+                <a:lnRef idx="2">
+                  <a:schemeClr val="accent1">
+                    <a:shade val="50000"/>
+                  </a:schemeClr>
+                </a:lnRef>
+                <a:fillRef idx="1">
+                  <a:schemeClr val="accent1"/>
+                </a:fillRef>
+                <a:effectRef idx="0">
+                  <a:schemeClr val="accent1"/>
+                </a:effectRef>
+                <a:fontRef idx="minor">
+                  <a:schemeClr val="lt1"/>
+                </a:fontRef>
+              </p:style>
+              <p:txBody>
+                <a:bodyPr rtlCol="0" anchor="ctr"/>
+                <a:lstStyle/>
+                <a:p>
+                  <a:pPr algn="ctr"/>
+                  <a:endParaRPr lang="en-US"/>
+                </a:p>
+              </p:txBody>
+            </p:sp>
+            <p:cxnSp>
+              <p:nvCxnSpPr>
+                <p:cNvPr id="12" name="Straight Connector 11">
+                  <a:extLst>
+                    <a:ext uri="{FF2B5EF4-FFF2-40B4-BE49-F238E27FC236}">
+                      <a16:creationId xmlns:a16="http://schemas.microsoft.com/office/drawing/2014/main" id="{D664E17C-ABA1-D14C-8378-6C36A22521F6}"/>
+                    </a:ext>
+                  </a:extLst>
+                </p:cNvPr>
+                <p:cNvCxnSpPr>
+                  <a:cxnSpLocks/>
+                </p:cNvCxnSpPr>
+                <p:nvPr/>
+              </p:nvCxnSpPr>
+              <p:spPr>
+                <a:xfrm>
+                  <a:off x="3482691" y="1925784"/>
+                  <a:ext cx="675950" cy="2027299"/>
+                </a:xfrm>
+                <a:prstGeom prst="line">
+                  <a:avLst/>
+                </a:prstGeom>
+                <a:ln w="28575">
+                  <a:prstDash val="dash"/>
+                </a:ln>
+              </p:spPr>
+              <p:style>
+                <a:lnRef idx="1">
+                  <a:schemeClr val="accent1"/>
+                </a:lnRef>
+                <a:fillRef idx="0">
+                  <a:schemeClr val="accent1"/>
+                </a:fillRef>
+                <a:effectRef idx="0">
+                  <a:schemeClr val="accent1"/>
+                </a:effectRef>
+                <a:fontRef idx="minor">
+                  <a:schemeClr val="tx1"/>
+                </a:fontRef>
+              </p:style>
+            </p:cxnSp>
+            <p:sp>
+              <p:nvSpPr>
+                <p:cNvPr id="13" name="TextBox 12">
+                  <a:extLst>
+                    <a:ext uri="{FF2B5EF4-FFF2-40B4-BE49-F238E27FC236}">
+                      <a16:creationId xmlns:a16="http://schemas.microsoft.com/office/drawing/2014/main" id="{4EC215B7-5BFB-924A-A257-21FAC5827F61}"/>
+                    </a:ext>
+                  </a:extLst>
+                </p:cNvPr>
+                <p:cNvSpPr txBox="1"/>
+                <p:nvPr/>
+              </p:nvSpPr>
+              <p:spPr>
+                <a:xfrm>
+                  <a:off x="3251405" y="3908364"/>
+                  <a:ext cx="1814471" cy="369332"/>
+                </a:xfrm>
+                <a:prstGeom prst="rect">
+                  <a:avLst/>
+                </a:prstGeom>
+                <a:noFill/>
+              </p:spPr>
+              <p:txBody>
+                <a:bodyPr wrap="none" rtlCol="0">
+                  <a:spAutoFit/>
+                </a:bodyPr>
+                <a:lstStyle/>
+                <a:p>
+                  <a:r>
+                    <a:rPr lang="en-US" dirty="0"/>
+                    <a:t>Gradient (=slope)</a:t>
+                  </a:r>
+                </a:p>
+              </p:txBody>
+            </p:sp>
+            <p:cxnSp>
+              <p:nvCxnSpPr>
+                <p:cNvPr id="15" name="Straight Arrow Connector 14">
+                  <a:extLst>
+                    <a:ext uri="{FF2B5EF4-FFF2-40B4-BE49-F238E27FC236}">
+                      <a16:creationId xmlns:a16="http://schemas.microsoft.com/office/drawing/2014/main" id="{558E0A93-C9B8-B143-B880-1EDE82CE9CFE}"/>
+                    </a:ext>
+                  </a:extLst>
+                </p:cNvPr>
+                <p:cNvCxnSpPr/>
+                <p:nvPr/>
+              </p:nvCxnSpPr>
+              <p:spPr>
+                <a:xfrm flipH="1">
+                  <a:off x="4002745" y="1914732"/>
+                  <a:ext cx="275574" cy="595172"/>
+                </a:xfrm>
+                <a:prstGeom prst="straightConnector1">
+                  <a:avLst/>
+                </a:prstGeom>
+                <a:ln>
+                  <a:tailEnd type="triangle"/>
+                </a:ln>
+              </p:spPr>
+              <p:style>
+                <a:lnRef idx="1">
+                  <a:schemeClr val="accent1"/>
+                </a:lnRef>
+                <a:fillRef idx="0">
+                  <a:schemeClr val="accent1"/>
+                </a:fillRef>
+                <a:effectRef idx="0">
+                  <a:schemeClr val="accent1"/>
+                </a:effectRef>
+                <a:fontRef idx="minor">
+                  <a:schemeClr val="tx1"/>
+                </a:fontRef>
+              </p:style>
+            </p:cxnSp>
+            <mc:AlternateContent xmlns:mc="http://schemas.openxmlformats.org/markup-compatibility/2006" xmlns:a14="http://schemas.microsoft.com/office/drawing/2010/main">
+              <mc:Choice Requires="a14">
+                <p:sp>
+                  <p:nvSpPr>
+                    <p:cNvPr id="16" name="TextBox 15">
+                      <a:extLst>
+                        <a:ext uri="{FF2B5EF4-FFF2-40B4-BE49-F238E27FC236}">
+                          <a16:creationId xmlns:a16="http://schemas.microsoft.com/office/drawing/2014/main" id="{C96BF877-F118-D64E-88A4-1DC734F3FB74}"/>
+                        </a:ext>
+                      </a:extLst>
+                    </p:cNvPr>
+                    <p:cNvSpPr txBox="1"/>
+                    <p:nvPr/>
+                  </p:nvSpPr>
+                  <p:spPr>
+                    <a:xfrm>
+                      <a:off x="4002745" y="1556452"/>
+                      <a:ext cx="952825" cy="369332"/>
+                    </a:xfrm>
+                    <a:prstGeom prst="rect">
+                      <a:avLst/>
+                    </a:prstGeom>
+                    <a:noFill/>
+                  </p:spPr>
+                  <p:txBody>
+                    <a:bodyPr wrap="none" rtlCol="0">
+                      <a:spAutoFit/>
+                    </a:bodyPr>
+                    <a:lstStyle/>
+                    <a:p>
+                      <a:r>
+                        <a:rPr lang="en-US" dirty="0"/>
+                        <a:t>Initial </a:t>
+                      </a:r>
+                      <a14:m>
+                        <m:oMath xmlns:m="http://schemas.openxmlformats.org/officeDocument/2006/math">
+                          <m:r>
+                            <a:rPr lang="en-US" i="1">
+                              <a:latin typeface="Cambria Math" panose="02040503050406030204" pitchFamily="18" charset="0"/>
+                              <a:ea typeface="Cambria Math" panose="02040503050406030204" pitchFamily="18" charset="0"/>
+                            </a:rPr>
+                            <m:t>𝜃</m:t>
+                          </m:r>
+                        </m:oMath>
+                      </a14:m>
+                      <a:r>
+                        <a:rPr lang="en-US" dirty="0"/>
+                        <a:t> </a:t>
+                      </a:r>
+                    </a:p>
+                  </p:txBody>
+                </p:sp>
+              </mc:Choice>
+              <mc:Fallback xmlns="">
+                <p:sp>
+                  <p:nvSpPr>
+                    <p:cNvPr id="16" name="TextBox 15">
+                      <a:extLst>
+                        <a:ext uri="{FF2B5EF4-FFF2-40B4-BE49-F238E27FC236}">
+                          <a16:creationId xmlns:a16="http://schemas.microsoft.com/office/drawing/2014/main" id="{C96BF877-F118-D64E-88A4-1DC734F3FB74}"/>
+                        </a:ext>
+                      </a:extLst>
+                    </p:cNvPr>
+                    <p:cNvSpPr txBox="1">
+                      <a:spLocks noRot="1" noChangeAspect="1" noMove="1" noResize="1" noEditPoints="1" noAdjustHandles="1" noChangeArrowheads="1" noChangeShapeType="1" noTextEdit="1"/>
+                    </p:cNvSpPr>
+                    <p:nvPr/>
+                  </p:nvSpPr>
+                  <p:spPr>
+                    <a:xfrm>
+                      <a:off x="4002745" y="1556452"/>
+                      <a:ext cx="952825" cy="369332"/>
+                    </a:xfrm>
+                    <a:prstGeom prst="rect">
+                      <a:avLst/>
+                    </a:prstGeom>
+                    <a:blipFill>
+                      <a:blip r:embed="rId5"/>
+                      <a:stretch>
+                        <a:fillRect l="-5333" t="-6897" b="-27586"/>
+                      </a:stretch>
+                    </a:blipFill>
+                  </p:spPr>
+                  <p:txBody>
+                    <a:bodyPr/>
+                    <a:lstStyle/>
+                    <a:p>
+                      <a:r>
+                        <a:rPr lang="en-US">
+                          <a:noFill/>
+                        </a:rPr>
+                        <a:t> </a:t>
+                      </a:r>
+                    </a:p>
+                  </p:txBody>
+                </p:sp>
+              </mc:Fallback>
+            </mc:AlternateContent>
+            <p:sp>
+              <p:nvSpPr>
+                <p:cNvPr id="17" name="Oval 16">
+                  <a:extLst>
+                    <a:ext uri="{FF2B5EF4-FFF2-40B4-BE49-F238E27FC236}">
+                      <a16:creationId xmlns:a16="http://schemas.microsoft.com/office/drawing/2014/main" id="{9ED08A3D-9520-F343-A68D-C73FC7DF4473}"/>
+                    </a:ext>
+                  </a:extLst>
+                </p:cNvPr>
+                <p:cNvSpPr/>
+                <p:nvPr/>
+              </p:nvSpPr>
+              <p:spPr>
+                <a:xfrm>
+                  <a:off x="5148201" y="3725043"/>
+                  <a:ext cx="207358" cy="228040"/>
+                </a:xfrm>
+                <a:prstGeom prst="ellipse">
+                  <a:avLst/>
+                </a:prstGeom>
+                <a:ln>
+                  <a:solidFill>
+                    <a:schemeClr val="tx1"/>
+                  </a:solidFill>
+                </a:ln>
+              </p:spPr>
+              <p:style>
+                <a:lnRef idx="2">
+                  <a:schemeClr val="accent1">
+                    <a:shade val="50000"/>
+                  </a:schemeClr>
+                </a:lnRef>
+                <a:fillRef idx="1">
+                  <a:schemeClr val="accent1"/>
+                </a:fillRef>
+                <a:effectRef idx="0">
+                  <a:schemeClr val="accent1"/>
+                </a:effectRef>
+                <a:fontRef idx="minor">
+                  <a:schemeClr val="lt1"/>
+                </a:fontRef>
+              </p:style>
+              <p:txBody>
+                <a:bodyPr rtlCol="0" anchor="ctr"/>
+                <a:lstStyle/>
+                <a:p>
+                  <a:pPr algn="ctr"/>
+                  <a:endParaRPr lang="en-US"/>
+                </a:p>
+              </p:txBody>
+            </p:sp>
+            <p:sp>
+              <p:nvSpPr>
+                <p:cNvPr id="18" name="TextBox 17">
+                  <a:extLst>
+                    <a:ext uri="{FF2B5EF4-FFF2-40B4-BE49-F238E27FC236}">
+                      <a16:creationId xmlns:a16="http://schemas.microsoft.com/office/drawing/2014/main" id="{05081337-7907-5649-B792-21B20D3D4FB7}"/>
+                    </a:ext>
+                  </a:extLst>
+                </p:cNvPr>
+                <p:cNvSpPr txBox="1"/>
+                <p:nvPr/>
+              </p:nvSpPr>
+              <p:spPr>
+                <a:xfrm>
+                  <a:off x="5731674" y="4013198"/>
+                  <a:ext cx="2180725" cy="369332"/>
+                </a:xfrm>
+                <a:prstGeom prst="rect">
+                  <a:avLst/>
+                </a:prstGeom>
+                <a:noFill/>
+              </p:spPr>
+              <p:txBody>
+                <a:bodyPr wrap="none" rtlCol="0">
+                  <a:spAutoFit/>
+                </a:bodyPr>
+                <a:lstStyle/>
+                <a:p>
+                  <a:r>
+                    <a:rPr lang="en-US" dirty="0"/>
+                    <a:t>Global cost minimum</a:t>
+                  </a:r>
+                </a:p>
+              </p:txBody>
+            </p:sp>
+            <p:cxnSp>
+              <p:nvCxnSpPr>
+                <p:cNvPr id="19" name="Straight Arrow Connector 18">
+                  <a:extLst>
+                    <a:ext uri="{FF2B5EF4-FFF2-40B4-BE49-F238E27FC236}">
+                      <a16:creationId xmlns:a16="http://schemas.microsoft.com/office/drawing/2014/main" id="{C7D1D890-0208-B44C-94DA-9C50525CB6B3}"/>
+                    </a:ext>
+                  </a:extLst>
+                </p:cNvPr>
+                <p:cNvCxnSpPr>
+                  <a:cxnSpLocks/>
+                </p:cNvCxnSpPr>
+                <p:nvPr/>
+              </p:nvCxnSpPr>
+              <p:spPr>
+                <a:xfrm flipH="1" flipV="1">
+                  <a:off x="5355559" y="3984411"/>
+                  <a:ext cx="445770" cy="173072"/>
+                </a:xfrm>
+                <a:prstGeom prst="straightConnector1">
+                  <a:avLst/>
+                </a:prstGeom>
+                <a:ln>
+                  <a:tailEnd type="triangle"/>
+                </a:ln>
+              </p:spPr>
+              <p:style>
+                <a:lnRef idx="1">
+                  <a:schemeClr val="accent1"/>
+                </a:lnRef>
+                <a:fillRef idx="0">
+                  <a:schemeClr val="accent1"/>
+                </a:fillRef>
+                <a:effectRef idx="0">
+                  <a:schemeClr val="accent1"/>
+                </a:effectRef>
+                <a:fontRef idx="minor">
+                  <a:schemeClr val="tx1"/>
+                </a:fontRef>
+              </p:style>
+            </p:cxnSp>
+            <mc:AlternateContent xmlns:mc="http://schemas.openxmlformats.org/markup-compatibility/2006" xmlns:a14="http://schemas.microsoft.com/office/drawing/2010/main">
+              <mc:Choice Requires="a14">
+                <p:sp>
+                  <p:nvSpPr>
+                    <p:cNvPr id="23" name="TextBox 22">
+                      <a:extLst>
+                        <a:ext uri="{FF2B5EF4-FFF2-40B4-BE49-F238E27FC236}">
+                          <a16:creationId xmlns:a16="http://schemas.microsoft.com/office/drawing/2014/main" id="{273C0CBE-1FC8-D543-905B-9140C9F30A7A}"/>
+                        </a:ext>
+                      </a:extLst>
+                    </p:cNvPr>
+                    <p:cNvSpPr txBox="1"/>
+                    <p:nvPr/>
+                  </p:nvSpPr>
+                  <p:spPr>
+                    <a:xfrm>
+                      <a:off x="3205952" y="3357361"/>
+                      <a:ext cx="601960" cy="537519"/>
+                    </a:xfrm>
+                    <a:prstGeom prst="rect">
+                      <a:avLst/>
+                    </a:prstGeom>
+                    <a:noFill/>
+                  </p:spPr>
+                  <p:txBody>
+                    <a:bodyPr wrap="none" lIns="0" tIns="0" rIns="0" bIns="0" rtlCol="0">
+                      <a:spAutoFit/>
+                    </a:bodyPr>
+                    <a:lstStyle/>
+                    <a:p>
+                      <a:pPr/>
+                      <a14:m>
+                        <m:oMathPara xmlns:m="http://schemas.openxmlformats.org/officeDocument/2006/math">
+                          <m:oMathParaPr>
+                            <m:jc m:val="centerGroup"/>
+                          </m:oMathParaPr>
+                          <m:oMath xmlns:m="http://schemas.openxmlformats.org/officeDocument/2006/math">
+                            <m:f>
+                              <m:fPr>
+                                <m:ctrlPr>
+                                  <a:rPr lang="en-US" i="1" smtClean="0">
+                                    <a:latin typeface="Cambria Math" panose="02040503050406030204" pitchFamily="18" charset="0"/>
+                                  </a:rPr>
+                                </m:ctrlPr>
+                              </m:fPr>
+                              <m:num>
+                                <m:r>
+                                  <a:rPr lang="en-US" i="1" smtClean="0">
+                                    <a:latin typeface="Cambria Math" panose="02040503050406030204" pitchFamily="18" charset="0"/>
+                                  </a:rPr>
+                                  <m:t>𝜕</m:t>
+                                </m:r>
+                                <m:r>
+                                  <a:rPr lang="en-US" b="0" i="1" smtClean="0">
+                                    <a:latin typeface="Cambria Math" panose="02040503050406030204" pitchFamily="18" charset="0"/>
+                                  </a:rPr>
+                                  <m:t>𝐽</m:t>
+                                </m:r>
+                                <m:d>
+                                  <m:dPr>
+                                    <m:ctrlPr>
+                                      <a:rPr lang="en-US" b="0" i="1" smtClean="0">
+                                        <a:latin typeface="Cambria Math" panose="02040503050406030204" pitchFamily="18" charset="0"/>
+                                      </a:rPr>
+                                    </m:ctrlPr>
+                                  </m:dPr>
+                                  <m:e>
+                                    <m:r>
+                                      <a:rPr lang="en-US" b="0" i="1" smtClean="0">
+                                        <a:latin typeface="Cambria Math" panose="02040503050406030204" pitchFamily="18" charset="0"/>
+                                        <a:ea typeface="Cambria Math" panose="02040503050406030204" pitchFamily="18" charset="0"/>
+                                      </a:rPr>
+                                      <m:t>𝜃</m:t>
+                                    </m:r>
+                                  </m:e>
+                                </m:d>
+                              </m:num>
+                              <m:den>
+                                <m:r>
+                                  <a:rPr lang="en-US" i="1" smtClean="0">
+                                    <a:latin typeface="Cambria Math" panose="02040503050406030204" pitchFamily="18" charset="0"/>
+                                  </a:rPr>
+                                  <m:t>𝜕</m:t>
+                                </m:r>
+                                <m:r>
+                                  <a:rPr lang="en-US" i="1" smtClean="0">
+                                    <a:latin typeface="Cambria Math" panose="02040503050406030204" pitchFamily="18" charset="0"/>
+                                    <a:ea typeface="Cambria Math" panose="02040503050406030204" pitchFamily="18" charset="0"/>
+                                  </a:rPr>
+                                  <m:t>𝜃</m:t>
+                                </m:r>
+                              </m:den>
+                            </m:f>
+                          </m:oMath>
+                        </m:oMathPara>
+                      </a14:m>
+                      <a:endParaRPr lang="en-US" dirty="0"/>
+                    </a:p>
+                  </p:txBody>
+                </p:sp>
+              </mc:Choice>
+              <mc:Fallback xmlns="">
+                <p:sp>
+                  <p:nvSpPr>
+                    <p:cNvPr id="23" name="TextBox 22">
+                      <a:extLst>
+                        <a:ext uri="{FF2B5EF4-FFF2-40B4-BE49-F238E27FC236}">
+                          <a16:creationId xmlns:a16="http://schemas.microsoft.com/office/drawing/2014/main" id="{273C0CBE-1FC8-D543-905B-9140C9F30A7A}"/>
+                        </a:ext>
+                      </a:extLst>
+                    </p:cNvPr>
+                    <p:cNvSpPr txBox="1">
+                      <a:spLocks noRot="1" noChangeAspect="1" noMove="1" noResize="1" noEditPoints="1" noAdjustHandles="1" noChangeArrowheads="1" noChangeShapeType="1" noTextEdit="1"/>
+                    </p:cNvSpPr>
+                    <p:nvPr/>
+                  </p:nvSpPr>
+                  <p:spPr>
+                    <a:xfrm>
+                      <a:off x="3205952" y="3357361"/>
+                      <a:ext cx="601960" cy="537519"/>
+                    </a:xfrm>
+                    <a:prstGeom prst="rect">
+                      <a:avLst/>
+                    </a:prstGeom>
+                    <a:blipFill>
+                      <a:blip r:embed="rId6"/>
+                      <a:stretch>
+                        <a:fillRect l="-8333" b="-14286"/>
+                      </a:stretch>
+                    </a:blipFill>
+                  </p:spPr>
+                  <p:txBody>
+                    <a:bodyPr/>
+                    <a:lstStyle/>
+                    <a:p>
+                      <a:r>
+                        <a:rPr lang="en-US">
+                          <a:noFill/>
+                        </a:rPr>
+                        <a:t> </a:t>
+                      </a:r>
+                    </a:p>
+                  </p:txBody>
+                </p:sp>
+              </mc:Fallback>
+            </mc:AlternateContent>
+            <p:cxnSp>
+              <p:nvCxnSpPr>
+                <p:cNvPr id="25" name="Straight Arrow Connector 24">
+                  <a:extLst>
+                    <a:ext uri="{FF2B5EF4-FFF2-40B4-BE49-F238E27FC236}">
+                      <a16:creationId xmlns:a16="http://schemas.microsoft.com/office/drawing/2014/main" id="{3353F71B-DC0E-514A-9A4D-B6119E62F4C6}"/>
+                    </a:ext>
+                  </a:extLst>
+                </p:cNvPr>
+                <p:cNvCxnSpPr>
+                  <a:cxnSpLocks/>
+                </p:cNvCxnSpPr>
+                <p:nvPr/>
+              </p:nvCxnSpPr>
+              <p:spPr>
+                <a:xfrm>
+                  <a:off x="3923501" y="2794778"/>
+                  <a:ext cx="141154" cy="274399"/>
+                </a:xfrm>
+                <a:prstGeom prst="straightConnector1">
+                  <a:avLst/>
+                </a:prstGeom>
+                <a:ln w="22225">
+                  <a:tailEnd type="triangle"/>
+                </a:ln>
+              </p:spPr>
+              <p:style>
+                <a:lnRef idx="1">
+                  <a:schemeClr val="accent1"/>
+                </a:lnRef>
+                <a:fillRef idx="0">
+                  <a:schemeClr val="accent1"/>
+                </a:fillRef>
+                <a:effectRef idx="0">
+                  <a:schemeClr val="accent1"/>
+                </a:effectRef>
+                <a:fontRef idx="minor">
+                  <a:schemeClr val="tx1"/>
+                </a:fontRef>
+              </p:style>
+            </p:cxnSp>
+            <p:cxnSp>
+              <p:nvCxnSpPr>
+                <p:cNvPr id="27" name="Straight Arrow Connector 26">
+                  <a:extLst>
+                    <a:ext uri="{FF2B5EF4-FFF2-40B4-BE49-F238E27FC236}">
+                      <a16:creationId xmlns:a16="http://schemas.microsoft.com/office/drawing/2014/main" id="{0AC546B9-E094-AF41-A939-BC2BBC2599CB}"/>
+                    </a:ext>
+                  </a:extLst>
+                </p:cNvPr>
+                <p:cNvCxnSpPr>
+                  <a:cxnSpLocks/>
+                </p:cNvCxnSpPr>
+                <p:nvPr/>
+              </p:nvCxnSpPr>
+              <p:spPr>
+                <a:xfrm>
+                  <a:off x="4077326" y="3077172"/>
+                  <a:ext cx="200993" cy="247072"/>
+                </a:xfrm>
+                <a:prstGeom prst="straightConnector1">
+                  <a:avLst/>
+                </a:prstGeom>
+                <a:ln w="22225">
+                  <a:tailEnd type="triangle"/>
+                </a:ln>
+              </p:spPr>
+              <p:style>
+                <a:lnRef idx="1">
+                  <a:schemeClr val="accent1"/>
+                </a:lnRef>
+                <a:fillRef idx="0">
+                  <a:schemeClr val="accent1"/>
+                </a:fillRef>
+                <a:effectRef idx="0">
+                  <a:schemeClr val="accent1"/>
+                </a:effectRef>
+                <a:fontRef idx="minor">
+                  <a:schemeClr val="tx1"/>
+                </a:fontRef>
+              </p:style>
+            </p:cxnSp>
+            <p:cxnSp>
+              <p:nvCxnSpPr>
+                <p:cNvPr id="29" name="Straight Arrow Connector 28">
+                  <a:extLst>
+                    <a:ext uri="{FF2B5EF4-FFF2-40B4-BE49-F238E27FC236}">
+                      <a16:creationId xmlns:a16="http://schemas.microsoft.com/office/drawing/2014/main" id="{F0384EA5-CE99-7140-8C98-9C4F4797BCC3}"/>
+                    </a:ext>
+                  </a:extLst>
+                </p:cNvPr>
+                <p:cNvCxnSpPr>
+                  <a:cxnSpLocks/>
+                </p:cNvCxnSpPr>
+                <p:nvPr/>
+              </p:nvCxnSpPr>
+              <p:spPr>
+                <a:xfrm>
+                  <a:off x="4302413" y="3346139"/>
+                  <a:ext cx="208600" cy="196029"/>
+                </a:xfrm>
+                <a:prstGeom prst="straightConnector1">
+                  <a:avLst/>
+                </a:prstGeom>
+                <a:ln w="22225">
+                  <a:tailEnd type="triangle"/>
+                </a:ln>
+              </p:spPr>
+              <p:style>
+                <a:lnRef idx="1">
+                  <a:schemeClr val="accent1"/>
+                </a:lnRef>
+                <a:fillRef idx="0">
+                  <a:schemeClr val="accent1"/>
+                </a:fillRef>
+                <a:effectRef idx="0">
+                  <a:schemeClr val="accent1"/>
+                </a:effectRef>
+                <a:fontRef idx="minor">
+                  <a:schemeClr val="tx1"/>
+                </a:fontRef>
+              </p:style>
+            </p:cxnSp>
+            <p:cxnSp>
+              <p:nvCxnSpPr>
+                <p:cNvPr id="31" name="Straight Arrow Connector 30">
+                  <a:extLst>
+                    <a:ext uri="{FF2B5EF4-FFF2-40B4-BE49-F238E27FC236}">
+                      <a16:creationId xmlns:a16="http://schemas.microsoft.com/office/drawing/2014/main" id="{85045217-6325-1C49-AC14-0FAFBA6D9E4C}"/>
+                    </a:ext>
+                  </a:extLst>
+                </p:cNvPr>
+                <p:cNvCxnSpPr>
+                  <a:cxnSpLocks/>
+                </p:cNvCxnSpPr>
+                <p:nvPr/>
+              </p:nvCxnSpPr>
+              <p:spPr>
+                <a:xfrm>
+                  <a:off x="4529891" y="3553027"/>
+                  <a:ext cx="201392" cy="150617"/>
+                </a:xfrm>
+                <a:prstGeom prst="straightConnector1">
+                  <a:avLst/>
+                </a:prstGeom>
+                <a:ln w="22225">
+                  <a:tailEnd type="triangle"/>
+                </a:ln>
+              </p:spPr>
+              <p:style>
+                <a:lnRef idx="1">
+                  <a:schemeClr val="accent1"/>
+                </a:lnRef>
+                <a:fillRef idx="0">
+                  <a:schemeClr val="accent1"/>
+                </a:fillRef>
+                <a:effectRef idx="0">
+                  <a:schemeClr val="accent1"/>
+                </a:effectRef>
+                <a:fontRef idx="minor">
+                  <a:schemeClr val="tx1"/>
+                </a:fontRef>
+              </p:style>
+            </p:cxnSp>
+            <p:cxnSp>
+              <p:nvCxnSpPr>
+                <p:cNvPr id="33" name="Straight Arrow Connector 32">
+                  <a:extLst>
+                    <a:ext uri="{FF2B5EF4-FFF2-40B4-BE49-F238E27FC236}">
+                      <a16:creationId xmlns:a16="http://schemas.microsoft.com/office/drawing/2014/main" id="{FC91C609-5D7E-A444-B56D-D74E82E786AD}"/>
+                    </a:ext>
+                  </a:extLst>
+                </p:cNvPr>
+                <p:cNvCxnSpPr>
+                  <a:cxnSpLocks/>
+                </p:cNvCxnSpPr>
+                <p:nvPr/>
+              </p:nvCxnSpPr>
+              <p:spPr>
+                <a:xfrm>
+                  <a:off x="4753600" y="3701863"/>
+                  <a:ext cx="201970" cy="87715"/>
+                </a:xfrm>
+                <a:prstGeom prst="straightConnector1">
+                  <a:avLst/>
+                </a:prstGeom>
+                <a:ln w="22225">
+                  <a:tailEnd type="triangle"/>
+                </a:ln>
+              </p:spPr>
+              <p:style>
+                <a:lnRef idx="1">
+                  <a:schemeClr val="accent1"/>
+                </a:lnRef>
+                <a:fillRef idx="0">
+                  <a:schemeClr val="accent1"/>
+                </a:fillRef>
+                <a:effectRef idx="0">
+                  <a:schemeClr val="accent1"/>
+                </a:effectRef>
+                <a:fontRef idx="minor">
+                  <a:schemeClr val="tx1"/>
+                </a:fontRef>
+              </p:style>
+            </p:cxnSp>
+            <p:cxnSp>
+              <p:nvCxnSpPr>
+                <p:cNvPr id="37" name="Straight Arrow Connector 36">
+                  <a:extLst>
+                    <a:ext uri="{FF2B5EF4-FFF2-40B4-BE49-F238E27FC236}">
+                      <a16:creationId xmlns:a16="http://schemas.microsoft.com/office/drawing/2014/main" id="{C6BF22B0-40AD-2445-8B9D-83D239A324FC}"/>
+                    </a:ext>
+                  </a:extLst>
+                </p:cNvPr>
+                <p:cNvCxnSpPr>
+                  <a:cxnSpLocks/>
+                  <a:endCxn id="17" idx="2"/>
+                </p:cNvCxnSpPr>
+                <p:nvPr/>
+              </p:nvCxnSpPr>
+              <p:spPr>
+                <a:xfrm>
+                  <a:off x="4977887" y="3789321"/>
+                  <a:ext cx="170314" cy="49742"/>
+                </a:xfrm>
+                <a:prstGeom prst="straightConnector1">
+                  <a:avLst/>
+                </a:prstGeom>
+                <a:ln w="22225">
+                  <a:tailEnd type="triangle"/>
+                </a:ln>
+              </p:spPr>
+              <p:style>
+                <a:lnRef idx="1">
+                  <a:schemeClr val="accent1"/>
+                </a:lnRef>
+                <a:fillRef idx="0">
+                  <a:schemeClr val="accent1"/>
+                </a:fillRef>
+                <a:effectRef idx="0">
+                  <a:schemeClr val="accent1"/>
+                </a:effectRef>
+                <a:fontRef idx="minor">
+                  <a:schemeClr val="tx1"/>
+                </a:fontRef>
+              </p:style>
+            </p:cxnSp>
+            <mc:AlternateContent xmlns:mc="http://schemas.openxmlformats.org/markup-compatibility/2006" xmlns:a14="http://schemas.microsoft.com/office/drawing/2010/main">
+              <mc:Choice Requires="a14">
+                <p:sp>
+                  <p:nvSpPr>
+                    <p:cNvPr id="40" name="TextBox 39">
+                      <a:extLst>
+                        <a:ext uri="{FF2B5EF4-FFF2-40B4-BE49-F238E27FC236}">
+                          <a16:creationId xmlns:a16="http://schemas.microsoft.com/office/drawing/2014/main" id="{62786FE4-3E0C-0240-A64A-AFC117176C8E}"/>
+                        </a:ext>
+                      </a:extLst>
+                    </p:cNvPr>
+                    <p:cNvSpPr txBox="1"/>
+                    <p:nvPr/>
+                  </p:nvSpPr>
+                  <p:spPr>
+                    <a:xfrm>
+                      <a:off x="4531709" y="2426967"/>
+                      <a:ext cx="1674561" cy="505010"/>
+                    </a:xfrm>
+                    <a:prstGeom prst="rect">
+                      <a:avLst/>
+                    </a:prstGeom>
+                    <a:noFill/>
+                  </p:spPr>
+                  <p:txBody>
+                    <a:bodyPr wrap="none" rtlCol="0">
+                      <a:spAutoFit/>
+                    </a:bodyPr>
+                    <a:lstStyle/>
+                    <a:p>
+                      <a14:m>
+                        <m:oMath xmlns:m="http://schemas.openxmlformats.org/officeDocument/2006/math">
+                          <m:r>
+                            <a:rPr lang="en-US" i="1" smtClean="0">
+                              <a:latin typeface="Cambria Math" panose="02040503050406030204" pitchFamily="18" charset="0"/>
+                              <a:ea typeface="Cambria Math" panose="02040503050406030204" pitchFamily="18" charset="0"/>
+                            </a:rPr>
+                            <m:t>𝜃</m:t>
+                          </m:r>
+                          <m:r>
+                            <a:rPr lang="en-US" b="0" i="1" smtClean="0">
+                              <a:latin typeface="Cambria Math" panose="02040503050406030204" pitchFamily="18" charset="0"/>
+                              <a:ea typeface="Cambria Math" panose="02040503050406030204" pitchFamily="18" charset="0"/>
+                            </a:rPr>
+                            <m:t>=</m:t>
+                          </m:r>
+                          <m:r>
+                            <a:rPr lang="en-US" b="0" i="1" smtClean="0">
+                              <a:latin typeface="Cambria Math" panose="02040503050406030204" pitchFamily="18" charset="0"/>
+                              <a:ea typeface="Cambria Math" panose="02040503050406030204" pitchFamily="18" charset="0"/>
+                            </a:rPr>
+                            <m:t>𝜃</m:t>
+                          </m:r>
+                          <m:r>
+                            <a:rPr lang="en-US" b="0" i="1" smtClean="0">
+                              <a:latin typeface="Cambria Math" panose="02040503050406030204" pitchFamily="18" charset="0"/>
+                              <a:ea typeface="Cambria Math" panose="02040503050406030204" pitchFamily="18" charset="0"/>
+                            </a:rPr>
+                            <m:t>−</m:t>
+                          </m:r>
+                          <m:r>
+                            <a:rPr lang="en-US" b="0" i="1" smtClean="0">
+                              <a:latin typeface="Cambria Math" panose="02040503050406030204" pitchFamily="18" charset="0"/>
+                              <a:ea typeface="Cambria Math" panose="02040503050406030204" pitchFamily="18" charset="0"/>
+                            </a:rPr>
+                            <m:t>𝛼</m:t>
+                          </m:r>
+                        </m:oMath>
+                      </a14:m>
+                      <a:r>
+                        <a:rPr lang="en-US" dirty="0"/>
+                        <a:t> </a:t>
+                      </a:r>
+                      <a14:m>
                         <m:oMath xmlns:m="http://schemas.openxmlformats.org/officeDocument/2006/math">
                           <m:f>
                             <m:fPr>
@@ -4641,528 +5007,245 @@
                             </m:den>
                           </m:f>
                         </m:oMath>
-                      </m:oMathPara>
-                    </a14:m>
-                    <a:endParaRPr lang="en-US" dirty="0"/>
-                  </a:p>
-                </p:txBody>
-              </p:sp>
-            </mc:Choice>
-            <mc:Fallback xmlns="">
-              <p:sp>
-                <p:nvSpPr>
-                  <p:cNvPr id="23" name="TextBox 22">
-                    <a:extLst>
-                      <a:ext uri="{FF2B5EF4-FFF2-40B4-BE49-F238E27FC236}">
-                        <a16:creationId xmlns:a16="http://schemas.microsoft.com/office/drawing/2014/main" id="{273C0CBE-1FC8-D543-905B-9140C9F30A7A}"/>
-                      </a:ext>
-                    </a:extLst>
-                  </p:cNvPr>
-                  <p:cNvSpPr txBox="1">
-                    <a:spLocks noRot="1" noChangeAspect="1" noMove="1" noResize="1" noEditPoints="1" noAdjustHandles="1" noChangeArrowheads="1" noChangeShapeType="1" noTextEdit="1"/>
-                  </p:cNvSpPr>
-                  <p:nvPr/>
-                </p:nvSpPr>
-                <p:spPr>
-                  <a:xfrm>
-                    <a:off x="3205952" y="3357361"/>
-                    <a:ext cx="601960" cy="537519"/>
-                  </a:xfrm>
-                  <a:prstGeom prst="rect">
-                    <a:avLst/>
-                  </a:prstGeom>
-                  <a:blipFill>
-                    <a:blip r:embed="rId6"/>
-                    <a:stretch>
-                      <a:fillRect l="-8333" b="-14286"/>
-                    </a:stretch>
-                  </a:blipFill>
-                </p:spPr>
-                <p:txBody>
-                  <a:bodyPr/>
-                  <a:lstStyle/>
-                  <a:p>
-                    <a:r>
-                      <a:rPr lang="en-US">
-                        <a:noFill/>
-                      </a:rPr>
-                      <a:t> </a:t>
-                    </a:r>
-                  </a:p>
-                </p:txBody>
-              </p:sp>
-            </mc:Fallback>
-          </mc:AlternateContent>
-          <p:cxnSp>
-            <p:nvCxnSpPr>
-              <p:cNvPr id="25" name="Straight Arrow Connector 24">
-                <a:extLst>
-                  <a:ext uri="{FF2B5EF4-FFF2-40B4-BE49-F238E27FC236}">
-                    <a16:creationId xmlns:a16="http://schemas.microsoft.com/office/drawing/2014/main" id="{3353F71B-DC0E-514A-9A4D-B6119E62F4C6}"/>
-                  </a:ext>
-                </a:extLst>
-              </p:cNvPr>
-              <p:cNvCxnSpPr>
-                <a:cxnSpLocks/>
-              </p:cNvCxnSpPr>
-              <p:nvPr/>
-            </p:nvCxnSpPr>
-            <p:spPr>
-              <a:xfrm>
-                <a:off x="3923501" y="2794778"/>
-                <a:ext cx="141154" cy="274399"/>
-              </a:xfrm>
-              <a:prstGeom prst="straightConnector1">
-                <a:avLst/>
-              </a:prstGeom>
-              <a:ln w="22225">
-                <a:tailEnd type="triangle"/>
-              </a:ln>
-            </p:spPr>
-            <p:style>
-              <a:lnRef idx="1">
-                <a:schemeClr val="accent1"/>
-              </a:lnRef>
-              <a:fillRef idx="0">
-                <a:schemeClr val="accent1"/>
-              </a:fillRef>
-              <a:effectRef idx="0">
-                <a:schemeClr val="accent1"/>
-              </a:effectRef>
-              <a:fontRef idx="minor">
-                <a:schemeClr val="tx1"/>
-              </a:fontRef>
-            </p:style>
-          </p:cxnSp>
-          <p:cxnSp>
-            <p:nvCxnSpPr>
-              <p:cNvPr id="27" name="Straight Arrow Connector 26">
-                <a:extLst>
-                  <a:ext uri="{FF2B5EF4-FFF2-40B4-BE49-F238E27FC236}">
-                    <a16:creationId xmlns:a16="http://schemas.microsoft.com/office/drawing/2014/main" id="{0AC546B9-E094-AF41-A939-BC2BBC2599CB}"/>
-                  </a:ext>
-                </a:extLst>
-              </p:cNvPr>
-              <p:cNvCxnSpPr>
-                <a:cxnSpLocks/>
-              </p:cNvCxnSpPr>
-              <p:nvPr/>
-            </p:nvCxnSpPr>
-            <p:spPr>
-              <a:xfrm>
-                <a:off x="4077326" y="3077172"/>
-                <a:ext cx="200993" cy="247072"/>
-              </a:xfrm>
-              <a:prstGeom prst="straightConnector1">
-                <a:avLst/>
-              </a:prstGeom>
-              <a:ln w="22225">
-                <a:tailEnd type="triangle"/>
-              </a:ln>
-            </p:spPr>
-            <p:style>
-              <a:lnRef idx="1">
-                <a:schemeClr val="accent1"/>
-              </a:lnRef>
-              <a:fillRef idx="0">
-                <a:schemeClr val="accent1"/>
-              </a:fillRef>
-              <a:effectRef idx="0">
-                <a:schemeClr val="accent1"/>
-              </a:effectRef>
-              <a:fontRef idx="minor">
-                <a:schemeClr val="tx1"/>
-              </a:fontRef>
-            </p:style>
-          </p:cxnSp>
-          <p:cxnSp>
-            <p:nvCxnSpPr>
-              <p:cNvPr id="29" name="Straight Arrow Connector 28">
-                <a:extLst>
-                  <a:ext uri="{FF2B5EF4-FFF2-40B4-BE49-F238E27FC236}">
-                    <a16:creationId xmlns:a16="http://schemas.microsoft.com/office/drawing/2014/main" id="{F0384EA5-CE99-7140-8C98-9C4F4797BCC3}"/>
-                  </a:ext>
-                </a:extLst>
-              </p:cNvPr>
-              <p:cNvCxnSpPr>
-                <a:cxnSpLocks/>
-              </p:cNvCxnSpPr>
-              <p:nvPr/>
-            </p:nvCxnSpPr>
-            <p:spPr>
-              <a:xfrm>
-                <a:off x="4302413" y="3346139"/>
-                <a:ext cx="208600" cy="196029"/>
-              </a:xfrm>
-              <a:prstGeom prst="straightConnector1">
-                <a:avLst/>
-              </a:prstGeom>
-              <a:ln w="22225">
-                <a:tailEnd type="triangle"/>
-              </a:ln>
-            </p:spPr>
-            <p:style>
-              <a:lnRef idx="1">
-                <a:schemeClr val="accent1"/>
-              </a:lnRef>
-              <a:fillRef idx="0">
-                <a:schemeClr val="accent1"/>
-              </a:fillRef>
-              <a:effectRef idx="0">
-                <a:schemeClr val="accent1"/>
-              </a:effectRef>
-              <a:fontRef idx="minor">
-                <a:schemeClr val="tx1"/>
-              </a:fontRef>
-            </p:style>
-          </p:cxnSp>
-          <p:cxnSp>
-            <p:nvCxnSpPr>
-              <p:cNvPr id="31" name="Straight Arrow Connector 30">
-                <a:extLst>
-                  <a:ext uri="{FF2B5EF4-FFF2-40B4-BE49-F238E27FC236}">
-                    <a16:creationId xmlns:a16="http://schemas.microsoft.com/office/drawing/2014/main" id="{85045217-6325-1C49-AC14-0FAFBA6D9E4C}"/>
-                  </a:ext>
-                </a:extLst>
-              </p:cNvPr>
-              <p:cNvCxnSpPr>
-                <a:cxnSpLocks/>
-              </p:cNvCxnSpPr>
-              <p:nvPr/>
-            </p:nvCxnSpPr>
-            <p:spPr>
-              <a:xfrm>
-                <a:off x="4529891" y="3553027"/>
-                <a:ext cx="201392" cy="150617"/>
-              </a:xfrm>
-              <a:prstGeom prst="straightConnector1">
-                <a:avLst/>
-              </a:prstGeom>
-              <a:ln w="22225">
-                <a:tailEnd type="triangle"/>
-              </a:ln>
-            </p:spPr>
-            <p:style>
-              <a:lnRef idx="1">
-                <a:schemeClr val="accent1"/>
-              </a:lnRef>
-              <a:fillRef idx="0">
-                <a:schemeClr val="accent1"/>
-              </a:fillRef>
-              <a:effectRef idx="0">
-                <a:schemeClr val="accent1"/>
-              </a:effectRef>
-              <a:fontRef idx="minor">
-                <a:schemeClr val="tx1"/>
-              </a:fontRef>
-            </p:style>
-          </p:cxnSp>
-          <p:cxnSp>
-            <p:nvCxnSpPr>
-              <p:cNvPr id="33" name="Straight Arrow Connector 32">
-                <a:extLst>
-                  <a:ext uri="{FF2B5EF4-FFF2-40B4-BE49-F238E27FC236}">
-                    <a16:creationId xmlns:a16="http://schemas.microsoft.com/office/drawing/2014/main" id="{FC91C609-5D7E-A444-B56D-D74E82E786AD}"/>
-                  </a:ext>
-                </a:extLst>
-              </p:cNvPr>
-              <p:cNvCxnSpPr>
-                <a:cxnSpLocks/>
-              </p:cNvCxnSpPr>
-              <p:nvPr/>
-            </p:nvCxnSpPr>
-            <p:spPr>
-              <a:xfrm>
-                <a:off x="4753600" y="3701863"/>
-                <a:ext cx="201970" cy="87715"/>
-              </a:xfrm>
-              <a:prstGeom prst="straightConnector1">
-                <a:avLst/>
-              </a:prstGeom>
-              <a:ln w="22225">
-                <a:tailEnd type="triangle"/>
-              </a:ln>
-            </p:spPr>
-            <p:style>
-              <a:lnRef idx="1">
-                <a:schemeClr val="accent1"/>
-              </a:lnRef>
-              <a:fillRef idx="0">
-                <a:schemeClr val="accent1"/>
-              </a:fillRef>
-              <a:effectRef idx="0">
-                <a:schemeClr val="accent1"/>
-              </a:effectRef>
-              <a:fontRef idx="minor">
-                <a:schemeClr val="tx1"/>
-              </a:fontRef>
-            </p:style>
-          </p:cxnSp>
-          <p:cxnSp>
-            <p:nvCxnSpPr>
-              <p:cNvPr id="37" name="Straight Arrow Connector 36">
-                <a:extLst>
-                  <a:ext uri="{FF2B5EF4-FFF2-40B4-BE49-F238E27FC236}">
-                    <a16:creationId xmlns:a16="http://schemas.microsoft.com/office/drawing/2014/main" id="{C6BF22B0-40AD-2445-8B9D-83D239A324FC}"/>
-                  </a:ext>
-                </a:extLst>
-              </p:cNvPr>
-              <p:cNvCxnSpPr>
-                <a:cxnSpLocks/>
-                <a:endCxn id="17" idx="2"/>
-              </p:cNvCxnSpPr>
-              <p:nvPr/>
-            </p:nvCxnSpPr>
-            <p:spPr>
-              <a:xfrm>
-                <a:off x="4977887" y="3789321"/>
-                <a:ext cx="170314" cy="49742"/>
-              </a:xfrm>
-              <a:prstGeom prst="straightConnector1">
-                <a:avLst/>
-              </a:prstGeom>
-              <a:ln w="22225">
-                <a:tailEnd type="triangle"/>
-              </a:ln>
-            </p:spPr>
-            <p:style>
-              <a:lnRef idx="1">
-                <a:schemeClr val="accent1"/>
-              </a:lnRef>
-              <a:fillRef idx="0">
-                <a:schemeClr val="accent1"/>
-              </a:fillRef>
-              <a:effectRef idx="0">
-                <a:schemeClr val="accent1"/>
-              </a:effectRef>
-              <a:fontRef idx="minor">
-                <a:schemeClr val="tx1"/>
-              </a:fontRef>
-            </p:style>
-          </p:cxnSp>
-          <mc:AlternateContent xmlns:mc="http://schemas.openxmlformats.org/markup-compatibility/2006" xmlns:a14="http://schemas.microsoft.com/office/drawing/2010/main">
-            <mc:Choice Requires="a14">
-              <p:sp>
-                <p:nvSpPr>
-                  <p:cNvPr id="40" name="TextBox 39">
-                    <a:extLst>
-                      <a:ext uri="{FF2B5EF4-FFF2-40B4-BE49-F238E27FC236}">
-                        <a16:creationId xmlns:a16="http://schemas.microsoft.com/office/drawing/2014/main" id="{62786FE4-3E0C-0240-A64A-AFC117176C8E}"/>
-                      </a:ext>
-                    </a:extLst>
-                  </p:cNvPr>
-                  <p:cNvSpPr txBox="1"/>
-                  <p:nvPr/>
-                </p:nvSpPr>
-                <p:spPr>
-                  <a:xfrm>
-                    <a:off x="4531709" y="2426967"/>
-                    <a:ext cx="1674561" cy="505010"/>
-                  </a:xfrm>
-                  <a:prstGeom prst="rect">
-                    <a:avLst/>
-                  </a:prstGeom>
-                  <a:noFill/>
-                </p:spPr>
-                <p:txBody>
-                  <a:bodyPr wrap="none" rtlCol="0">
-                    <a:spAutoFit/>
-                  </a:bodyPr>
-                  <a:lstStyle/>
-                  <a:p>
-                    <a14:m>
+                      </a14:m>
+                      <a:endParaRPr lang="en-US" dirty="0"/>
+                    </a:p>
+                  </p:txBody>
+                </p:sp>
+              </mc:Choice>
+              <mc:Fallback xmlns="">
+                <p:sp>
+                  <p:nvSpPr>
+                    <p:cNvPr id="40" name="TextBox 39">
+                      <a:extLst>
+                        <a:ext uri="{FF2B5EF4-FFF2-40B4-BE49-F238E27FC236}">
+                          <a16:creationId xmlns:a16="http://schemas.microsoft.com/office/drawing/2014/main" id="{62786FE4-3E0C-0240-A64A-AFC117176C8E}"/>
+                        </a:ext>
+                      </a:extLst>
+                    </p:cNvPr>
+                    <p:cNvSpPr txBox="1">
+                      <a:spLocks noRot="1" noChangeAspect="1" noMove="1" noResize="1" noEditPoints="1" noAdjustHandles="1" noChangeArrowheads="1" noChangeShapeType="1" noTextEdit="1"/>
+                    </p:cNvSpPr>
+                    <p:nvPr/>
+                  </p:nvSpPr>
+                  <p:spPr>
+                    <a:xfrm>
+                      <a:off x="4531709" y="2426967"/>
+                      <a:ext cx="1674561" cy="505010"/>
+                    </a:xfrm>
+                    <a:prstGeom prst="rect">
+                      <a:avLst/>
+                    </a:prstGeom>
+                    <a:blipFill>
+                      <a:blip r:embed="rId7"/>
+                      <a:stretch>
+                        <a:fillRect b="-2564"/>
+                      </a:stretch>
+                    </a:blipFill>
+                  </p:spPr>
+                  <p:txBody>
+                    <a:bodyPr/>
+                    <a:lstStyle/>
+                    <a:p>
+                      <a:r>
+                        <a:rPr lang="en-US">
+                          <a:noFill/>
+                        </a:rPr>
+                        <a:t> </a:t>
+                      </a:r>
+                    </a:p>
+                  </p:txBody>
+                </p:sp>
+              </mc:Fallback>
+            </mc:AlternateContent>
+            <p:cxnSp>
+              <p:nvCxnSpPr>
+                <p:cNvPr id="41" name="Straight Arrow Connector 40">
+                  <a:extLst>
+                    <a:ext uri="{FF2B5EF4-FFF2-40B4-BE49-F238E27FC236}">
+                      <a16:creationId xmlns:a16="http://schemas.microsoft.com/office/drawing/2014/main" id="{23CED2CB-13DF-884F-944B-7E483EBCEB88}"/>
+                    </a:ext>
+                  </a:extLst>
+                </p:cNvPr>
+                <p:cNvCxnSpPr/>
+                <p:nvPr/>
+              </p:nvCxnSpPr>
+              <p:spPr>
+                <a:xfrm flipH="1">
+                  <a:off x="4669693" y="2887064"/>
+                  <a:ext cx="275574" cy="595172"/>
+                </a:xfrm>
+                <a:prstGeom prst="straightConnector1">
+                  <a:avLst/>
+                </a:prstGeom>
+                <a:ln>
+                  <a:tailEnd type="triangle"/>
+                </a:ln>
+              </p:spPr>
+              <p:style>
+                <a:lnRef idx="1">
+                  <a:schemeClr val="accent1"/>
+                </a:lnRef>
+                <a:fillRef idx="0">
+                  <a:schemeClr val="accent1"/>
+                </a:fillRef>
+                <a:effectRef idx="0">
+                  <a:schemeClr val="accent1"/>
+                </a:effectRef>
+                <a:fontRef idx="minor">
+                  <a:schemeClr val="tx1"/>
+                </a:fontRef>
+              </p:style>
+            </p:cxnSp>
+          </p:grpSp>
+        </p:grpSp>
+        <mc:AlternateContent xmlns:mc="http://schemas.openxmlformats.org/markup-compatibility/2006">
+          <mc:Choice xmlns:a14="http://schemas.microsoft.com/office/drawing/2010/main" Requires="a14">
+            <p:sp>
+              <p:nvSpPr>
+                <p:cNvPr id="26" name="TextBox 25">
+                  <a:extLst>
+                    <a:ext uri="{FF2B5EF4-FFF2-40B4-BE49-F238E27FC236}">
+                      <a16:creationId xmlns:a16="http://schemas.microsoft.com/office/drawing/2014/main" id="{C0F9CCE2-23CF-5641-90D2-5210AE2A36D3}"/>
+                    </a:ext>
+                  </a:extLst>
+                </p:cNvPr>
+                <p:cNvSpPr txBox="1"/>
+                <p:nvPr/>
+              </p:nvSpPr>
+              <p:spPr>
+                <a:xfrm>
+                  <a:off x="5803989" y="1456023"/>
+                  <a:ext cx="1451679" cy="646331"/>
+                </a:xfrm>
+                <a:prstGeom prst="rect">
+                  <a:avLst/>
+                </a:prstGeom>
+                <a:noFill/>
+              </p:spPr>
+              <p:txBody>
+                <a:bodyPr wrap="none" rtlCol="0">
+                  <a:spAutoFit/>
+                </a:bodyPr>
+                <a:lstStyle/>
+                <a:p>
+                  <a:r>
+                    <a:rPr lang="en-US" b="1" dirty="0">
+                      <a:solidFill>
+                        <a:schemeClr val="accent2">
+                          <a:lumMod val="75000"/>
+                        </a:schemeClr>
+                      </a:solidFill>
+                    </a:rPr>
+                    <a:t>Cost function</a:t>
+                  </a:r>
+                </a:p>
+                <a:p>
+                  <a:pPr/>
+                  <a14:m>
+                    <m:oMathPara xmlns:m="http://schemas.openxmlformats.org/officeDocument/2006/math">
+                      <m:oMathParaPr>
+                        <m:jc m:val="centerGroup"/>
+                      </m:oMathParaPr>
                       <m:oMath xmlns:m="http://schemas.openxmlformats.org/officeDocument/2006/math">
                         <m:r>
-                          <a:rPr lang="en-US" i="1" smtClean="0">
+                          <a:rPr lang="en-US" b="1" i="1" smtClean="0">
+                            <a:solidFill>
+                              <a:schemeClr val="accent2">
+                                <a:lumMod val="75000"/>
+                              </a:schemeClr>
+                            </a:solidFill>
                             <a:latin typeface="Cambria Math" panose="02040503050406030204" pitchFamily="18" charset="0"/>
-                            <a:ea typeface="Cambria Math" panose="02040503050406030204" pitchFamily="18" charset="0"/>
                           </a:rPr>
-                          <m:t>𝜃</m:t>
+                          <m:t>𝑱</m:t>
                         </m:r>
-                        <m:r>
-                          <a:rPr lang="en-US" b="0" i="1" smtClean="0">
-                            <a:latin typeface="Cambria Math" panose="02040503050406030204" pitchFamily="18" charset="0"/>
-                            <a:ea typeface="Cambria Math" panose="02040503050406030204" pitchFamily="18" charset="0"/>
-                          </a:rPr>
-                          <m:t>=</m:t>
-                        </m:r>
-                        <m:r>
-                          <a:rPr lang="en-US" b="0" i="1" smtClean="0">
-                            <a:latin typeface="Cambria Math" panose="02040503050406030204" pitchFamily="18" charset="0"/>
-                            <a:ea typeface="Cambria Math" panose="02040503050406030204" pitchFamily="18" charset="0"/>
-                          </a:rPr>
-                          <m:t>𝜃</m:t>
-                        </m:r>
-                        <m:r>
-                          <a:rPr lang="en-US" b="0" i="1" smtClean="0">
-                            <a:latin typeface="Cambria Math" panose="02040503050406030204" pitchFamily="18" charset="0"/>
-                            <a:ea typeface="Cambria Math" panose="02040503050406030204" pitchFamily="18" charset="0"/>
-                          </a:rPr>
-                          <m:t>−</m:t>
-                        </m:r>
-                        <m:r>
-                          <a:rPr lang="en-US" b="0" i="1" smtClean="0">
-                            <a:latin typeface="Cambria Math" panose="02040503050406030204" pitchFamily="18" charset="0"/>
-                            <a:ea typeface="Cambria Math" panose="02040503050406030204" pitchFamily="18" charset="0"/>
-                          </a:rPr>
-                          <m:t>𝛼</m:t>
-                        </m:r>
-                      </m:oMath>
-                    </a14:m>
-                    <a:r>
-                      <a:rPr lang="en-US" dirty="0"/>
-                      <a:t> </a:t>
-                    </a:r>
-                    <a14:m>
-                      <m:oMath xmlns:m="http://schemas.openxmlformats.org/officeDocument/2006/math">
-                        <m:f>
-                          <m:fPr>
+                        <m:d>
+                          <m:dPr>
                             <m:ctrlPr>
-                              <a:rPr lang="en-US" i="1" smtClean="0">
+                              <a:rPr lang="en-US" b="1" i="1" smtClean="0">
+                                <a:solidFill>
+                                  <a:schemeClr val="accent2">
+                                    <a:lumMod val="75000"/>
+                                  </a:schemeClr>
+                                </a:solidFill>
                                 <a:latin typeface="Cambria Math" panose="02040503050406030204" pitchFamily="18" charset="0"/>
                               </a:rPr>
                             </m:ctrlPr>
-                          </m:fPr>
-                          <m:num>
+                          </m:dPr>
+                          <m:e>
                             <m:r>
-                              <a:rPr lang="en-US" i="1" smtClean="0">
-                                <a:latin typeface="Cambria Math" panose="02040503050406030204" pitchFamily="18" charset="0"/>
-                              </a:rPr>
-                              <m:t>𝜕</m:t>
-                            </m:r>
-                            <m:r>
-                              <a:rPr lang="en-US" b="0" i="1" smtClean="0">
-                                <a:latin typeface="Cambria Math" panose="02040503050406030204" pitchFamily="18" charset="0"/>
-                              </a:rPr>
-                              <m:t>𝐽</m:t>
-                            </m:r>
-                            <m:d>
-                              <m:dPr>
-                                <m:ctrlPr>
-                                  <a:rPr lang="en-US" b="0" i="1" smtClean="0">
-                                    <a:latin typeface="Cambria Math" panose="02040503050406030204" pitchFamily="18" charset="0"/>
-                                  </a:rPr>
-                                </m:ctrlPr>
-                              </m:dPr>
-                              <m:e>
-                                <m:r>
-                                  <a:rPr lang="en-US" b="0" i="1" smtClean="0">
-                                    <a:latin typeface="Cambria Math" panose="02040503050406030204" pitchFamily="18" charset="0"/>
-                                    <a:ea typeface="Cambria Math" panose="02040503050406030204" pitchFamily="18" charset="0"/>
-                                  </a:rPr>
-                                  <m:t>𝜃</m:t>
-                                </m:r>
-                              </m:e>
-                            </m:d>
-                          </m:num>
-                          <m:den>
-                            <m:r>
-                              <a:rPr lang="en-US" i="1" smtClean="0">
-                                <a:latin typeface="Cambria Math" panose="02040503050406030204" pitchFamily="18" charset="0"/>
-                              </a:rPr>
-                              <m:t>𝜕</m:t>
-                            </m:r>
-                            <m:r>
-                              <a:rPr lang="en-US" i="1" smtClean="0">
+                              <a:rPr lang="en-US" b="1" i="1" smtClean="0">
+                                <a:solidFill>
+                                  <a:schemeClr val="accent2">
+                                    <a:lumMod val="75000"/>
+                                  </a:schemeClr>
+                                </a:solidFill>
                                 <a:latin typeface="Cambria Math" panose="02040503050406030204" pitchFamily="18" charset="0"/>
                                 <a:ea typeface="Cambria Math" panose="02040503050406030204" pitchFamily="18" charset="0"/>
                               </a:rPr>
-                              <m:t>𝜃</m:t>
+                              <m:t>𝜽</m:t>
                             </m:r>
-                          </m:den>
-                        </m:f>
+                          </m:e>
+                        </m:d>
                       </m:oMath>
-                    </a14:m>
-                    <a:endParaRPr lang="en-US" dirty="0"/>
-                  </a:p>
-                </p:txBody>
-              </p:sp>
-            </mc:Choice>
-            <mc:Fallback xmlns="">
-              <p:sp>
-                <p:nvSpPr>
-                  <p:cNvPr id="40" name="TextBox 39">
-                    <a:extLst>
-                      <a:ext uri="{FF2B5EF4-FFF2-40B4-BE49-F238E27FC236}">
-                        <a16:creationId xmlns:a16="http://schemas.microsoft.com/office/drawing/2014/main" id="{62786FE4-3E0C-0240-A64A-AFC117176C8E}"/>
-                      </a:ext>
-                    </a:extLst>
-                  </p:cNvPr>
-                  <p:cNvSpPr txBox="1">
-                    <a:spLocks noRot="1" noChangeAspect="1" noMove="1" noResize="1" noEditPoints="1" noAdjustHandles="1" noChangeArrowheads="1" noChangeShapeType="1" noTextEdit="1"/>
-                  </p:cNvSpPr>
-                  <p:nvPr/>
-                </p:nvSpPr>
-                <p:spPr>
-                  <a:xfrm>
-                    <a:off x="4531709" y="2426967"/>
-                    <a:ext cx="1674561" cy="505010"/>
-                  </a:xfrm>
-                  <a:prstGeom prst="rect">
-                    <a:avLst/>
-                  </a:prstGeom>
-                  <a:blipFill>
-                    <a:blip r:embed="rId7"/>
-                    <a:stretch>
-                      <a:fillRect b="-2564"/>
-                    </a:stretch>
-                  </a:blipFill>
-                </p:spPr>
-                <p:txBody>
-                  <a:bodyPr/>
-                  <a:lstStyle/>
-                  <a:p>
-                    <a:r>
-                      <a:rPr lang="en-US">
-                        <a:noFill/>
-                      </a:rPr>
-                      <a:t> </a:t>
-                    </a:r>
-                  </a:p>
-                </p:txBody>
-              </p:sp>
-            </mc:Fallback>
-          </mc:AlternateContent>
-          <p:cxnSp>
-            <p:nvCxnSpPr>
-              <p:cNvPr id="41" name="Straight Arrow Connector 40">
-                <a:extLst>
-                  <a:ext uri="{FF2B5EF4-FFF2-40B4-BE49-F238E27FC236}">
-                    <a16:creationId xmlns:a16="http://schemas.microsoft.com/office/drawing/2014/main" id="{23CED2CB-13DF-884F-944B-7E483EBCEB88}"/>
-                  </a:ext>
-                </a:extLst>
-              </p:cNvPr>
-              <p:cNvCxnSpPr/>
-              <p:nvPr/>
-            </p:nvCxnSpPr>
-            <p:spPr>
-              <a:xfrm flipH="1">
-                <a:off x="4669693" y="2887064"/>
-                <a:ext cx="275574" cy="595172"/>
-              </a:xfrm>
-              <a:prstGeom prst="straightConnector1">
-                <a:avLst/>
-              </a:prstGeom>
-              <a:ln>
-                <a:tailEnd type="triangle"/>
-              </a:ln>
-            </p:spPr>
-            <p:style>
-              <a:lnRef idx="1">
-                <a:schemeClr val="accent1"/>
-              </a:lnRef>
-              <a:fillRef idx="0">
-                <a:schemeClr val="accent1"/>
-              </a:fillRef>
-              <a:effectRef idx="0">
-                <a:schemeClr val="accent1"/>
-              </a:effectRef>
-              <a:fontRef idx="minor">
-                <a:schemeClr val="tx1"/>
-              </a:fontRef>
-            </p:style>
-          </p:cxnSp>
-        </p:grpSp>
+                    </m:oMathPara>
+                  </a14:m>
+                  <a:endParaRPr lang="en-US" b="1" dirty="0">
+                    <a:solidFill>
+                      <a:schemeClr val="accent2">
+                        <a:lumMod val="75000"/>
+                      </a:schemeClr>
+                    </a:solidFill>
+                  </a:endParaRPr>
+                </a:p>
+              </p:txBody>
+            </p:sp>
+          </mc:Choice>
+          <mc:Fallback>
+            <p:sp>
+              <p:nvSpPr>
+                <p:cNvPr id="26" name="TextBox 25">
+                  <a:extLst>
+                    <a:ext uri="{FF2B5EF4-FFF2-40B4-BE49-F238E27FC236}">
+                      <a16:creationId xmlns:a16="http://schemas.microsoft.com/office/drawing/2014/main" id="{C0F9CCE2-23CF-5641-90D2-5210AE2A36D3}"/>
+                    </a:ext>
+                  </a:extLst>
+                </p:cNvPr>
+                <p:cNvSpPr txBox="1">
+                  <a:spLocks noRot="1" noChangeAspect="1" noMove="1" noResize="1" noEditPoints="1" noAdjustHandles="1" noChangeArrowheads="1" noChangeShapeType="1" noTextEdit="1"/>
+                </p:cNvSpPr>
+                <p:nvPr/>
+              </p:nvSpPr>
+              <p:spPr>
+                <a:xfrm>
+                  <a:off x="5803989" y="1456023"/>
+                  <a:ext cx="1451679" cy="646331"/>
+                </a:xfrm>
+                <a:prstGeom prst="rect">
+                  <a:avLst/>
+                </a:prstGeom>
+                <a:blipFill>
+                  <a:blip r:embed="rId8"/>
+                  <a:stretch>
+                    <a:fillRect l="-2609" t="-3922" r="-2609" b="-5882"/>
+                  </a:stretch>
+                </a:blipFill>
+              </p:spPr>
+              <p:txBody>
+                <a:bodyPr/>
+                <a:lstStyle/>
+                <a:p>
+                  <a:r>
+                    <a:rPr lang="en-US">
+                      <a:noFill/>
+                    </a:rPr>
+                    <a:t> </a:t>
+                  </a:r>
+                </a:p>
+              </p:txBody>
+            </p:sp>
+          </mc:Fallback>
+        </mc:AlternateContent>
       </p:grpSp>
     </p:spTree>
     <p:extLst>

--- a/model_training/images/gradient_descent.pptx
+++ b/model_training/images/gradient_descent.pptx
@@ -3767,10 +3767,10 @@
       </p:grpSpPr>
       <p:grpSp>
         <p:nvGrpSpPr>
-          <p:cNvPr id="5" name="Group 4">
-            <a:extLst>
-              <a:ext uri="{FF2B5EF4-FFF2-40B4-BE49-F238E27FC236}">
-                <a16:creationId xmlns:a16="http://schemas.microsoft.com/office/drawing/2014/main" id="{327ABDB7-8D9A-6F40-94D1-34C517E36E4D}"/>
+          <p:cNvPr id="21" name="Group 20">
+            <a:extLst>
+              <a:ext uri="{FF2B5EF4-FFF2-40B4-BE49-F238E27FC236}">
+                <a16:creationId xmlns:a16="http://schemas.microsoft.com/office/drawing/2014/main" id="{227C0A8D-3B3F-4F46-B2E3-0D07A76802F4}"/>
               </a:ext>
             </a:extLst>
           </p:cNvPr>
@@ -3779,10 +3779,10 @@
         </p:nvGrpSpPr>
         <p:grpSpPr>
           <a:xfrm>
-            <a:off x="2116221" y="0"/>
-            <a:ext cx="5796178" cy="4880558"/>
-            <a:chOff x="2116221" y="0"/>
-            <a:chExt cx="5796178" cy="4880558"/>
+            <a:off x="1986950" y="0"/>
+            <a:ext cx="5925449" cy="4880558"/>
+            <a:chOff x="1986950" y="0"/>
+            <a:chExt cx="5925449" cy="4880558"/>
           </a:xfrm>
         </p:grpSpPr>
         <p:grpSp>
@@ -3799,10 +3799,10 @@
           </p:nvGrpSpPr>
           <p:grpSpPr>
             <a:xfrm>
-              <a:off x="2116221" y="0"/>
-              <a:ext cx="5796178" cy="4880558"/>
-              <a:chOff x="2116221" y="0"/>
-              <a:chExt cx="5796178" cy="4880558"/>
+              <a:off x="1986950" y="0"/>
+              <a:ext cx="5925449" cy="4880558"/>
+              <a:chOff x="1986950" y="0"/>
+              <a:chExt cx="5925449" cy="4880558"/>
             </a:xfrm>
           </p:grpSpPr>
           <p:sp>
@@ -3873,10 +3873,10 @@
             </p:nvGrpSpPr>
             <p:grpSpPr>
               <a:xfrm>
-                <a:off x="2116221" y="1012371"/>
-                <a:ext cx="5796178" cy="3868187"/>
-                <a:chOff x="2116221" y="1012371"/>
-                <a:chExt cx="5796178" cy="3868187"/>
+                <a:off x="1986950" y="1012371"/>
+                <a:ext cx="5925449" cy="3868187"/>
+                <a:chOff x="1986950" y="1012371"/>
+                <a:chExt cx="5925449" cy="3868187"/>
               </a:xfrm>
             </p:grpSpPr>
             <p:cxnSp>
@@ -3973,8 +3973,8 @@
               </p:nvSpPr>
               <p:spPr>
                 <a:xfrm>
-                  <a:off x="2116221" y="1187120"/>
-                  <a:ext cx="1038105" cy="369332"/>
+                  <a:off x="1986950" y="1222272"/>
+                  <a:ext cx="1127873" cy="646331"/>
                 </a:xfrm>
                 <a:prstGeom prst="rect">
                   <a:avLst/>
@@ -3989,13 +3989,20 @@
                 <a:p>
                   <a:r>
                     <a:rPr lang="en-US" dirty="0"/>
-                    <a:t>Cost/loss</a:t>
+                    <a:t>Cost/loss/</a:t>
+                  </a:r>
+                  <a:br>
+                    <a:rPr lang="en-US" dirty="0"/>
+                  </a:br>
+                  <a:r>
+                    <a:rPr lang="en-US" dirty="0"/>
+                    <a:t>error</a:t>
                   </a:r>
                 </a:p>
               </p:txBody>
             </p:sp>
-            <mc:AlternateContent xmlns:mc="http://schemas.openxmlformats.org/markup-compatibility/2006">
-              <mc:Choice xmlns:a14="http://schemas.microsoft.com/office/drawing/2010/main" Requires="a14">
+            <mc:AlternateContent xmlns:mc="http://schemas.openxmlformats.org/markup-compatibility/2006" xmlns:a14="http://schemas.microsoft.com/office/drawing/2010/main">
+              <mc:Choice Requires="a14">
                 <p:sp>
                   <p:nvSpPr>
                     <p:cNvPr id="9" name="TextBox 8">
@@ -4046,7 +4053,7 @@
                   </p:txBody>
                 </p:sp>
               </mc:Choice>
-              <mc:Fallback>
+              <mc:Fallback xmlns="">
                 <p:sp>
                   <p:nvSpPr>
                     <p:cNvPr id="9" name="TextBox 8">
@@ -4197,8 +4204,8 @@
               </p:nvSpPr>
               <p:spPr>
                 <a:xfrm>
-                  <a:off x="3251405" y="3908364"/>
-                  <a:ext cx="1814471" cy="369332"/>
+                  <a:off x="3257270" y="3953045"/>
+                  <a:ext cx="2042097" cy="369332"/>
                 </a:xfrm>
                 <a:prstGeom prst="rect">
                   <a:avLst/>
@@ -4213,7 +4220,7 @@
                 <a:p>
                   <a:r>
                     <a:rPr lang="en-US" dirty="0"/>
-                    <a:t>Gradient (=slope)</a:t>
+                    <a:t>3. Gradient (=slope)</a:t>
                   </a:r>
                 </a:p>
               </p:txBody>
@@ -4257,8 +4264,8 @@
                 </a:fontRef>
               </p:style>
             </p:cxnSp>
-            <mc:AlternateContent xmlns:mc="http://schemas.openxmlformats.org/markup-compatibility/2006" xmlns:a14="http://schemas.microsoft.com/office/drawing/2010/main">
-              <mc:Choice Requires="a14">
+            <mc:AlternateContent xmlns:mc="http://schemas.openxmlformats.org/markup-compatibility/2006">
+              <mc:Choice xmlns:a14="http://schemas.microsoft.com/office/drawing/2010/main" Requires="a14">
                 <p:sp>
                   <p:nvSpPr>
                     <p:cNvPr id="16" name="TextBox 15">
@@ -4273,8 +4280,8 @@
                   </p:nvSpPr>
                   <p:spPr>
                     <a:xfrm>
-                      <a:off x="4002745" y="1556452"/>
-                      <a:ext cx="952825" cy="369332"/>
+                      <a:off x="3875494" y="1545438"/>
+                      <a:ext cx="1180451" cy="369332"/>
                     </a:xfrm>
                     <a:prstGeom prst="rect">
                       <a:avLst/>
@@ -4289,7 +4296,7 @@
                     <a:p>
                       <a:r>
                         <a:rPr lang="en-US" dirty="0"/>
-                        <a:t>Initial </a:t>
+                        <a:t>2. Initial </a:t>
                       </a:r>
                       <a14:m>
                         <m:oMath xmlns:m="http://schemas.openxmlformats.org/officeDocument/2006/math">
@@ -4310,7 +4317,7 @@
                   </p:txBody>
                 </p:sp>
               </mc:Choice>
-              <mc:Fallback xmlns="">
+              <mc:Fallback>
                 <p:sp>
                   <p:nvSpPr>
                     <p:cNvPr id="16" name="TextBox 15">
@@ -4327,16 +4334,16 @@
                   </p:nvSpPr>
                   <p:spPr>
                     <a:xfrm>
-                      <a:off x="4002745" y="1556452"/>
-                      <a:ext cx="952825" cy="369332"/>
+                      <a:off x="3875494" y="1545438"/>
+                      <a:ext cx="1180451" cy="369332"/>
                     </a:xfrm>
                     <a:prstGeom prst="rect">
                       <a:avLst/>
                     </a:prstGeom>
                     <a:blipFill>
-                      <a:blip r:embed="rId5"/>
+                      <a:blip r:embed="rId4"/>
                       <a:stretch>
-                        <a:fillRect l="-5333" t="-6897" b="-27586"/>
+                        <a:fillRect l="-5435" t="-6897" b="-27586"/>
                       </a:stretch>
                     </a:blipFill>
                   </p:spPr>
@@ -4482,8 +4489,8 @@
                 </a:fontRef>
               </p:style>
             </p:cxnSp>
-            <mc:AlternateContent xmlns:mc="http://schemas.openxmlformats.org/markup-compatibility/2006" xmlns:a14="http://schemas.microsoft.com/office/drawing/2010/main">
-              <mc:Choice Requires="a14">
+            <mc:AlternateContent xmlns:mc="http://schemas.openxmlformats.org/markup-compatibility/2006">
+              <mc:Choice xmlns:a14="http://schemas.microsoft.com/office/drawing/2010/main" Requires="a14">
                 <p:sp>
                   <p:nvSpPr>
                     <p:cNvPr id="23" name="TextBox 22">
@@ -4499,7 +4506,7 @@
                   <p:spPr>
                     <a:xfrm>
                       <a:off x="3205952" y="3357361"/>
-                      <a:ext cx="601960" cy="537519"/>
+                      <a:ext cx="669542" cy="412677"/>
                     </a:xfrm>
                     <a:prstGeom prst="rect">
                       <a:avLst/>
@@ -4513,77 +4520,76 @@
                     <a:lstStyle/>
                     <a:p>
                       <a:pPr/>
+                      <a:r>
+                        <a:rPr lang="en-US" dirty="0"/>
+                        <a:t>4. </a:t>
+                      </a:r>
                       <a14:m>
-                        <m:oMathPara xmlns:m="http://schemas.openxmlformats.org/officeDocument/2006/math">
-                          <m:oMathParaPr>
-                            <m:jc m:val="centerGroup"/>
-                          </m:oMathParaPr>
-                          <m:oMath xmlns:m="http://schemas.openxmlformats.org/officeDocument/2006/math">
-                            <m:f>
-                              <m:fPr>
-                                <m:ctrlPr>
-                                  <a:rPr lang="en-US" i="1" smtClean="0">
-                                    <a:latin typeface="Cambria Math" panose="02040503050406030204" pitchFamily="18" charset="0"/>
-                                  </a:rPr>
-                                </m:ctrlPr>
-                              </m:fPr>
-                              <m:num>
-                                <m:r>
-                                  <a:rPr lang="en-US" i="1" smtClean="0">
-                                    <a:latin typeface="Cambria Math" panose="02040503050406030204" pitchFamily="18" charset="0"/>
-                                  </a:rPr>
-                                  <m:t>𝜕</m:t>
-                                </m:r>
-                                <m:r>
-                                  <a:rPr lang="en-US" b="0" i="1" smtClean="0">
-                                    <a:latin typeface="Cambria Math" panose="02040503050406030204" pitchFamily="18" charset="0"/>
-                                  </a:rPr>
-                                  <m:t>𝐽</m:t>
-                                </m:r>
-                                <m:d>
-                                  <m:dPr>
-                                    <m:ctrlPr>
-                                      <a:rPr lang="en-US" b="0" i="1" smtClean="0">
-                                        <a:latin typeface="Cambria Math" panose="02040503050406030204" pitchFamily="18" charset="0"/>
-                                      </a:rPr>
-                                    </m:ctrlPr>
-                                  </m:dPr>
-                                  <m:e>
-                                    <m:r>
-                                      <a:rPr lang="en-US" b="0" i="1" smtClean="0">
-                                        <a:latin typeface="Cambria Math" panose="02040503050406030204" pitchFamily="18" charset="0"/>
-                                        <a:ea typeface="Cambria Math" panose="02040503050406030204" pitchFamily="18" charset="0"/>
-                                      </a:rPr>
-                                      <m:t>𝜃</m:t>
-                                    </m:r>
-                                  </m:e>
-                                </m:d>
-                              </m:num>
-                              <m:den>
-                                <m:r>
-                                  <a:rPr lang="en-US" i="1" smtClean="0">
-                                    <a:latin typeface="Cambria Math" panose="02040503050406030204" pitchFamily="18" charset="0"/>
-                                  </a:rPr>
-                                  <m:t>𝜕</m:t>
-                                </m:r>
-                                <m:r>
-                                  <a:rPr lang="en-US" i="1" smtClean="0">
-                                    <a:latin typeface="Cambria Math" panose="02040503050406030204" pitchFamily="18" charset="0"/>
-                                    <a:ea typeface="Cambria Math" panose="02040503050406030204" pitchFamily="18" charset="0"/>
-                                  </a:rPr>
-                                  <m:t>𝜃</m:t>
-                                </m:r>
-                              </m:den>
-                            </m:f>
-                          </m:oMath>
-                        </m:oMathPara>
+                        <m:oMath xmlns:m="http://schemas.openxmlformats.org/officeDocument/2006/math">
+                          <m:f>
+                            <m:fPr>
+                              <m:ctrlPr>
+                                <a:rPr lang="en-US" i="1" smtClean="0">
+                                  <a:latin typeface="Cambria Math" panose="02040503050406030204" pitchFamily="18" charset="0"/>
+                                </a:rPr>
+                              </m:ctrlPr>
+                            </m:fPr>
+                            <m:num>
+                              <m:r>
+                                <a:rPr lang="en-US" i="1" smtClean="0">
+                                  <a:latin typeface="Cambria Math" panose="02040503050406030204" pitchFamily="18" charset="0"/>
+                                </a:rPr>
+                                <m:t>𝜕</m:t>
+                              </m:r>
+                              <m:r>
+                                <a:rPr lang="en-US" b="0" i="1" smtClean="0">
+                                  <a:latin typeface="Cambria Math" panose="02040503050406030204" pitchFamily="18" charset="0"/>
+                                </a:rPr>
+                                <m:t>𝐽</m:t>
+                              </m:r>
+                              <m:d>
+                                <m:dPr>
+                                  <m:ctrlPr>
+                                    <a:rPr lang="en-US" b="0" i="1" smtClean="0">
+                                      <a:latin typeface="Cambria Math" panose="02040503050406030204" pitchFamily="18" charset="0"/>
+                                    </a:rPr>
+                                  </m:ctrlPr>
+                                </m:dPr>
+                                <m:e>
+                                  <m:r>
+                                    <a:rPr lang="en-US" b="0" i="1" smtClean="0">
+                                      <a:latin typeface="Cambria Math" panose="02040503050406030204" pitchFamily="18" charset="0"/>
+                                      <a:ea typeface="Cambria Math" panose="02040503050406030204" pitchFamily="18" charset="0"/>
+                                    </a:rPr>
+                                    <m:t>𝜃</m:t>
+                                  </m:r>
+                                </m:e>
+                              </m:d>
+                            </m:num>
+                            <m:den>
+                              <m:r>
+                                <a:rPr lang="en-US" i="1" smtClean="0">
+                                  <a:latin typeface="Cambria Math" panose="02040503050406030204" pitchFamily="18" charset="0"/>
+                                </a:rPr>
+                                <m:t>𝜕</m:t>
+                              </m:r>
+                              <m:r>
+                                <a:rPr lang="en-US" i="1" smtClean="0">
+                                  <a:latin typeface="Cambria Math" panose="02040503050406030204" pitchFamily="18" charset="0"/>
+                                  <a:ea typeface="Cambria Math" panose="02040503050406030204" pitchFamily="18" charset="0"/>
+                                </a:rPr>
+                                <m:t>𝜃</m:t>
+                              </m:r>
+                            </m:den>
+                          </m:f>
+                        </m:oMath>
                       </a14:m>
                       <a:endParaRPr lang="en-US" dirty="0"/>
                     </a:p>
                   </p:txBody>
                 </p:sp>
               </mc:Choice>
-              <mc:Fallback xmlns="">
+              <mc:Fallback>
                 <p:sp>
                   <p:nvSpPr>
                     <p:cNvPr id="23" name="TextBox 22">
@@ -4601,15 +4607,15 @@
                   <p:spPr>
                     <a:xfrm>
                       <a:off x="3205952" y="3357361"/>
-                      <a:ext cx="601960" cy="537519"/>
+                      <a:ext cx="669542" cy="412677"/>
                     </a:xfrm>
                     <a:prstGeom prst="rect">
                       <a:avLst/>
                     </a:prstGeom>
                     <a:blipFill>
-                      <a:blip r:embed="rId6"/>
+                      <a:blip r:embed="rId5"/>
                       <a:stretch>
-                        <a:fillRect l="-8333" b="-14286"/>
+                        <a:fillRect l="-22642" b="-21875"/>
                       </a:stretch>
                     </a:blipFill>
                   </p:spPr>
@@ -4875,8 +4881,8 @@
                 </a:fontRef>
               </p:style>
             </p:cxnSp>
-            <mc:AlternateContent xmlns:mc="http://schemas.openxmlformats.org/markup-compatibility/2006" xmlns:a14="http://schemas.microsoft.com/office/drawing/2010/main">
-              <mc:Choice Requires="a14">
+            <mc:AlternateContent xmlns:mc="http://schemas.openxmlformats.org/markup-compatibility/2006">
+              <mc:Choice xmlns:a14="http://schemas.microsoft.com/office/drawing/2010/main" Requires="a14">
                 <p:sp>
                   <p:nvSpPr>
                     <p:cNvPr id="40" name="TextBox 39">
@@ -4892,7 +4898,7 @@
                   <p:spPr>
                     <a:xfrm>
                       <a:off x="4531709" y="2426967"/>
-                      <a:ext cx="1674561" cy="505010"/>
+                      <a:ext cx="1889363" cy="505010"/>
                     </a:xfrm>
                     <a:prstGeom prst="rect">
                       <a:avLst/>
@@ -4907,6 +4913,13 @@
                     <a:p>
                       <a14:m>
                         <m:oMath xmlns:m="http://schemas.openxmlformats.org/officeDocument/2006/math">
+                          <m:r>
+                            <a:rPr lang="en-US" b="0" i="1" smtClean="0">
+                              <a:latin typeface="Cambria Math" panose="02040503050406030204" pitchFamily="18" charset="0"/>
+                              <a:ea typeface="Cambria Math" panose="02040503050406030204" pitchFamily="18" charset="0"/>
+                            </a:rPr>
+                            <m:t>2. </m:t>
+                          </m:r>
                           <m:r>
                             <a:rPr lang="en-US" i="1" smtClean="0">
                               <a:latin typeface="Cambria Math" panose="02040503050406030204" pitchFamily="18" charset="0"/>
@@ -5013,7 +5026,7 @@
                   </p:txBody>
                 </p:sp>
               </mc:Choice>
-              <mc:Fallback xmlns="">
+              <mc:Fallback>
                 <p:sp>
                   <p:nvSpPr>
                     <p:cNvPr id="40" name="TextBox 39">
@@ -5031,13 +5044,13 @@
                   <p:spPr>
                     <a:xfrm>
                       <a:off x="4531709" y="2426967"/>
-                      <a:ext cx="1674561" cy="505010"/>
+                      <a:ext cx="1889363" cy="505010"/>
                     </a:xfrm>
                     <a:prstGeom prst="rect">
                       <a:avLst/>
                     </a:prstGeom>
                     <a:blipFill>
-                      <a:blip r:embed="rId7"/>
+                      <a:blip r:embed="rId6"/>
                       <a:stretch>
                         <a:fillRect b="-2564"/>
                       </a:stretch>
@@ -5115,8 +5128,8 @@
               </p:nvSpPr>
               <p:spPr>
                 <a:xfrm>
-                  <a:off x="5803989" y="1456023"/>
-                  <a:ext cx="1451679" cy="646331"/>
+                  <a:off x="6136580" y="1268401"/>
+                  <a:ext cx="1682512" cy="646331"/>
                 </a:xfrm>
                 <a:prstGeom prst="rect">
                   <a:avLst/>
@@ -5137,7 +5150,7 @@
                         </a:schemeClr>
                       </a:solidFill>
                     </a:rPr>
-                    <a:t>Cost function</a:t>
+                    <a:t>1. Cost function</a:t>
                   </a:r>
                 </a:p>
                 <a:p>
@@ -5218,16 +5231,16 @@
               </p:nvSpPr>
               <p:spPr>
                 <a:xfrm>
-                  <a:off x="5803989" y="1456023"/>
-                  <a:ext cx="1451679" cy="646331"/>
+                  <a:off x="6136580" y="1268401"/>
+                  <a:ext cx="1682512" cy="646331"/>
                 </a:xfrm>
                 <a:prstGeom prst="rect">
                   <a:avLst/>
                 </a:prstGeom>
                 <a:blipFill>
-                  <a:blip r:embed="rId8"/>
+                  <a:blip r:embed="rId7"/>
                   <a:stretch>
-                    <a:fillRect l="-2609" t="-3922" r="-2609" b="-5882"/>
+                    <a:fillRect l="-3030" t="-3922" r="-2273" b="-5882"/>
                   </a:stretch>
                 </a:blipFill>
               </p:spPr>
@@ -5246,6 +5259,142 @@
             </p:sp>
           </mc:Fallback>
         </mc:AlternateContent>
+        <mc:AlternateContent xmlns:mc="http://schemas.openxmlformats.org/markup-compatibility/2006">
+          <mc:Choice xmlns:a14="http://schemas.microsoft.com/office/drawing/2010/main" Requires="a14">
+            <p:sp>
+              <p:nvSpPr>
+                <p:cNvPr id="6" name="TextBox 5">
+                  <a:extLst>
+                    <a:ext uri="{FF2B5EF4-FFF2-40B4-BE49-F238E27FC236}">
+                      <a16:creationId xmlns:a16="http://schemas.microsoft.com/office/drawing/2014/main" id="{66177C18-2D5B-BC40-BBAE-3E2F3C863BF2}"/>
+                    </a:ext>
+                  </a:extLst>
+                </p:cNvPr>
+                <p:cNvSpPr txBox="1"/>
+                <p:nvPr/>
+              </p:nvSpPr>
+              <p:spPr>
+                <a:xfrm>
+                  <a:off x="5232801" y="1614718"/>
+                  <a:ext cx="557140" cy="369332"/>
+                </a:xfrm>
+                <a:prstGeom prst="rect">
+                  <a:avLst/>
+                </a:prstGeom>
+                <a:noFill/>
+              </p:spPr>
+              <p:txBody>
+                <a:bodyPr wrap="none" rtlCol="0">
+                  <a:spAutoFit/>
+                </a:bodyPr>
+                <a:lstStyle/>
+                <a:p>
+                  <a:r>
+                    <a:rPr lang="en-US" dirty="0"/>
+                    <a:t>5. </a:t>
+                  </a:r>
+                  <a14:m>
+                    <m:oMath xmlns:m="http://schemas.openxmlformats.org/officeDocument/2006/math">
+                      <m:r>
+                        <a:rPr lang="en-US" i="1" smtClean="0">
+                          <a:latin typeface="Cambria Math" panose="02040503050406030204" pitchFamily="18" charset="0"/>
+                          <a:ea typeface="Cambria Math" panose="02040503050406030204" pitchFamily="18" charset="0"/>
+                        </a:rPr>
+                        <m:t>𝛼</m:t>
+                      </m:r>
+                    </m:oMath>
+                  </a14:m>
+                  <a:endParaRPr lang="en-US" dirty="0"/>
+                </a:p>
+              </p:txBody>
+            </p:sp>
+          </mc:Choice>
+          <mc:Fallback>
+            <p:sp>
+              <p:nvSpPr>
+                <p:cNvPr id="6" name="TextBox 5">
+                  <a:extLst>
+                    <a:ext uri="{FF2B5EF4-FFF2-40B4-BE49-F238E27FC236}">
+                      <a16:creationId xmlns:a16="http://schemas.microsoft.com/office/drawing/2014/main" id="{66177C18-2D5B-BC40-BBAE-3E2F3C863BF2}"/>
+                    </a:ext>
+                  </a:extLst>
+                </p:cNvPr>
+                <p:cNvSpPr txBox="1">
+                  <a:spLocks noRot="1" noChangeAspect="1" noMove="1" noResize="1" noEditPoints="1" noAdjustHandles="1" noChangeArrowheads="1" noChangeShapeType="1" noTextEdit="1"/>
+                </p:cNvSpPr>
+                <p:nvPr/>
+              </p:nvSpPr>
+              <p:spPr>
+                <a:xfrm>
+                  <a:off x="5232801" y="1614718"/>
+                  <a:ext cx="557140" cy="369332"/>
+                </a:xfrm>
+                <a:prstGeom prst="rect">
+                  <a:avLst/>
+                </a:prstGeom>
+                <a:blipFill>
+                  <a:blip r:embed="rId8"/>
+                  <a:stretch>
+                    <a:fillRect l="-6667" t="-10345" b="-27586"/>
+                  </a:stretch>
+                </a:blipFill>
+              </p:spPr>
+              <p:txBody>
+                <a:bodyPr/>
+                <a:lstStyle/>
+                <a:p>
+                  <a:r>
+                    <a:rPr lang="en-US">
+                      <a:noFill/>
+                    </a:rPr>
+                    <a:t> </a:t>
+                  </a:r>
+                </a:p>
+              </p:txBody>
+            </p:sp>
+          </mc:Fallback>
+        </mc:AlternateContent>
+        <p:cxnSp>
+          <p:nvCxnSpPr>
+            <p:cNvPr id="30" name="Straight Arrow Connector 29">
+              <a:extLst>
+                <a:ext uri="{FF2B5EF4-FFF2-40B4-BE49-F238E27FC236}">
+                  <a16:creationId xmlns:a16="http://schemas.microsoft.com/office/drawing/2014/main" id="{67C64C65-0ED2-CE43-8DC7-6FCFDEA9EC56}"/>
+                </a:ext>
+              </a:extLst>
+            </p:cNvPr>
+            <p:cNvCxnSpPr>
+              <a:cxnSpLocks/>
+            </p:cNvCxnSpPr>
+            <p:nvPr/>
+          </p:nvCxnSpPr>
+          <p:spPr>
+            <a:xfrm>
+              <a:off x="5567194" y="1982482"/>
+              <a:ext cx="149717" cy="628887"/>
+            </a:xfrm>
+            <a:prstGeom prst="straightConnector1">
+              <a:avLst/>
+            </a:prstGeom>
+            <a:ln>
+              <a:tailEnd type="triangle"/>
+            </a:ln>
+          </p:spPr>
+          <p:style>
+            <a:lnRef idx="1">
+              <a:schemeClr val="accent1"/>
+            </a:lnRef>
+            <a:fillRef idx="0">
+              <a:schemeClr val="accent1"/>
+            </a:fillRef>
+            <a:effectRef idx="0">
+              <a:schemeClr val="accent1"/>
+            </a:effectRef>
+            <a:fontRef idx="minor">
+              <a:schemeClr val="tx1"/>
+            </a:fontRef>
+          </p:style>
+        </p:cxnSp>
       </p:grpSp>
     </p:spTree>
     <p:extLst>

--- a/model_training/images/gradient_descent.pptx
+++ b/model_training/images/gradient_descent.pptx
@@ -3779,10 +3779,10 @@
         </p:nvGrpSpPr>
         <p:grpSpPr>
           <a:xfrm>
-            <a:off x="1986950" y="0"/>
-            <a:ext cx="5925449" cy="4880558"/>
-            <a:chOff x="1986950" y="0"/>
-            <a:chExt cx="5925449" cy="4880558"/>
+            <a:off x="2118772" y="0"/>
+            <a:ext cx="5793627" cy="4880558"/>
+            <a:chOff x="2118772" y="0"/>
+            <a:chExt cx="5793627" cy="4880558"/>
           </a:xfrm>
         </p:grpSpPr>
         <p:grpSp>
@@ -3799,10 +3799,10 @@
           </p:nvGrpSpPr>
           <p:grpSpPr>
             <a:xfrm>
-              <a:off x="1986950" y="0"/>
-              <a:ext cx="5925449" cy="4880558"/>
-              <a:chOff x="1986950" y="0"/>
-              <a:chExt cx="5925449" cy="4880558"/>
+              <a:off x="2118772" y="0"/>
+              <a:ext cx="5793627" cy="4880558"/>
+              <a:chOff x="2118772" y="0"/>
+              <a:chExt cx="5793627" cy="4880558"/>
             </a:xfrm>
           </p:grpSpPr>
           <p:sp>
@@ -3873,10 +3873,10 @@
             </p:nvGrpSpPr>
             <p:grpSpPr>
               <a:xfrm>
-                <a:off x="1986950" y="1012371"/>
-                <a:ext cx="5925449" cy="3868187"/>
-                <a:chOff x="1986950" y="1012371"/>
-                <a:chExt cx="5925449" cy="3868187"/>
+                <a:off x="2118772" y="1012371"/>
+                <a:ext cx="5793627" cy="3868187"/>
+                <a:chOff x="2118772" y="1012371"/>
+                <a:chExt cx="5793627" cy="3868187"/>
               </a:xfrm>
             </p:grpSpPr>
             <p:cxnSp>
@@ -3973,8 +3973,8 @@
               </p:nvSpPr>
               <p:spPr>
                 <a:xfrm>
-                  <a:off x="1986950" y="1222272"/>
-                  <a:ext cx="1127873" cy="646331"/>
+                  <a:off x="2118772" y="1083773"/>
+                  <a:ext cx="911468" cy="923330"/>
                 </a:xfrm>
                 <a:prstGeom prst="rect">
                   <a:avLst/>
@@ -3987,9 +3987,17 @@
                 </a:bodyPr>
                 <a:lstStyle/>
                 <a:p>
+                  <a:pPr algn="ctr"/>
                   <a:r>
                     <a:rPr lang="en-US" dirty="0"/>
-                    <a:t>Cost/loss/</a:t>
+                    <a:t>6. Cost/</a:t>
+                  </a:r>
+                  <a:br>
+                    <a:rPr lang="en-US" dirty="0"/>
+                  </a:br>
+                  <a:r>
+                    <a:rPr lang="en-US" dirty="0"/>
+                    <a:t>loss/</a:t>
                   </a:r>
                   <a:br>
                     <a:rPr lang="en-US" dirty="0"/>
@@ -4264,8 +4272,8 @@
                 </a:fontRef>
               </p:style>
             </p:cxnSp>
-            <mc:AlternateContent xmlns:mc="http://schemas.openxmlformats.org/markup-compatibility/2006">
-              <mc:Choice xmlns:a14="http://schemas.microsoft.com/office/drawing/2010/main" Requires="a14">
+            <mc:AlternateContent xmlns:mc="http://schemas.openxmlformats.org/markup-compatibility/2006" xmlns:a14="http://schemas.microsoft.com/office/drawing/2010/main">
+              <mc:Choice Requires="a14">
                 <p:sp>
                   <p:nvSpPr>
                     <p:cNvPr id="16" name="TextBox 15">
@@ -4317,7 +4325,7 @@
                   </p:txBody>
                 </p:sp>
               </mc:Choice>
-              <mc:Fallback>
+              <mc:Fallback xmlns="">
                 <p:sp>
                   <p:nvSpPr>
                     <p:cNvPr id="16" name="TextBox 15">
@@ -4489,8 +4497,8 @@
                 </a:fontRef>
               </p:style>
             </p:cxnSp>
-            <mc:AlternateContent xmlns:mc="http://schemas.openxmlformats.org/markup-compatibility/2006">
-              <mc:Choice xmlns:a14="http://schemas.microsoft.com/office/drawing/2010/main" Requires="a14">
+            <mc:AlternateContent xmlns:mc="http://schemas.openxmlformats.org/markup-compatibility/2006" xmlns:a14="http://schemas.microsoft.com/office/drawing/2010/main">
+              <mc:Choice Requires="a14">
                 <p:sp>
                   <p:nvSpPr>
                     <p:cNvPr id="23" name="TextBox 22">
@@ -4519,7 +4527,6 @@
                     </a:bodyPr>
                     <a:lstStyle/>
                     <a:p>
-                      <a:pPr/>
                       <a:r>
                         <a:rPr lang="en-US" dirty="0"/>
                         <a:t>4. </a:t>
@@ -4589,7 +4596,7 @@
                   </p:txBody>
                 </p:sp>
               </mc:Choice>
-              <mc:Fallback>
+              <mc:Fallback xmlns="">
                 <p:sp>
                   <p:nvSpPr>
                     <p:cNvPr id="23" name="TextBox 22">
@@ -4881,8 +4888,8 @@
                 </a:fontRef>
               </p:style>
             </p:cxnSp>
-            <mc:AlternateContent xmlns:mc="http://schemas.openxmlformats.org/markup-compatibility/2006">
-              <mc:Choice xmlns:a14="http://schemas.microsoft.com/office/drawing/2010/main" Requires="a14">
+            <mc:AlternateContent xmlns:mc="http://schemas.openxmlformats.org/markup-compatibility/2006" xmlns:a14="http://schemas.microsoft.com/office/drawing/2010/main">
+              <mc:Choice Requires="a14">
                 <p:sp>
                   <p:nvSpPr>
                     <p:cNvPr id="40" name="TextBox 39">
@@ -5026,7 +5033,7 @@
                   </p:txBody>
                 </p:sp>
               </mc:Choice>
-              <mc:Fallback>
+              <mc:Fallback xmlns="">
                 <p:sp>
                   <p:nvSpPr>
                     <p:cNvPr id="40" name="TextBox 39">
@@ -5112,8 +5119,8 @@
             </p:cxnSp>
           </p:grpSp>
         </p:grpSp>
-        <mc:AlternateContent xmlns:mc="http://schemas.openxmlformats.org/markup-compatibility/2006">
-          <mc:Choice xmlns:a14="http://schemas.microsoft.com/office/drawing/2010/main" Requires="a14">
+        <mc:AlternateContent xmlns:mc="http://schemas.openxmlformats.org/markup-compatibility/2006" xmlns:a14="http://schemas.microsoft.com/office/drawing/2010/main">
+          <mc:Choice Requires="a14">
             <p:sp>
               <p:nvSpPr>
                 <p:cNvPr id="26" name="TextBox 25">
@@ -5214,7 +5221,7 @@
               </p:txBody>
             </p:sp>
           </mc:Choice>
-          <mc:Fallback>
+          <mc:Fallback xmlns="">
             <p:sp>
               <p:nvSpPr>
                 <p:cNvPr id="26" name="TextBox 25">
@@ -5259,8 +5266,8 @@
             </p:sp>
           </mc:Fallback>
         </mc:AlternateContent>
-        <mc:AlternateContent xmlns:mc="http://schemas.openxmlformats.org/markup-compatibility/2006">
-          <mc:Choice xmlns:a14="http://schemas.microsoft.com/office/drawing/2010/main" Requires="a14">
+        <mc:AlternateContent xmlns:mc="http://schemas.openxmlformats.org/markup-compatibility/2006" xmlns:a14="http://schemas.microsoft.com/office/drawing/2010/main">
+          <mc:Choice Requires="a14">
             <p:sp>
               <p:nvSpPr>
                 <p:cNvPr id="6" name="TextBox 5">
@@ -5309,7 +5316,7 @@
               </p:txBody>
             </p:sp>
           </mc:Choice>
-          <mc:Fallback>
+          <mc:Fallback xmlns="">
             <p:sp>
               <p:nvSpPr>
                 <p:cNvPr id="6" name="TextBox 5">
